--- a/documents/figs.pptx
+++ b/documents/figs.pptx
@@ -6,9 +6,11 @@
   </p:sldMasterIdLst>
   <p:sldIdLst>
     <p:sldId id="257" r:id="rId2"/>
-    <p:sldId id="261" r:id="rId3"/>
-    <p:sldId id="259" r:id="rId4"/>
-    <p:sldId id="260" r:id="rId5"/>
+    <p:sldId id="262" r:id="rId3"/>
+    <p:sldId id="261" r:id="rId4"/>
+    <p:sldId id="259" r:id="rId5"/>
+    <p:sldId id="263" r:id="rId6"/>
+    <p:sldId id="260" r:id="rId7"/>
   </p:sldIdLst>
   <p:sldSz cx="23164800" cy="23225125"/>
   <p:notesSz cx="6858000" cy="9144000"/>
@@ -246,7 +248,7 @@
           <a:p>
             <a:fld id="{843C6D3A-B15E-405B-98B4-B3241AC3BFF7}" type="datetimeFigureOut">
               <a:rPr lang="en-CA" smtClean="0"/>
-              <a:t>2021-06-07</a:t>
+              <a:t>2022-05-16</a:t>
             </a:fld>
             <a:endParaRPr lang="en-CA"/>
           </a:p>
@@ -416,7 +418,7 @@
           <a:p>
             <a:fld id="{843C6D3A-B15E-405B-98B4-B3241AC3BFF7}" type="datetimeFigureOut">
               <a:rPr lang="en-CA" smtClean="0"/>
-              <a:t>2021-06-07</a:t>
+              <a:t>2022-05-16</a:t>
             </a:fld>
             <a:endParaRPr lang="en-CA"/>
           </a:p>
@@ -596,7 +598,7 @@
           <a:p>
             <a:fld id="{843C6D3A-B15E-405B-98B4-B3241AC3BFF7}" type="datetimeFigureOut">
               <a:rPr lang="en-CA" smtClean="0"/>
-              <a:t>2021-06-07</a:t>
+              <a:t>2022-05-16</a:t>
             </a:fld>
             <a:endParaRPr lang="en-CA"/>
           </a:p>
@@ -766,7 +768,7 @@
           <a:p>
             <a:fld id="{843C6D3A-B15E-405B-98B4-B3241AC3BFF7}" type="datetimeFigureOut">
               <a:rPr lang="en-CA" smtClean="0"/>
-              <a:t>2021-06-07</a:t>
+              <a:t>2022-05-16</a:t>
             </a:fld>
             <a:endParaRPr lang="en-CA"/>
           </a:p>
@@ -1010,7 +1012,7 @@
           <a:p>
             <a:fld id="{843C6D3A-B15E-405B-98B4-B3241AC3BFF7}" type="datetimeFigureOut">
               <a:rPr lang="en-CA" smtClean="0"/>
-              <a:t>2021-06-07</a:t>
+              <a:t>2022-05-16</a:t>
             </a:fld>
             <a:endParaRPr lang="en-CA"/>
           </a:p>
@@ -1242,7 +1244,7 @@
           <a:p>
             <a:fld id="{843C6D3A-B15E-405B-98B4-B3241AC3BFF7}" type="datetimeFigureOut">
               <a:rPr lang="en-CA" smtClean="0"/>
-              <a:t>2021-06-07</a:t>
+              <a:t>2022-05-16</a:t>
             </a:fld>
             <a:endParaRPr lang="en-CA"/>
           </a:p>
@@ -1609,7 +1611,7 @@
           <a:p>
             <a:fld id="{843C6D3A-B15E-405B-98B4-B3241AC3BFF7}" type="datetimeFigureOut">
               <a:rPr lang="en-CA" smtClean="0"/>
-              <a:t>2021-06-07</a:t>
+              <a:t>2022-05-16</a:t>
             </a:fld>
             <a:endParaRPr lang="en-CA"/>
           </a:p>
@@ -1727,7 +1729,7 @@
           <a:p>
             <a:fld id="{843C6D3A-B15E-405B-98B4-B3241AC3BFF7}" type="datetimeFigureOut">
               <a:rPr lang="en-CA" smtClean="0"/>
-              <a:t>2021-06-07</a:t>
+              <a:t>2022-05-16</a:t>
             </a:fld>
             <a:endParaRPr lang="en-CA"/>
           </a:p>
@@ -1822,7 +1824,7 @@
           <a:p>
             <a:fld id="{843C6D3A-B15E-405B-98B4-B3241AC3BFF7}" type="datetimeFigureOut">
               <a:rPr lang="en-CA" smtClean="0"/>
-              <a:t>2021-06-07</a:t>
+              <a:t>2022-05-16</a:t>
             </a:fld>
             <a:endParaRPr lang="en-CA"/>
           </a:p>
@@ -2099,7 +2101,7 @@
           <a:p>
             <a:fld id="{843C6D3A-B15E-405B-98B4-B3241AC3BFF7}" type="datetimeFigureOut">
               <a:rPr lang="en-CA" smtClean="0"/>
-              <a:t>2021-06-07</a:t>
+              <a:t>2022-05-16</a:t>
             </a:fld>
             <a:endParaRPr lang="en-CA"/>
           </a:p>
@@ -2356,7 +2358,7 @@
           <a:p>
             <a:fld id="{843C6D3A-B15E-405B-98B4-B3241AC3BFF7}" type="datetimeFigureOut">
               <a:rPr lang="en-CA" smtClean="0"/>
-              <a:t>2021-06-07</a:t>
+              <a:t>2022-05-16</a:t>
             </a:fld>
             <a:endParaRPr lang="en-CA"/>
           </a:p>
@@ -2569,7 +2571,7 @@
           <a:p>
             <a:fld id="{843C6D3A-B15E-405B-98B4-B3241AC3BFF7}" type="datetimeFigureOut">
               <a:rPr lang="en-CA" smtClean="0"/>
-              <a:t>2021-06-07</a:t>
+              <a:t>2022-05-16</a:t>
             </a:fld>
             <a:endParaRPr lang="en-CA"/>
           </a:p>
@@ -3162,10 +3164,10 @@
       </p:sp>
       <p:pic>
         <p:nvPicPr>
-          <p:cNvPr id="10" name="Picture 9">
-            <a:extLst>
-              <a:ext uri="{FF2B5EF4-FFF2-40B4-BE49-F238E27FC236}">
-                <a16:creationId xmlns:a16="http://schemas.microsoft.com/office/drawing/2014/main" id="{B64E4191-DE33-46B3-A2E3-3F476CE9A220}"/>
+          <p:cNvPr id="12" name="Picture 11">
+            <a:extLst>
+              <a:ext uri="{FF2B5EF4-FFF2-40B4-BE49-F238E27FC236}">
+                <a16:creationId xmlns:a16="http://schemas.microsoft.com/office/drawing/2014/main" id="{CBB0FC72-A482-433B-BBA3-7D757B741849}"/>
               </a:ext>
             </a:extLst>
           </p:cNvPr>
@@ -3174,701 +3176,8 @@
           </p:cNvPicPr>
           <p:nvPr/>
         </p:nvPicPr>
-        <p:blipFill rotWithShape="1">
+        <p:blipFill>
           <a:blip r:embed="rId4"/>
-          <a:srcRect b="6378"/>
-          <a:stretch/>
-        </p:blipFill>
-        <p:spPr>
-          <a:xfrm>
-            <a:off x="3288330" y="10462790"/>
-            <a:ext cx="2309673" cy="1785323"/>
-          </a:xfrm>
-          <a:prstGeom prst="rect">
-            <a:avLst/>
-          </a:prstGeom>
-          <a:ln w="19050">
-            <a:solidFill>
-              <a:schemeClr val="accent1"/>
-            </a:solidFill>
-          </a:ln>
-        </p:spPr>
-      </p:pic>
-      <p:sp>
-        <p:nvSpPr>
-          <p:cNvPr id="11" name="TextBox 10">
-            <a:extLst>
-              <a:ext uri="{FF2B5EF4-FFF2-40B4-BE49-F238E27FC236}">
-                <a16:creationId xmlns:a16="http://schemas.microsoft.com/office/drawing/2014/main" id="{A86D2CB0-12F8-46F9-9ECB-765449D43C6D}"/>
-              </a:ext>
-            </a:extLst>
-          </p:cNvPr>
-          <p:cNvSpPr txBox="1"/>
-          <p:nvPr/>
-        </p:nvSpPr>
-        <p:spPr>
-          <a:xfrm>
-            <a:off x="3448819" y="10145812"/>
-            <a:ext cx="1988690" cy="338554"/>
-          </a:xfrm>
-          <a:prstGeom prst="rect">
-            <a:avLst/>
-          </a:prstGeom>
-          <a:noFill/>
-        </p:spPr>
-        <p:txBody>
-          <a:bodyPr wrap="square" rtlCol="0">
-            <a:spAutoFit/>
-          </a:bodyPr>
-          <a:lstStyle/>
-          <a:p>
-            <a:pPr algn="ctr"/>
-            <a:r>
-              <a:rPr lang="en-CA" sz="1600" b="1" dirty="0">
-                <a:latin typeface="Arial" panose="020B0604020202020204" pitchFamily="34" charset="0"/>
-                <a:cs typeface="Arial" panose="020B0604020202020204" pitchFamily="34" charset="0"/>
-              </a:rPr>
-              <a:t>Liver Vol</a:t>
-            </a:r>
-            <a:r>
-              <a:rPr lang="en-CA" sz="1600" b="1" dirty="0">
-                <a:latin typeface="UD Digi Kyokasho N-B" panose="020B0400000000000000" pitchFamily="18" charset="-128"/>
-                <a:ea typeface="UD Digi Kyokasho N-B" panose="020B0400000000000000" pitchFamily="18" charset="-128"/>
-                <a:cs typeface="Arial" panose="020B0604020202020204" pitchFamily="34" charset="0"/>
-              </a:rPr>
-              <a:t>u</a:t>
-            </a:r>
-            <a:r>
-              <a:rPr lang="en-CA" sz="1600" b="1" dirty="0">
-                <a:latin typeface="Arial" panose="020B0604020202020204" pitchFamily="34" charset="0"/>
-                <a:cs typeface="Arial" panose="020B0604020202020204" pitchFamily="34" charset="0"/>
-              </a:rPr>
-              <a:t>me</a:t>
-            </a:r>
-          </a:p>
-        </p:txBody>
-      </p:sp>
-      <p:cxnSp>
-        <p:nvCxnSpPr>
-          <p:cNvPr id="17" name="Straight Arrow Connector 16">
-            <a:extLst>
-              <a:ext uri="{FF2B5EF4-FFF2-40B4-BE49-F238E27FC236}">
-                <a16:creationId xmlns:a16="http://schemas.microsoft.com/office/drawing/2014/main" id="{4B7D282F-5EF5-42FE-9782-31F22D94D784}"/>
-              </a:ext>
-            </a:extLst>
-          </p:cNvPr>
-          <p:cNvCxnSpPr>
-            <a:cxnSpLocks/>
-            <a:stCxn id="10" idx="3"/>
-            <a:endCxn id="26" idx="1"/>
-          </p:cNvCxnSpPr>
-          <p:nvPr/>
-        </p:nvCxnSpPr>
-        <p:spPr>
-          <a:xfrm>
-            <a:off x="5598003" y="11355450"/>
-            <a:ext cx="440849" cy="3926"/>
-          </a:xfrm>
-          <a:prstGeom prst="straightConnector1">
-            <a:avLst/>
-          </a:prstGeom>
-          <a:ln w="19050">
-            <a:solidFill>
-              <a:srgbClr val="C00000"/>
-            </a:solidFill>
-            <a:tailEnd type="triangle"/>
-          </a:ln>
-        </p:spPr>
-        <p:style>
-          <a:lnRef idx="2">
-            <a:schemeClr val="accent1"/>
-          </a:lnRef>
-          <a:fillRef idx="0">
-            <a:schemeClr val="accent1"/>
-          </a:fillRef>
-          <a:effectRef idx="1">
-            <a:schemeClr val="accent1"/>
-          </a:effectRef>
-          <a:fontRef idx="minor">
-            <a:schemeClr val="tx1"/>
-          </a:fontRef>
-        </p:style>
-      </p:cxnSp>
-      <p:pic>
-        <p:nvPicPr>
-          <p:cNvPr id="19" name="Picture 18">
-            <a:extLst>
-              <a:ext uri="{FF2B5EF4-FFF2-40B4-BE49-F238E27FC236}">
-                <a16:creationId xmlns:a16="http://schemas.microsoft.com/office/drawing/2014/main" id="{A4EDEAB6-F313-4CD2-92D5-531E04E36D6D}"/>
-              </a:ext>
-            </a:extLst>
-          </p:cNvPr>
-          <p:cNvPicPr>
-            <a:picLocks noChangeAspect="1"/>
-          </p:cNvPicPr>
-          <p:nvPr/>
-        </p:nvPicPr>
-        <p:blipFill>
-          <a:blip r:embed="rId5"/>
-          <a:stretch>
-            <a:fillRect/>
-          </a:stretch>
-        </p:blipFill>
-        <p:spPr>
-          <a:xfrm>
-            <a:off x="6140956" y="10346682"/>
-            <a:ext cx="1861961" cy="974330"/>
-          </a:xfrm>
-          <a:prstGeom prst="rect">
-            <a:avLst/>
-          </a:prstGeom>
-        </p:spPr>
-      </p:pic>
-      <p:grpSp>
-        <p:nvGrpSpPr>
-          <p:cNvPr id="22" name="Group 21">
-            <a:extLst>
-              <a:ext uri="{FF2B5EF4-FFF2-40B4-BE49-F238E27FC236}">
-                <a16:creationId xmlns:a16="http://schemas.microsoft.com/office/drawing/2014/main" id="{981FA72A-4071-4A81-994A-6C5A4A8B1B6E}"/>
-              </a:ext>
-            </a:extLst>
-          </p:cNvPr>
-          <p:cNvGrpSpPr/>
-          <p:nvPr/>
-        </p:nvGrpSpPr>
-        <p:grpSpPr>
-          <a:xfrm>
-            <a:off x="8200769" y="10335072"/>
-            <a:ext cx="1231157" cy="985943"/>
-            <a:chOff x="8227611" y="2151507"/>
-            <a:chExt cx="1231157" cy="985943"/>
-          </a:xfrm>
-        </p:grpSpPr>
-        <p:pic>
-          <p:nvPicPr>
-            <p:cNvPr id="31" name="Picture 30">
-              <a:extLst>
-                <a:ext uri="{FF2B5EF4-FFF2-40B4-BE49-F238E27FC236}">
-                  <a16:creationId xmlns:a16="http://schemas.microsoft.com/office/drawing/2014/main" id="{9A66756C-C311-4C5A-9192-59AB25FCC06A}"/>
-                </a:ext>
-              </a:extLst>
-            </p:cNvPr>
-            <p:cNvPicPr>
-              <a:picLocks noChangeAspect="1"/>
-            </p:cNvPicPr>
-            <p:nvPr/>
-          </p:nvPicPr>
-          <p:blipFill rotWithShape="1">
-            <a:blip r:embed="rId4"/>
-            <a:srcRect b="6378"/>
-            <a:stretch/>
-          </p:blipFill>
-          <p:spPr>
-            <a:xfrm>
-              <a:off x="8227611" y="2185794"/>
-              <a:ext cx="1231157" cy="951656"/>
-            </a:xfrm>
-            <a:prstGeom prst="rect">
-              <a:avLst/>
-            </a:prstGeom>
-          </p:spPr>
-        </p:pic>
-        <p:grpSp>
-          <p:nvGrpSpPr>
-            <p:cNvPr id="3" name="Group 2">
-              <a:extLst>
-                <a:ext uri="{FF2B5EF4-FFF2-40B4-BE49-F238E27FC236}">
-                  <a16:creationId xmlns:a16="http://schemas.microsoft.com/office/drawing/2014/main" id="{8796241F-69A0-4A6A-BBC9-F4F4C8AA85A5}"/>
-                </a:ext>
-              </a:extLst>
-            </p:cNvPr>
-            <p:cNvGrpSpPr/>
-            <p:nvPr/>
-          </p:nvGrpSpPr>
-          <p:grpSpPr>
-            <a:xfrm>
-              <a:off x="8290927" y="2151507"/>
-              <a:ext cx="828313" cy="760837"/>
-              <a:chOff x="12097311" y="2335489"/>
-              <a:chExt cx="938580" cy="862121"/>
-            </a:xfrm>
-          </p:grpSpPr>
-          <p:sp>
-            <p:nvSpPr>
-              <p:cNvPr id="23" name="Oval 22">
-                <a:extLst>
-                  <a:ext uri="{FF2B5EF4-FFF2-40B4-BE49-F238E27FC236}">
-                    <a16:creationId xmlns:a16="http://schemas.microsoft.com/office/drawing/2014/main" id="{7E2E50E4-15F7-43E2-833C-03410100A4F8}"/>
-                  </a:ext>
-                </a:extLst>
-              </p:cNvPr>
-              <p:cNvSpPr/>
-              <p:nvPr/>
-            </p:nvSpPr>
-            <p:spPr>
-              <a:xfrm>
-                <a:off x="12135540" y="2335489"/>
-                <a:ext cx="862121" cy="862121"/>
-              </a:xfrm>
-              <a:prstGeom prst="ellipse">
-                <a:avLst/>
-              </a:prstGeom>
-              <a:solidFill>
-                <a:schemeClr val="bg1">
-                  <a:lumMod val="85000"/>
-                  <a:alpha val="50000"/>
-                </a:schemeClr>
-              </a:solidFill>
-              <a:ln>
-                <a:noFill/>
-              </a:ln>
-            </p:spPr>
-            <p:style>
-              <a:lnRef idx="2">
-                <a:schemeClr val="dk1"/>
-              </a:lnRef>
-              <a:fillRef idx="1">
-                <a:schemeClr val="lt1"/>
-              </a:fillRef>
-              <a:effectRef idx="0">
-                <a:schemeClr val="dk1"/>
-              </a:effectRef>
-              <a:fontRef idx="minor">
-                <a:schemeClr val="dk1"/>
-              </a:fontRef>
-            </p:style>
-            <p:txBody>
-              <a:bodyPr rtlCol="0" anchor="ctr"/>
-              <a:lstStyle/>
-              <a:p>
-                <a:pPr algn="ctr"/>
-                <a:endParaRPr lang="en-CA"/>
-              </a:p>
-            </p:txBody>
-          </p:sp>
-          <p:cxnSp>
-            <p:nvCxnSpPr>
-              <p:cNvPr id="24" name="Straight Connector 23">
-                <a:extLst>
-                  <a:ext uri="{FF2B5EF4-FFF2-40B4-BE49-F238E27FC236}">
-                    <a16:creationId xmlns:a16="http://schemas.microsoft.com/office/drawing/2014/main" id="{D02EDC7A-0351-4517-BA24-8FC443CD64E7}"/>
-                  </a:ext>
-                </a:extLst>
-              </p:cNvPr>
-              <p:cNvCxnSpPr>
-                <a:stCxn id="23" idx="6"/>
-              </p:cNvCxnSpPr>
-              <p:nvPr/>
-            </p:nvCxnSpPr>
-            <p:spPr>
-              <a:xfrm flipH="1" flipV="1">
-                <a:off x="12135540" y="2766549"/>
-                <a:ext cx="862121" cy="1"/>
-              </a:xfrm>
-              <a:prstGeom prst="line">
-                <a:avLst/>
-              </a:prstGeom>
-              <a:ln w="3175"/>
-            </p:spPr>
-            <p:style>
-              <a:lnRef idx="2">
-                <a:schemeClr val="accent1"/>
-              </a:lnRef>
-              <a:fillRef idx="0">
-                <a:schemeClr val="accent1"/>
-              </a:fillRef>
-              <a:effectRef idx="1">
-                <a:schemeClr val="accent1"/>
-              </a:effectRef>
-              <a:fontRef idx="minor">
-                <a:schemeClr val="tx1"/>
-              </a:fontRef>
-            </p:style>
-          </p:cxnSp>
-          <p:sp>
-            <p:nvSpPr>
-              <p:cNvPr id="25" name="Arc 24">
-                <a:extLst>
-                  <a:ext uri="{FF2B5EF4-FFF2-40B4-BE49-F238E27FC236}">
-                    <a16:creationId xmlns:a16="http://schemas.microsoft.com/office/drawing/2014/main" id="{41F91413-AB84-43C4-BB36-AA2F9DA23D6F}"/>
-                  </a:ext>
-                </a:extLst>
-              </p:cNvPr>
-              <p:cNvSpPr/>
-              <p:nvPr/>
-            </p:nvSpPr>
-            <p:spPr>
-              <a:xfrm>
-                <a:off x="12097311" y="2606110"/>
-                <a:ext cx="938580" cy="339093"/>
-              </a:xfrm>
-              <a:prstGeom prst="arc">
-                <a:avLst>
-                  <a:gd name="adj1" fmla="val 245650"/>
-                  <a:gd name="adj2" fmla="val 112532"/>
-                </a:avLst>
-              </a:prstGeom>
-              <a:ln>
-                <a:solidFill>
-                  <a:schemeClr val="tx1">
-                    <a:lumMod val="65000"/>
-                    <a:lumOff val="35000"/>
-                  </a:schemeClr>
-                </a:solidFill>
-              </a:ln>
-            </p:spPr>
-            <p:style>
-              <a:lnRef idx="2">
-                <a:schemeClr val="accent1"/>
-              </a:lnRef>
-              <a:fillRef idx="0">
-                <a:schemeClr val="accent1"/>
-              </a:fillRef>
-              <a:effectRef idx="1">
-                <a:schemeClr val="accent1"/>
-              </a:effectRef>
-              <a:fontRef idx="minor">
-                <a:schemeClr val="tx1"/>
-              </a:fontRef>
-            </p:style>
-            <p:txBody>
-              <a:bodyPr rtlCol="0" anchor="ctr"/>
-              <a:lstStyle/>
-              <a:p>
-                <a:pPr algn="ctr"/>
-                <a:endParaRPr lang="en-CA"/>
-              </a:p>
-            </p:txBody>
-          </p:sp>
-        </p:grpSp>
-      </p:grpSp>
-      <p:sp>
-        <p:nvSpPr>
-          <p:cNvPr id="26" name="Rectangle 25">
-            <a:extLst>
-              <a:ext uri="{FF2B5EF4-FFF2-40B4-BE49-F238E27FC236}">
-                <a16:creationId xmlns:a16="http://schemas.microsoft.com/office/drawing/2014/main" id="{DD233D32-22A4-4021-9AA5-492E096EE2EC}"/>
-              </a:ext>
-            </a:extLst>
-          </p:cNvPr>
-          <p:cNvSpPr/>
-          <p:nvPr/>
-        </p:nvSpPr>
-        <p:spPr>
-          <a:xfrm>
-            <a:off x="6038850" y="10067965"/>
-            <a:ext cx="3514726" cy="2582822"/>
-          </a:xfrm>
-          <a:prstGeom prst="rect">
-            <a:avLst/>
-          </a:prstGeom>
-          <a:noFill/>
-          <a:ln w="19050">
-            <a:solidFill>
-              <a:schemeClr val="tx2">
-                <a:lumMod val="75000"/>
-                <a:lumOff val="25000"/>
-              </a:schemeClr>
-            </a:solidFill>
-          </a:ln>
-        </p:spPr>
-        <p:style>
-          <a:lnRef idx="2">
-            <a:schemeClr val="dk1"/>
-          </a:lnRef>
-          <a:fillRef idx="1">
-            <a:schemeClr val="lt1"/>
-          </a:fillRef>
-          <a:effectRef idx="0">
-            <a:schemeClr val="dk1"/>
-          </a:effectRef>
-          <a:fontRef idx="minor">
-            <a:schemeClr val="dk1"/>
-          </a:fontRef>
-        </p:style>
-        <p:txBody>
-          <a:bodyPr rtlCol="0" anchor="ctr"/>
-          <a:lstStyle/>
-          <a:p>
-            <a:pPr algn="ctr"/>
-            <a:endParaRPr lang="en-CA"/>
-          </a:p>
-        </p:txBody>
-      </p:sp>
-      <p:sp>
-        <p:nvSpPr>
-          <p:cNvPr id="27" name="Rectangle 26">
-            <a:extLst>
-              <a:ext uri="{FF2B5EF4-FFF2-40B4-BE49-F238E27FC236}">
-                <a16:creationId xmlns:a16="http://schemas.microsoft.com/office/drawing/2014/main" id="{2DE53AC5-B9ED-42A2-AD35-1BBAFE10A8A1}"/>
-              </a:ext>
-            </a:extLst>
-          </p:cNvPr>
-          <p:cNvSpPr/>
-          <p:nvPr/>
-        </p:nvSpPr>
-        <p:spPr>
-          <a:xfrm>
-            <a:off x="6261550" y="10049384"/>
-            <a:ext cx="1619354" cy="307777"/>
-          </a:xfrm>
-          <a:prstGeom prst="rect">
-            <a:avLst/>
-          </a:prstGeom>
-        </p:spPr>
-        <p:txBody>
-          <a:bodyPr wrap="none">
-            <a:spAutoFit/>
-          </a:bodyPr>
-          <a:lstStyle/>
-          <a:p>
-            <a:r>
-              <a:rPr lang="en-CA" sz="1400" dirty="0">
-                <a:latin typeface="Arial" panose="020B0604020202020204" pitchFamily="34" charset="0"/>
-                <a:cs typeface="Arial" panose="020B0604020202020204" pitchFamily="34" charset="0"/>
-              </a:rPr>
-              <a:t>Intensity Statistics</a:t>
-            </a:r>
-          </a:p>
-        </p:txBody>
-      </p:sp>
-      <p:sp>
-        <p:nvSpPr>
-          <p:cNvPr id="28" name="Rectangle 27">
-            <a:extLst>
-              <a:ext uri="{FF2B5EF4-FFF2-40B4-BE49-F238E27FC236}">
-                <a16:creationId xmlns:a16="http://schemas.microsoft.com/office/drawing/2014/main" id="{5B1E7D99-4F78-451B-8E54-EDFF7B03CA18}"/>
-              </a:ext>
-            </a:extLst>
-          </p:cNvPr>
-          <p:cNvSpPr/>
-          <p:nvPr/>
-        </p:nvSpPr>
-        <p:spPr>
-          <a:xfrm>
-            <a:off x="6598883" y="11321014"/>
-            <a:ext cx="2773516" cy="307777"/>
-          </a:xfrm>
-          <a:prstGeom prst="rect">
-            <a:avLst/>
-          </a:prstGeom>
-        </p:spPr>
-        <p:txBody>
-          <a:bodyPr wrap="none">
-            <a:spAutoFit/>
-          </a:bodyPr>
-          <a:lstStyle/>
-          <a:p>
-            <a:r>
-              <a:rPr lang="en-CA" sz="1400" dirty="0">
-                <a:latin typeface="Arial" panose="020B0604020202020204" pitchFamily="34" charset="0"/>
-                <a:cs typeface="Arial" panose="020B0604020202020204" pitchFamily="34" charset="0"/>
-              </a:rPr>
-              <a:t>Gray Level Spatial Relationships</a:t>
-            </a:r>
-          </a:p>
-        </p:txBody>
-      </p:sp>
-      <p:sp>
-        <p:nvSpPr>
-          <p:cNvPr id="29" name="Rectangle 28">
-            <a:extLst>
-              <a:ext uri="{FF2B5EF4-FFF2-40B4-BE49-F238E27FC236}">
-                <a16:creationId xmlns:a16="http://schemas.microsoft.com/office/drawing/2014/main" id="{19DF74B1-A512-4873-B62F-B2555AA81F2E}"/>
-              </a:ext>
-            </a:extLst>
-          </p:cNvPr>
-          <p:cNvSpPr/>
-          <p:nvPr/>
-        </p:nvSpPr>
-        <p:spPr>
-          <a:xfrm>
-            <a:off x="8291688" y="10038907"/>
-            <a:ext cx="981359" cy="307777"/>
-          </a:xfrm>
-          <a:prstGeom prst="rect">
-            <a:avLst/>
-          </a:prstGeom>
-        </p:spPr>
-        <p:txBody>
-          <a:bodyPr wrap="none">
-            <a:spAutoFit/>
-          </a:bodyPr>
-          <a:lstStyle/>
-          <a:p>
-            <a:r>
-              <a:rPr lang="en-CA" sz="1400" dirty="0">
-                <a:latin typeface="Arial" panose="020B0604020202020204" pitchFamily="34" charset="0"/>
-                <a:cs typeface="Arial" panose="020B0604020202020204" pitchFamily="34" charset="0"/>
-              </a:rPr>
-              <a:t>3D Shape</a:t>
-            </a:r>
-          </a:p>
-        </p:txBody>
-      </p:sp>
-      <p:sp>
-        <p:nvSpPr>
-          <p:cNvPr id="39" name="TextBox 38">
-            <a:extLst>
-              <a:ext uri="{FF2B5EF4-FFF2-40B4-BE49-F238E27FC236}">
-                <a16:creationId xmlns:a16="http://schemas.microsoft.com/office/drawing/2014/main" id="{5B02461A-1F95-4DBA-9151-27C6258AC1C5}"/>
-              </a:ext>
-            </a:extLst>
-          </p:cNvPr>
-          <p:cNvSpPr txBox="1"/>
-          <p:nvPr/>
-        </p:nvSpPr>
-        <p:spPr>
-          <a:xfrm>
-            <a:off x="6121662" y="9707377"/>
-            <a:ext cx="3285000" cy="338554"/>
-          </a:xfrm>
-          <a:prstGeom prst="rect">
-            <a:avLst/>
-          </a:prstGeom>
-          <a:noFill/>
-        </p:spPr>
-        <p:txBody>
-          <a:bodyPr wrap="square" rtlCol="0">
-            <a:spAutoFit/>
-          </a:bodyPr>
-          <a:lstStyle/>
-          <a:p>
-            <a:pPr algn="ctr"/>
-            <a:r>
-              <a:rPr lang="en-CA" sz="1600" b="1" dirty="0">
-                <a:latin typeface="Arial" panose="020B0604020202020204" pitchFamily="34" charset="0"/>
-                <a:cs typeface="Arial" panose="020B0604020202020204" pitchFamily="34" charset="0"/>
-              </a:rPr>
-              <a:t>Radiomic Feature Computation</a:t>
-            </a:r>
-          </a:p>
-        </p:txBody>
-      </p:sp>
-      <p:sp>
-        <p:nvSpPr>
-          <p:cNvPr id="42" name="TextBox 41">
-            <a:extLst>
-              <a:ext uri="{FF2B5EF4-FFF2-40B4-BE49-F238E27FC236}">
-                <a16:creationId xmlns:a16="http://schemas.microsoft.com/office/drawing/2014/main" id="{3A8719B3-DA97-4CB4-B2D5-024764560B7D}"/>
-              </a:ext>
-            </a:extLst>
-          </p:cNvPr>
-          <p:cNvSpPr txBox="1"/>
-          <p:nvPr/>
-        </p:nvSpPr>
-        <p:spPr>
-          <a:xfrm>
-            <a:off x="3200568" y="9358121"/>
-            <a:ext cx="394905" cy="369332"/>
-          </a:xfrm>
-          <a:prstGeom prst="rect">
-            <a:avLst/>
-          </a:prstGeom>
-          <a:noFill/>
-        </p:spPr>
-        <p:txBody>
-          <a:bodyPr wrap="square">
-            <a:spAutoFit/>
-          </a:bodyPr>
-          <a:lstStyle/>
-          <a:p>
-            <a:r>
-              <a:rPr lang="en-CA" b="1" dirty="0">
-                <a:latin typeface="Arial" panose="020B0604020202020204" pitchFamily="34" charset="0"/>
-                <a:cs typeface="Arial" panose="020B0604020202020204" pitchFamily="34" charset="0"/>
-              </a:rPr>
-              <a:t>a)</a:t>
-            </a:r>
-            <a:endParaRPr lang="en-US" dirty="0"/>
-          </a:p>
-        </p:txBody>
-      </p:sp>
-      <p:sp>
-        <p:nvSpPr>
-          <p:cNvPr id="43" name="TextBox 42">
-            <a:extLst>
-              <a:ext uri="{FF2B5EF4-FFF2-40B4-BE49-F238E27FC236}">
-                <a16:creationId xmlns:a16="http://schemas.microsoft.com/office/drawing/2014/main" id="{A90B1E6F-3CFA-4232-BE5B-EAF0343C33F5}"/>
-              </a:ext>
-            </a:extLst>
-          </p:cNvPr>
-          <p:cNvSpPr txBox="1"/>
-          <p:nvPr/>
-        </p:nvSpPr>
-        <p:spPr>
-          <a:xfrm>
-            <a:off x="9977562" y="9358122"/>
-            <a:ext cx="584034" cy="369332"/>
-          </a:xfrm>
-          <a:prstGeom prst="rect">
-            <a:avLst/>
-          </a:prstGeom>
-          <a:noFill/>
-        </p:spPr>
-        <p:txBody>
-          <a:bodyPr wrap="square">
-            <a:spAutoFit/>
-          </a:bodyPr>
-          <a:lstStyle/>
-          <a:p>
-            <a:r>
-              <a:rPr lang="en-CA" b="1" dirty="0">
-                <a:latin typeface="Arial" panose="020B0604020202020204" pitchFamily="34" charset="0"/>
-                <a:cs typeface="Arial" panose="020B0604020202020204" pitchFamily="34" charset="0"/>
-              </a:rPr>
-              <a:t>b)</a:t>
-            </a:r>
-            <a:endParaRPr lang="en-US" dirty="0"/>
-          </a:p>
-        </p:txBody>
-      </p:sp>
-      <p:pic>
-        <p:nvPicPr>
-          <p:cNvPr id="8" name="Picture 7">
-            <a:extLst>
-              <a:ext uri="{FF2B5EF4-FFF2-40B4-BE49-F238E27FC236}">
-                <a16:creationId xmlns:a16="http://schemas.microsoft.com/office/drawing/2014/main" id="{DBA56E25-30D0-4BDE-9DCC-B62D39D2BC67}"/>
-              </a:ext>
-            </a:extLst>
-          </p:cNvPr>
-          <p:cNvPicPr>
-            <a:picLocks noChangeAspect="1"/>
-          </p:cNvPicPr>
-          <p:nvPr/>
-        </p:nvPicPr>
-        <p:blipFill>
-          <a:blip r:embed="rId6"/>
-          <a:stretch>
-            <a:fillRect/>
-          </a:stretch>
-        </p:blipFill>
-        <p:spPr>
-          <a:xfrm>
-            <a:off x="7117493" y="11599878"/>
-            <a:ext cx="1558355" cy="979361"/>
-          </a:xfrm>
-          <a:prstGeom prst="rect">
-            <a:avLst/>
-          </a:prstGeom>
-        </p:spPr>
-      </p:pic>
-      <p:pic>
-        <p:nvPicPr>
-          <p:cNvPr id="12" name="Picture 11">
-            <a:extLst>
-              <a:ext uri="{FF2B5EF4-FFF2-40B4-BE49-F238E27FC236}">
-                <a16:creationId xmlns:a16="http://schemas.microsoft.com/office/drawing/2014/main" id="{CBB0FC72-A482-433B-BBA3-7D757B741849}"/>
-              </a:ext>
-            </a:extLst>
-          </p:cNvPr>
-          <p:cNvPicPr>
-            <a:picLocks noChangeAspect="1"/>
-          </p:cNvPicPr>
-          <p:nvPr/>
-        </p:nvPicPr>
-        <p:blipFill>
-          <a:blip r:embed="rId7"/>
           <a:stretch>
             <a:fillRect/>
           </a:stretch>
@@ -3915,10 +3224,10 @@
       </p:grpSpPr>
       <p:sp>
         <p:nvSpPr>
-          <p:cNvPr id="10" name="Rectangle 9">
-            <a:extLst>
-              <a:ext uri="{FF2B5EF4-FFF2-40B4-BE49-F238E27FC236}">
-                <a16:creationId xmlns:a16="http://schemas.microsoft.com/office/drawing/2014/main" id="{16B8F7DF-309D-41B0-9C5F-6C85B0E74C2B}"/>
+          <p:cNvPr id="62" name="Rectangle 61">
+            <a:extLst>
+              <a:ext uri="{FF2B5EF4-FFF2-40B4-BE49-F238E27FC236}">
+                <a16:creationId xmlns:a16="http://schemas.microsoft.com/office/drawing/2014/main" id="{49BB1430-56AC-4A51-8314-71FF7315FECD}"/>
               </a:ext>
             </a:extLst>
           </p:cNvPr>
@@ -3927,8 +3236,50 @@
         </p:nvSpPr>
         <p:spPr>
           <a:xfrm>
-            <a:off x="4972902" y="7088458"/>
-            <a:ext cx="3766129" cy="400110"/>
+            <a:off x="18229370" y="1101964"/>
+            <a:ext cx="4467891" cy="369332"/>
+          </a:xfrm>
+          <a:prstGeom prst="rect">
+            <a:avLst/>
+          </a:prstGeom>
+        </p:spPr>
+        <p:txBody>
+          <a:bodyPr wrap="none">
+            <a:spAutoFit/>
+          </a:bodyPr>
+          <a:lstStyle/>
+          <a:p>
+            <a:pPr algn="ctr"/>
+            <a:r>
+              <a:rPr lang="en-US" b="1" dirty="0">
+                <a:latin typeface="Arial" panose="020B0604020202020204" pitchFamily="34" charset="0"/>
+                <a:cs typeface="Arial" panose="020B0604020202020204" pitchFamily="34" charset="0"/>
+              </a:rPr>
+              <a:t>Output: Ensemble Final Survival Model</a:t>
+            </a:r>
+            <a:endParaRPr lang="en-CA" b="1" dirty="0">
+              <a:latin typeface="Arial" panose="020B0604020202020204" pitchFamily="34" charset="0"/>
+              <a:cs typeface="Arial" panose="020B0604020202020204" pitchFamily="34" charset="0"/>
+            </a:endParaRPr>
+          </a:p>
+        </p:txBody>
+      </p:sp>
+      <p:sp>
+        <p:nvSpPr>
+          <p:cNvPr id="63" name="Rectangle 62">
+            <a:extLst>
+              <a:ext uri="{FF2B5EF4-FFF2-40B4-BE49-F238E27FC236}">
+                <a16:creationId xmlns:a16="http://schemas.microsoft.com/office/drawing/2014/main" id="{21F433AA-FBD0-4104-A024-32D99914B283}"/>
+              </a:ext>
+            </a:extLst>
+          </p:cNvPr>
+          <p:cNvSpPr/>
+          <p:nvPr/>
+        </p:nvSpPr>
+        <p:spPr>
+          <a:xfrm>
+            <a:off x="-1047750" y="132413"/>
+            <a:ext cx="11648123" cy="523220"/>
           </a:xfrm>
           <a:prstGeom prst="rect">
             <a:avLst/>
@@ -3942,21 +3293,446 @@
           <a:p>
             <a:pPr algn="ctr"/>
             <a:r>
-              <a:rPr lang="en-CA" sz="2000" b="1" dirty="0">
+              <a:rPr lang="en-CA" sz="2800" b="1" dirty="0">
                 <a:latin typeface="Arial" panose="020B0604020202020204" pitchFamily="34" charset="0"/>
                 <a:cs typeface="Arial" panose="020B0604020202020204" pitchFamily="34" charset="0"/>
               </a:rPr>
-              <a:t>Training Stage (Offline)</a:t>
+              <a:t>Artificial Intelligence Radiomics Pipeline</a:t>
+            </a:r>
+          </a:p>
+        </p:txBody>
+      </p:sp>
+      <p:grpSp>
+        <p:nvGrpSpPr>
+          <p:cNvPr id="64" name="Group 63">
+            <a:extLst>
+              <a:ext uri="{FF2B5EF4-FFF2-40B4-BE49-F238E27FC236}">
+                <a16:creationId xmlns:a16="http://schemas.microsoft.com/office/drawing/2014/main" id="{B0BC7076-583C-4FA2-8110-6CB23CDF9298}"/>
+              </a:ext>
+            </a:extLst>
+          </p:cNvPr>
+          <p:cNvGrpSpPr/>
+          <p:nvPr/>
+        </p:nvGrpSpPr>
+        <p:grpSpPr>
+          <a:xfrm>
+            <a:off x="350277" y="1125967"/>
+            <a:ext cx="2934119" cy="2748292"/>
+            <a:chOff x="5276081" y="903148"/>
+            <a:chExt cx="2934119" cy="2415340"/>
+          </a:xfrm>
+        </p:grpSpPr>
+        <p:sp>
+          <p:nvSpPr>
+            <p:cNvPr id="65" name="Rectangle 64">
+              <a:extLst>
+                <a:ext uri="{FF2B5EF4-FFF2-40B4-BE49-F238E27FC236}">
+                  <a16:creationId xmlns:a16="http://schemas.microsoft.com/office/drawing/2014/main" id="{E6935830-7453-463D-8E39-3A86E99258F7}"/>
+                </a:ext>
+              </a:extLst>
+            </p:cNvPr>
+            <p:cNvSpPr/>
+            <p:nvPr/>
+          </p:nvSpPr>
+          <p:spPr>
+            <a:xfrm>
+              <a:off x="5468200" y="911116"/>
+              <a:ext cx="2557110" cy="324588"/>
+            </a:xfrm>
+            <a:prstGeom prst="rect">
+              <a:avLst/>
+            </a:prstGeom>
+            <a:ln w="38100">
+              <a:noFill/>
+            </a:ln>
+          </p:spPr>
+          <p:txBody>
+            <a:bodyPr wrap="none">
+              <a:spAutoFit/>
+            </a:bodyPr>
+            <a:lstStyle/>
+            <a:p>
+              <a:pPr algn="ctr"/>
+              <a:r>
+                <a:rPr lang="en-CA" b="1" dirty="0">
+                  <a:latin typeface="Arial" panose="020B0604020202020204" pitchFamily="34" charset="0"/>
+                  <a:cs typeface="Arial" panose="020B0604020202020204" pitchFamily="34" charset="0"/>
+                </a:rPr>
+                <a:t>Input: Liver CT Scans</a:t>
+              </a:r>
+            </a:p>
+          </p:txBody>
+        </p:sp>
+        <p:sp>
+          <p:nvSpPr>
+            <p:cNvPr id="67" name="Rectangle: Rounded Corners 66">
+              <a:extLst>
+                <a:ext uri="{FF2B5EF4-FFF2-40B4-BE49-F238E27FC236}">
+                  <a16:creationId xmlns:a16="http://schemas.microsoft.com/office/drawing/2014/main" id="{49E215FE-8F87-4628-834E-2E3B10C2076A}"/>
+                </a:ext>
+              </a:extLst>
+            </p:cNvPr>
+            <p:cNvSpPr/>
+            <p:nvPr/>
+          </p:nvSpPr>
+          <p:spPr>
+            <a:xfrm>
+              <a:off x="5276081" y="903148"/>
+              <a:ext cx="2934119" cy="2415340"/>
+            </a:xfrm>
+            <a:prstGeom prst="roundRect">
+              <a:avLst/>
+            </a:prstGeom>
+            <a:noFill/>
+            <a:ln w="38100">
+              <a:solidFill>
+                <a:schemeClr val="accent1"/>
+              </a:solidFill>
+              <a:prstDash val="sysDot"/>
+            </a:ln>
+          </p:spPr>
+          <p:style>
+            <a:lnRef idx="2">
+              <a:schemeClr val="accent6"/>
+            </a:lnRef>
+            <a:fillRef idx="1">
+              <a:schemeClr val="lt1"/>
+            </a:fillRef>
+            <a:effectRef idx="0">
+              <a:schemeClr val="accent6"/>
+            </a:effectRef>
+            <a:fontRef idx="minor">
+              <a:schemeClr val="dk1"/>
+            </a:fontRef>
+          </p:style>
+          <p:txBody>
+            <a:bodyPr rtlCol="0" anchor="ctr"/>
+            <a:lstStyle/>
+            <a:p>
+              <a:pPr algn="ctr"/>
+              <a:endParaRPr lang="en-US" dirty="0">
+                <a:latin typeface="Arial" panose="020B0604020202020204" pitchFamily="34" charset="0"/>
+                <a:cs typeface="Arial" panose="020B0604020202020204" pitchFamily="34" charset="0"/>
+              </a:endParaRPr>
+            </a:p>
+          </p:txBody>
+        </p:sp>
+      </p:grpSp>
+      <p:pic>
+        <p:nvPicPr>
+          <p:cNvPr id="103" name="Picture 102">
+            <a:extLst>
+              <a:ext uri="{FF2B5EF4-FFF2-40B4-BE49-F238E27FC236}">
+                <a16:creationId xmlns:a16="http://schemas.microsoft.com/office/drawing/2014/main" id="{9ACFFEF0-B146-4F5A-87FC-3BB3AF76C2FF}"/>
+              </a:ext>
+            </a:extLst>
+          </p:cNvPr>
+          <p:cNvPicPr>
+            <a:picLocks noChangeAspect="1"/>
+          </p:cNvPicPr>
+          <p:nvPr/>
+        </p:nvPicPr>
+        <p:blipFill rotWithShape="1">
+          <a:blip r:embed="rId2"/>
+          <a:srcRect b="6378"/>
+          <a:stretch/>
+        </p:blipFill>
+        <p:spPr>
+          <a:xfrm>
+            <a:off x="3933357" y="2007061"/>
+            <a:ext cx="1376607" cy="1064085"/>
+          </a:xfrm>
+          <a:prstGeom prst="rect">
+            <a:avLst/>
+          </a:prstGeom>
+          <a:ln w="19050">
+            <a:solidFill>
+              <a:schemeClr val="accent1"/>
+            </a:solidFill>
+          </a:ln>
+        </p:spPr>
+      </p:pic>
+      <p:cxnSp>
+        <p:nvCxnSpPr>
+          <p:cNvPr id="104" name="Straight Arrow Connector 103">
+            <a:extLst>
+              <a:ext uri="{FF2B5EF4-FFF2-40B4-BE49-F238E27FC236}">
+                <a16:creationId xmlns:a16="http://schemas.microsoft.com/office/drawing/2014/main" id="{47078D13-2DD8-46D6-AFD7-2DDF0F0186DD}"/>
+              </a:ext>
+            </a:extLst>
+          </p:cNvPr>
+          <p:cNvCxnSpPr>
+            <a:cxnSpLocks/>
+            <a:stCxn id="103" idx="3"/>
+          </p:cNvCxnSpPr>
+          <p:nvPr/>
+        </p:nvCxnSpPr>
+        <p:spPr>
+          <a:xfrm>
+            <a:off x="5309964" y="2539104"/>
+            <a:ext cx="244667" cy="0"/>
+          </a:xfrm>
+          <a:prstGeom prst="straightConnector1">
+            <a:avLst/>
+          </a:prstGeom>
+          <a:ln w="19050">
+            <a:solidFill>
+              <a:srgbClr val="C00000"/>
+            </a:solidFill>
+            <a:tailEnd type="triangle"/>
+          </a:ln>
+        </p:spPr>
+        <p:style>
+          <a:lnRef idx="2">
+            <a:schemeClr val="accent1"/>
+          </a:lnRef>
+          <a:fillRef idx="0">
+            <a:schemeClr val="accent1"/>
+          </a:fillRef>
+          <a:effectRef idx="1">
+            <a:schemeClr val="accent1"/>
+          </a:effectRef>
+          <a:fontRef idx="minor">
+            <a:schemeClr val="tx1"/>
+          </a:fontRef>
+        </p:style>
+      </p:cxnSp>
+      <p:pic>
+        <p:nvPicPr>
+          <p:cNvPr id="105" name="Picture 104">
+            <a:extLst>
+              <a:ext uri="{FF2B5EF4-FFF2-40B4-BE49-F238E27FC236}">
+                <a16:creationId xmlns:a16="http://schemas.microsoft.com/office/drawing/2014/main" id="{8C659232-E9A7-4B80-9E4C-AD7F35DFE689}"/>
+              </a:ext>
+            </a:extLst>
+          </p:cNvPr>
+          <p:cNvPicPr>
+            <a:picLocks noChangeAspect="1"/>
+          </p:cNvPicPr>
+          <p:nvPr/>
+        </p:nvPicPr>
+        <p:blipFill>
+          <a:blip r:embed="rId3"/>
+          <a:stretch>
+            <a:fillRect/>
+          </a:stretch>
+        </p:blipFill>
+        <p:spPr>
+          <a:xfrm>
+            <a:off x="5617567" y="1797052"/>
+            <a:ext cx="1450644" cy="759095"/>
+          </a:xfrm>
+          <a:prstGeom prst="rect">
+            <a:avLst/>
+          </a:prstGeom>
+        </p:spPr>
+      </p:pic>
+      <p:pic>
+        <p:nvPicPr>
+          <p:cNvPr id="112" name="Picture 111">
+            <a:extLst>
+              <a:ext uri="{FF2B5EF4-FFF2-40B4-BE49-F238E27FC236}">
+                <a16:creationId xmlns:a16="http://schemas.microsoft.com/office/drawing/2014/main" id="{47B4AF03-45C2-46D6-8B1A-AE0412C3B41F}"/>
+              </a:ext>
+            </a:extLst>
+          </p:cNvPr>
+          <p:cNvPicPr>
+            <a:picLocks noChangeAspect="1"/>
+          </p:cNvPicPr>
+          <p:nvPr/>
+        </p:nvPicPr>
+        <p:blipFill rotWithShape="1">
+          <a:blip r:embed="rId2"/>
+          <a:srcRect b="6378"/>
+          <a:stretch/>
+        </p:blipFill>
+        <p:spPr>
+          <a:xfrm>
+            <a:off x="7203430" y="1799498"/>
+            <a:ext cx="975709" cy="754201"/>
+          </a:xfrm>
+          <a:prstGeom prst="rect">
+            <a:avLst/>
+          </a:prstGeom>
+        </p:spPr>
+      </p:pic>
+      <p:grpSp>
+        <p:nvGrpSpPr>
+          <p:cNvPr id="113" name="Group 112">
+            <a:extLst>
+              <a:ext uri="{FF2B5EF4-FFF2-40B4-BE49-F238E27FC236}">
+                <a16:creationId xmlns:a16="http://schemas.microsoft.com/office/drawing/2014/main" id="{C21B7569-1E15-4F74-96D1-F902C875D506}"/>
+              </a:ext>
+            </a:extLst>
+          </p:cNvPr>
+          <p:cNvGrpSpPr/>
+          <p:nvPr/>
+        </p:nvGrpSpPr>
+        <p:grpSpPr>
+          <a:xfrm>
+            <a:off x="7286679" y="1789508"/>
+            <a:ext cx="664365" cy="656452"/>
+            <a:chOff x="10238855" y="2256042"/>
+            <a:chExt cx="752808" cy="743840"/>
+          </a:xfrm>
+        </p:grpSpPr>
+        <p:sp>
+          <p:nvSpPr>
+            <p:cNvPr id="114" name="Oval 113">
+              <a:extLst>
+                <a:ext uri="{FF2B5EF4-FFF2-40B4-BE49-F238E27FC236}">
+                  <a16:creationId xmlns:a16="http://schemas.microsoft.com/office/drawing/2014/main" id="{5EA92C21-5103-4E73-B574-5DA024B81D3A}"/>
+                </a:ext>
+              </a:extLst>
+            </p:cNvPr>
+            <p:cNvSpPr/>
+            <p:nvPr/>
+          </p:nvSpPr>
+          <p:spPr>
+            <a:xfrm>
+              <a:off x="10247823" y="2256042"/>
+              <a:ext cx="743840" cy="743840"/>
+            </a:xfrm>
+            <a:prstGeom prst="ellipse">
+              <a:avLst/>
+            </a:prstGeom>
+            <a:solidFill>
+              <a:schemeClr val="bg1">
+                <a:lumMod val="85000"/>
+                <a:alpha val="50000"/>
+              </a:schemeClr>
+            </a:solidFill>
+            <a:ln>
+              <a:solidFill>
+                <a:srgbClr val="C00000"/>
+              </a:solidFill>
+            </a:ln>
+          </p:spPr>
+          <p:style>
+            <a:lnRef idx="2">
+              <a:schemeClr val="dk1"/>
+            </a:lnRef>
+            <a:fillRef idx="1">
+              <a:schemeClr val="lt1"/>
+            </a:fillRef>
+            <a:effectRef idx="0">
+              <a:schemeClr val="dk1"/>
+            </a:effectRef>
+            <a:fontRef idx="minor">
+              <a:schemeClr val="dk1"/>
+            </a:fontRef>
+          </p:style>
+          <p:txBody>
+            <a:bodyPr rtlCol="0" anchor="ctr"/>
+            <a:lstStyle/>
+            <a:p>
+              <a:pPr algn="ctr"/>
+              <a:endParaRPr lang="en-CA">
+                <a:latin typeface="Arial" panose="020B0604020202020204" pitchFamily="34" charset="0"/>
+                <a:cs typeface="Arial" panose="020B0604020202020204" pitchFamily="34" charset="0"/>
+              </a:endParaRPr>
+            </a:p>
+          </p:txBody>
+        </p:sp>
+        <p:sp>
+          <p:nvSpPr>
+            <p:cNvPr id="116" name="Arc 115">
+              <a:extLst>
+                <a:ext uri="{FF2B5EF4-FFF2-40B4-BE49-F238E27FC236}">
+                  <a16:creationId xmlns:a16="http://schemas.microsoft.com/office/drawing/2014/main" id="{C4FFF33C-E546-445B-B924-040A68462319}"/>
+                </a:ext>
+              </a:extLst>
+            </p:cNvPr>
+            <p:cNvSpPr/>
+            <p:nvPr/>
+          </p:nvSpPr>
+          <p:spPr>
+            <a:xfrm>
+              <a:off x="10238855" y="2470679"/>
+              <a:ext cx="743840" cy="268737"/>
+            </a:xfrm>
+            <a:prstGeom prst="arc">
+              <a:avLst>
+                <a:gd name="adj1" fmla="val 245650"/>
+                <a:gd name="adj2" fmla="val 112532"/>
+              </a:avLst>
+            </a:prstGeom>
+            <a:ln>
+              <a:solidFill>
+                <a:srgbClr val="C00000"/>
+              </a:solidFill>
+            </a:ln>
+          </p:spPr>
+          <p:style>
+            <a:lnRef idx="2">
+              <a:schemeClr val="accent1"/>
+            </a:lnRef>
+            <a:fillRef idx="0">
+              <a:schemeClr val="accent1"/>
+            </a:fillRef>
+            <a:effectRef idx="1">
+              <a:schemeClr val="accent1"/>
+            </a:effectRef>
+            <a:fontRef idx="minor">
+              <a:schemeClr val="tx1"/>
+            </a:fontRef>
+          </p:style>
+          <p:txBody>
+            <a:bodyPr rtlCol="0" anchor="ctr"/>
+            <a:lstStyle/>
+            <a:p>
+              <a:pPr algn="ctr"/>
+              <a:endParaRPr lang="en-CA" dirty="0">
+                <a:latin typeface="Arial" panose="020B0604020202020204" pitchFamily="34" charset="0"/>
+                <a:cs typeface="Arial" panose="020B0604020202020204" pitchFamily="34" charset="0"/>
+              </a:endParaRPr>
+            </a:p>
+          </p:txBody>
+        </p:sp>
+      </p:grpSp>
+      <p:sp>
+        <p:nvSpPr>
+          <p:cNvPr id="107" name="Rectangle 106">
+            <a:extLst>
+              <a:ext uri="{FF2B5EF4-FFF2-40B4-BE49-F238E27FC236}">
+                <a16:creationId xmlns:a16="http://schemas.microsoft.com/office/drawing/2014/main" id="{0532A27C-42B0-43D1-B6F6-8AC63FEAA047}"/>
+              </a:ext>
+            </a:extLst>
+          </p:cNvPr>
+          <p:cNvSpPr/>
+          <p:nvPr/>
+        </p:nvSpPr>
+        <p:spPr>
+          <a:xfrm>
+            <a:off x="5569393" y="1496830"/>
+            <a:ext cx="1619354" cy="307777"/>
+          </a:xfrm>
+          <a:prstGeom prst="rect">
+            <a:avLst/>
+          </a:prstGeom>
+        </p:spPr>
+        <p:txBody>
+          <a:bodyPr wrap="none">
+            <a:spAutoFit/>
+          </a:bodyPr>
+          <a:lstStyle/>
+          <a:p>
+            <a:r>
+              <a:rPr lang="en-CA" sz="1400" dirty="0">
+                <a:latin typeface="Arial" panose="020B0604020202020204" pitchFamily="34" charset="0"/>
+                <a:cs typeface="Arial" panose="020B0604020202020204" pitchFamily="34" charset="0"/>
+              </a:rPr>
+              <a:t>Intensity Statistics</a:t>
             </a:r>
           </a:p>
         </p:txBody>
       </p:sp>
       <p:sp>
         <p:nvSpPr>
-          <p:cNvPr id="11" name="Rectangle 10">
-            <a:extLst>
-              <a:ext uri="{FF2B5EF4-FFF2-40B4-BE49-F238E27FC236}">
-                <a16:creationId xmlns:a16="http://schemas.microsoft.com/office/drawing/2014/main" id="{75D2AA27-AF82-40BB-B925-6ADF5F8D7B33}"/>
+          <p:cNvPr id="108" name="Rectangle 107">
+            <a:extLst>
+              <a:ext uri="{FF2B5EF4-FFF2-40B4-BE49-F238E27FC236}">
+                <a16:creationId xmlns:a16="http://schemas.microsoft.com/office/drawing/2014/main" id="{B1DAFD23-842E-4ADE-B8B0-CDD4F262CC8E}"/>
               </a:ext>
             </a:extLst>
           </p:cNvPr>
@@ -3965,8 +3741,151 @@
         </p:nvSpPr>
         <p:spPr>
           <a:xfrm>
-            <a:off x="9208359" y="7117700"/>
-            <a:ext cx="3766129" cy="400110"/>
+            <a:off x="5563824" y="2549539"/>
+            <a:ext cx="2773516" cy="307777"/>
+          </a:xfrm>
+          <a:prstGeom prst="rect">
+            <a:avLst/>
+          </a:prstGeom>
+        </p:spPr>
+        <p:txBody>
+          <a:bodyPr wrap="none">
+            <a:spAutoFit/>
+          </a:bodyPr>
+          <a:lstStyle/>
+          <a:p>
+            <a:r>
+              <a:rPr lang="en-CA" sz="1400" dirty="0">
+                <a:latin typeface="Arial" panose="020B0604020202020204" pitchFamily="34" charset="0"/>
+                <a:cs typeface="Arial" panose="020B0604020202020204" pitchFamily="34" charset="0"/>
+              </a:rPr>
+              <a:t>Gray Level Spatial Relationships</a:t>
+            </a:r>
+          </a:p>
+        </p:txBody>
+      </p:sp>
+      <p:sp>
+        <p:nvSpPr>
+          <p:cNvPr id="109" name="Rectangle 108">
+            <a:extLst>
+              <a:ext uri="{FF2B5EF4-FFF2-40B4-BE49-F238E27FC236}">
+                <a16:creationId xmlns:a16="http://schemas.microsoft.com/office/drawing/2014/main" id="{96F62581-93AF-4AA9-9F46-A99EA58D371A}"/>
+              </a:ext>
+            </a:extLst>
+          </p:cNvPr>
+          <p:cNvSpPr/>
+          <p:nvPr/>
+        </p:nvSpPr>
+        <p:spPr>
+          <a:xfrm>
+            <a:off x="7253430" y="1490289"/>
+            <a:ext cx="981359" cy="307777"/>
+          </a:xfrm>
+          <a:prstGeom prst="rect">
+            <a:avLst/>
+          </a:prstGeom>
+        </p:spPr>
+        <p:txBody>
+          <a:bodyPr wrap="none">
+            <a:spAutoFit/>
+          </a:bodyPr>
+          <a:lstStyle/>
+          <a:p>
+            <a:r>
+              <a:rPr lang="en-CA" sz="1400" dirty="0">
+                <a:latin typeface="Arial" panose="020B0604020202020204" pitchFamily="34" charset="0"/>
+                <a:cs typeface="Arial" panose="020B0604020202020204" pitchFamily="34" charset="0"/>
+              </a:rPr>
+              <a:t>3D Shape</a:t>
+            </a:r>
+          </a:p>
+        </p:txBody>
+      </p:sp>
+      <p:sp>
+        <p:nvSpPr>
+          <p:cNvPr id="110" name="TextBox 109">
+            <a:extLst>
+              <a:ext uri="{FF2B5EF4-FFF2-40B4-BE49-F238E27FC236}">
+                <a16:creationId xmlns:a16="http://schemas.microsoft.com/office/drawing/2014/main" id="{35FA3B99-4C2C-4447-8351-BE040351BFB3}"/>
+              </a:ext>
+            </a:extLst>
+          </p:cNvPr>
+          <p:cNvSpPr txBox="1"/>
+          <p:nvPr/>
+        </p:nvSpPr>
+        <p:spPr>
+          <a:xfrm>
+            <a:off x="3986758" y="1164841"/>
+            <a:ext cx="4308058" cy="369332"/>
+          </a:xfrm>
+          <a:prstGeom prst="rect">
+            <a:avLst/>
+          </a:prstGeom>
+          <a:noFill/>
+        </p:spPr>
+        <p:txBody>
+          <a:bodyPr wrap="square" rtlCol="0">
+            <a:spAutoFit/>
+          </a:bodyPr>
+          <a:lstStyle/>
+          <a:p>
+            <a:pPr algn="ctr"/>
+            <a:r>
+              <a:rPr lang="en-CA" b="1" dirty="0">
+                <a:latin typeface="Arial" panose="020B0604020202020204" pitchFamily="34" charset="0"/>
+                <a:cs typeface="Arial" panose="020B0604020202020204" pitchFamily="34" charset="0"/>
+              </a:rPr>
+              <a:t>Radiomic Feature Computation</a:t>
+            </a:r>
+          </a:p>
+        </p:txBody>
+      </p:sp>
+      <p:pic>
+        <p:nvPicPr>
+          <p:cNvPr id="111" name="Picture 110">
+            <a:extLst>
+              <a:ext uri="{FF2B5EF4-FFF2-40B4-BE49-F238E27FC236}">
+                <a16:creationId xmlns:a16="http://schemas.microsoft.com/office/drawing/2014/main" id="{1B5FE0E3-E992-4AC7-9244-3F2FC15571C9}"/>
+              </a:ext>
+            </a:extLst>
+          </p:cNvPr>
+          <p:cNvPicPr>
+            <a:picLocks noChangeAspect="1"/>
+          </p:cNvPicPr>
+          <p:nvPr/>
+        </p:nvPicPr>
+        <p:blipFill>
+          <a:blip r:embed="rId4"/>
+          <a:stretch>
+            <a:fillRect/>
+          </a:stretch>
+        </p:blipFill>
+        <p:spPr>
+          <a:xfrm>
+            <a:off x="6082434" y="2828403"/>
+            <a:ext cx="1558355" cy="979361"/>
+          </a:xfrm>
+          <a:prstGeom prst="rect">
+            <a:avLst/>
+          </a:prstGeom>
+        </p:spPr>
+      </p:pic>
+      <p:sp>
+        <p:nvSpPr>
+          <p:cNvPr id="120" name="Rectangle 119">
+            <a:extLst>
+              <a:ext uri="{FF2B5EF4-FFF2-40B4-BE49-F238E27FC236}">
+                <a16:creationId xmlns:a16="http://schemas.microsoft.com/office/drawing/2014/main" id="{694B1B2D-BDFF-46DE-A750-B81D96D48475}"/>
+              </a:ext>
+            </a:extLst>
+          </p:cNvPr>
+          <p:cNvSpPr/>
+          <p:nvPr/>
+        </p:nvSpPr>
+        <p:spPr>
+          <a:xfrm>
+            <a:off x="9865375" y="1164842"/>
+            <a:ext cx="2515336" cy="369332"/>
           </a:xfrm>
           <a:prstGeom prst="rect">
             <a:avLst/>
@@ -3980,51 +3899,101 @@
           <a:p>
             <a:pPr algn="ctr"/>
             <a:r>
-              <a:rPr lang="en-CA" sz="2000" b="1" dirty="0">
+              <a:rPr lang="en-CA" b="1" dirty="0">
                 <a:latin typeface="Arial" panose="020B0604020202020204" pitchFamily="34" charset="0"/>
                 <a:cs typeface="Arial" panose="020B0604020202020204" pitchFamily="34" charset="0"/>
               </a:rPr>
-              <a:t>Prediction Stage (Real-Time)</a:t>
+              <a:t>Feature Selection</a:t>
             </a:r>
           </a:p>
         </p:txBody>
       </p:sp>
-      <p:pic>
-        <p:nvPicPr>
-          <p:cNvPr id="12" name="Picture 11">
-            <a:extLst>
-              <a:ext uri="{FF2B5EF4-FFF2-40B4-BE49-F238E27FC236}">
-                <a16:creationId xmlns:a16="http://schemas.microsoft.com/office/drawing/2014/main" id="{26B44999-15B3-4764-834D-33A82A541E57}"/>
-              </a:ext>
-            </a:extLst>
-          </p:cNvPr>
-          <p:cNvPicPr>
-            <a:picLocks noChangeAspect="1"/>
-          </p:cNvPicPr>
-          <p:nvPr/>
-        </p:nvPicPr>
-        <p:blipFill>
-          <a:blip r:embed="rId2"/>
-          <a:stretch>
-            <a:fillRect/>
-          </a:stretch>
-        </p:blipFill>
-        <p:spPr>
-          <a:xfrm>
-            <a:off x="5793649" y="8147007"/>
-            <a:ext cx="1892455" cy="1419341"/>
-          </a:xfrm>
-          <a:prstGeom prst="rect">
-            <a:avLst/>
-          </a:prstGeom>
-        </p:spPr>
-      </p:pic>
+      <p:grpSp>
+        <p:nvGrpSpPr>
+          <p:cNvPr id="121" name="Group 120">
+            <a:extLst>
+              <a:ext uri="{FF2B5EF4-FFF2-40B4-BE49-F238E27FC236}">
+                <a16:creationId xmlns:a16="http://schemas.microsoft.com/office/drawing/2014/main" id="{F3C11F48-896A-4158-9928-11D63A986AFD}"/>
+              </a:ext>
+            </a:extLst>
+          </p:cNvPr>
+          <p:cNvGrpSpPr/>
+          <p:nvPr/>
+        </p:nvGrpSpPr>
+        <p:grpSpPr>
+          <a:xfrm>
+            <a:off x="9977597" y="2028887"/>
+            <a:ext cx="3214959" cy="932967"/>
+            <a:chOff x="7408379" y="1826023"/>
+            <a:chExt cx="2215763" cy="843862"/>
+          </a:xfrm>
+        </p:grpSpPr>
+        <p:pic>
+          <p:nvPicPr>
+            <p:cNvPr id="123" name="Picture 122">
+              <a:extLst>
+                <a:ext uri="{FF2B5EF4-FFF2-40B4-BE49-F238E27FC236}">
+                  <a16:creationId xmlns:a16="http://schemas.microsoft.com/office/drawing/2014/main" id="{85477D6E-F1C3-45E4-8D16-10684461D919}"/>
+                </a:ext>
+              </a:extLst>
+            </p:cNvPr>
+            <p:cNvPicPr>
+              <a:picLocks noChangeAspect="1"/>
+            </p:cNvPicPr>
+            <p:nvPr/>
+          </p:nvPicPr>
+          <p:blipFill>
+            <a:blip r:embed="rId5"/>
+            <a:stretch>
+              <a:fillRect/>
+            </a:stretch>
+          </p:blipFill>
+          <p:spPr>
+            <a:xfrm>
+              <a:off x="7408379" y="2254172"/>
+              <a:ext cx="2215763" cy="415713"/>
+            </a:xfrm>
+            <a:prstGeom prst="rect">
+              <a:avLst/>
+            </a:prstGeom>
+          </p:spPr>
+        </p:pic>
+        <p:pic>
+          <p:nvPicPr>
+            <p:cNvPr id="124" name="Picture 123">
+              <a:extLst>
+                <a:ext uri="{FF2B5EF4-FFF2-40B4-BE49-F238E27FC236}">
+                  <a16:creationId xmlns:a16="http://schemas.microsoft.com/office/drawing/2014/main" id="{50AC13A7-B2B2-4C00-87C5-9E403EDA3A55}"/>
+                </a:ext>
+              </a:extLst>
+            </p:cNvPr>
+            <p:cNvPicPr>
+              <a:picLocks noChangeAspect="1"/>
+            </p:cNvPicPr>
+            <p:nvPr/>
+          </p:nvPicPr>
+          <p:blipFill rotWithShape="1">
+            <a:blip r:embed="rId6"/>
+            <a:srcRect r="1404"/>
+            <a:stretch/>
+          </p:blipFill>
+          <p:spPr>
+            <a:xfrm>
+              <a:off x="7425487" y="1826023"/>
+              <a:ext cx="1134225" cy="519608"/>
+            </a:xfrm>
+            <a:prstGeom prst="rect">
+              <a:avLst/>
+            </a:prstGeom>
+          </p:spPr>
+        </p:pic>
+      </p:grpSp>
       <p:sp>
         <p:nvSpPr>
-          <p:cNvPr id="14" name="Rectangle 13">
-            <a:extLst>
-              <a:ext uri="{FF2B5EF4-FFF2-40B4-BE49-F238E27FC236}">
-                <a16:creationId xmlns:a16="http://schemas.microsoft.com/office/drawing/2014/main" id="{0EC6CA7C-3DAA-456C-8B5D-89313B1380C6}"/>
+          <p:cNvPr id="127" name="Rectangle 126">
+            <a:extLst>
+              <a:ext uri="{FF2B5EF4-FFF2-40B4-BE49-F238E27FC236}">
+                <a16:creationId xmlns:a16="http://schemas.microsoft.com/office/drawing/2014/main" id="{1F76C74D-069A-4FB3-817D-497D6A80D067}"/>
               </a:ext>
             </a:extLst>
           </p:cNvPr>
@@ -4033,8 +4002,8 @@
         </p:nvSpPr>
         <p:spPr>
           <a:xfrm>
-            <a:off x="5733385" y="7822463"/>
-            <a:ext cx="1892455" cy="338554"/>
+            <a:off x="13966838" y="1123390"/>
+            <a:ext cx="3071322" cy="646331"/>
           </a:xfrm>
           <a:prstGeom prst="rect">
             <a:avLst/>
@@ -4048,21 +4017,35 @@
           <a:p>
             <a:pPr algn="ctr"/>
             <a:r>
-              <a:rPr lang="en-CA" sz="1600" b="1" dirty="0">
+              <a:rPr lang="en-US" b="1" dirty="0">
                 <a:latin typeface="Arial" panose="020B0604020202020204" pitchFamily="34" charset="0"/>
                 <a:cs typeface="Arial" panose="020B0604020202020204" pitchFamily="34" charset="0"/>
               </a:rPr>
-              <a:t>Training CT Data</a:t>
+              <a:t>Random Survival Forest </a:t>
             </a:r>
+          </a:p>
+          <a:p>
+            <a:pPr algn="ctr"/>
+            <a:r>
+              <a:rPr lang="en-US" b="1" dirty="0">
+                <a:latin typeface="Arial" panose="020B0604020202020204" pitchFamily="34" charset="0"/>
+                <a:cs typeface="Arial" panose="020B0604020202020204" pitchFamily="34" charset="0"/>
+              </a:rPr>
+              <a:t>Modelling</a:t>
+            </a:r>
+            <a:endParaRPr lang="en-CA" b="1" dirty="0">
+              <a:latin typeface="Arial" panose="020B0604020202020204" pitchFamily="34" charset="0"/>
+              <a:cs typeface="Arial" panose="020B0604020202020204" pitchFamily="34" charset="0"/>
+            </a:endParaRPr>
           </a:p>
         </p:txBody>
       </p:sp>
       <p:pic>
         <p:nvPicPr>
-          <p:cNvPr id="15" name="Picture 14">
-            <a:extLst>
-              <a:ext uri="{FF2B5EF4-FFF2-40B4-BE49-F238E27FC236}">
-                <a16:creationId xmlns:a16="http://schemas.microsoft.com/office/drawing/2014/main" id="{7AF318B9-5F8F-41F9-94D0-69490B7EE885}"/>
+          <p:cNvPr id="128" name="Picture 127">
+            <a:extLst>
+              <a:ext uri="{FF2B5EF4-FFF2-40B4-BE49-F238E27FC236}">
+                <a16:creationId xmlns:a16="http://schemas.microsoft.com/office/drawing/2014/main" id="{29EE464F-A4A5-4E4C-AC6D-519A93B98256}"/>
               </a:ext>
             </a:extLst>
           </p:cNvPr>
@@ -4072,48 +4055,426 @@
           <p:nvPr/>
         </p:nvPicPr>
         <p:blipFill>
-          <a:blip r:embed="rId3" cstate="print">
-            <a:extLst>
-              <a:ext uri="{28A0092B-C50C-407E-A947-70E740481C1C}">
-                <a14:useLocalDpi xmlns:a14="http://schemas.microsoft.com/office/drawing/2010/main" val="0"/>
-              </a:ext>
-            </a:extLst>
-          </a:blip>
+          <a:blip r:embed="rId7"/>
           <a:stretch>
             <a:fillRect/>
           </a:stretch>
         </p:blipFill>
         <p:spPr>
           <a:xfrm>
-            <a:off x="5441775" y="12113240"/>
-            <a:ext cx="2569721" cy="1214337"/>
+            <a:off x="14195182" y="1786736"/>
+            <a:ext cx="2334970" cy="1059742"/>
           </a:xfrm>
           <a:prstGeom prst="rect">
             <a:avLst/>
           </a:prstGeom>
-          <a:solidFill>
-            <a:schemeClr val="accent3">
-              <a:lumMod val="25000"/>
-              <a:lumOff val="75000"/>
-              <a:alpha val="38000"/>
-            </a:schemeClr>
-          </a:solidFill>
-          <a:ln>
-            <a:solidFill>
-              <a:schemeClr val="tx2">
-                <a:lumMod val="75000"/>
-                <a:lumOff val="25000"/>
-              </a:schemeClr>
-            </a:solidFill>
+        </p:spPr>
+      </p:pic>
+      <p:pic>
+        <p:nvPicPr>
+          <p:cNvPr id="129" name="Picture 128">
+            <a:extLst>
+              <a:ext uri="{FF2B5EF4-FFF2-40B4-BE49-F238E27FC236}">
+                <a16:creationId xmlns:a16="http://schemas.microsoft.com/office/drawing/2014/main" id="{8DCB1620-0FD7-4572-B261-38BA0F558EA1}"/>
+              </a:ext>
+            </a:extLst>
+          </p:cNvPr>
+          <p:cNvPicPr>
+            <a:picLocks noChangeAspect="1"/>
+          </p:cNvPicPr>
+          <p:nvPr/>
+        </p:nvPicPr>
+        <p:blipFill>
+          <a:blip r:embed="rId7"/>
+          <a:stretch>
+            <a:fillRect/>
+          </a:stretch>
+        </p:blipFill>
+        <p:spPr>
+          <a:xfrm>
+            <a:off x="14347582" y="1938478"/>
+            <a:ext cx="2334970" cy="1059742"/>
+          </a:xfrm>
+          <a:prstGeom prst="rect">
+            <a:avLst/>
+          </a:prstGeom>
+        </p:spPr>
+      </p:pic>
+      <p:pic>
+        <p:nvPicPr>
+          <p:cNvPr id="130" name="Picture 129">
+            <a:extLst>
+              <a:ext uri="{FF2B5EF4-FFF2-40B4-BE49-F238E27FC236}">
+                <a16:creationId xmlns:a16="http://schemas.microsoft.com/office/drawing/2014/main" id="{D7C29BFC-1390-4F86-ABC5-C0345E7A09E1}"/>
+              </a:ext>
+            </a:extLst>
+          </p:cNvPr>
+          <p:cNvPicPr>
+            <a:picLocks noChangeAspect="1"/>
+          </p:cNvPicPr>
+          <p:nvPr/>
+        </p:nvPicPr>
+        <p:blipFill>
+          <a:blip r:embed="rId7"/>
+          <a:stretch>
+            <a:fillRect/>
+          </a:stretch>
+        </p:blipFill>
+        <p:spPr>
+          <a:xfrm>
+            <a:off x="14499982" y="2090220"/>
+            <a:ext cx="2334970" cy="1059742"/>
+          </a:xfrm>
+          <a:prstGeom prst="rect">
+            <a:avLst/>
+          </a:prstGeom>
+        </p:spPr>
+      </p:pic>
+      <p:pic>
+        <p:nvPicPr>
+          <p:cNvPr id="131" name="Picture 130">
+            <a:extLst>
+              <a:ext uri="{FF2B5EF4-FFF2-40B4-BE49-F238E27FC236}">
+                <a16:creationId xmlns:a16="http://schemas.microsoft.com/office/drawing/2014/main" id="{31A70FF5-27AB-4601-B944-D7926CA9B06C}"/>
+              </a:ext>
+            </a:extLst>
+          </p:cNvPr>
+          <p:cNvPicPr>
+            <a:picLocks noChangeAspect="1"/>
+          </p:cNvPicPr>
+          <p:nvPr/>
+        </p:nvPicPr>
+        <p:blipFill>
+          <a:blip r:embed="rId7"/>
+          <a:stretch>
+            <a:fillRect/>
+          </a:stretch>
+        </p:blipFill>
+        <p:spPr>
+          <a:xfrm>
+            <a:off x="14652382" y="2241961"/>
+            <a:ext cx="2334970" cy="1059742"/>
+          </a:xfrm>
+          <a:prstGeom prst="rect">
+            <a:avLst/>
+          </a:prstGeom>
+        </p:spPr>
+      </p:pic>
+      <p:pic>
+        <p:nvPicPr>
+          <p:cNvPr id="132" name="Picture 131">
+            <a:extLst>
+              <a:ext uri="{FF2B5EF4-FFF2-40B4-BE49-F238E27FC236}">
+                <a16:creationId xmlns:a16="http://schemas.microsoft.com/office/drawing/2014/main" id="{F219B11D-8D06-4744-815E-08D1CCD95029}"/>
+              </a:ext>
+            </a:extLst>
+          </p:cNvPr>
+          <p:cNvPicPr>
+            <a:picLocks noChangeAspect="1"/>
+          </p:cNvPicPr>
+          <p:nvPr/>
+        </p:nvPicPr>
+        <p:blipFill>
+          <a:blip r:embed="rId7"/>
+          <a:stretch>
+            <a:fillRect/>
+          </a:stretch>
+        </p:blipFill>
+        <p:spPr>
+          <a:xfrm>
+            <a:off x="14804782" y="2393703"/>
+            <a:ext cx="2334970" cy="1059742"/>
+          </a:xfrm>
+          <a:prstGeom prst="rect">
+            <a:avLst/>
+          </a:prstGeom>
+        </p:spPr>
+      </p:pic>
+      <p:pic>
+        <p:nvPicPr>
+          <p:cNvPr id="133" name="Picture 132">
+            <a:extLst>
+              <a:ext uri="{FF2B5EF4-FFF2-40B4-BE49-F238E27FC236}">
+                <a16:creationId xmlns:a16="http://schemas.microsoft.com/office/drawing/2014/main" id="{A3241D7D-390F-4378-BF2E-7FA3FA79C40F}"/>
+              </a:ext>
+            </a:extLst>
+          </p:cNvPr>
+          <p:cNvPicPr>
+            <a:picLocks noChangeAspect="1"/>
+          </p:cNvPicPr>
+          <p:nvPr/>
+        </p:nvPicPr>
+        <p:blipFill>
+          <a:blip r:embed="rId7"/>
+          <a:stretch>
+            <a:fillRect/>
+          </a:stretch>
+        </p:blipFill>
+        <p:spPr>
+          <a:xfrm>
+            <a:off x="14957182" y="2545445"/>
+            <a:ext cx="2334970" cy="1059742"/>
+          </a:xfrm>
+          <a:prstGeom prst="rect">
+            <a:avLst/>
+          </a:prstGeom>
+        </p:spPr>
+      </p:pic>
+      <p:cxnSp>
+        <p:nvCxnSpPr>
+          <p:cNvPr id="140" name="Straight Arrow Connector 139">
+            <a:extLst>
+              <a:ext uri="{FF2B5EF4-FFF2-40B4-BE49-F238E27FC236}">
+                <a16:creationId xmlns:a16="http://schemas.microsoft.com/office/drawing/2014/main" id="{B7126565-369D-4716-8D26-CBCFDF066605}"/>
+              </a:ext>
+            </a:extLst>
+          </p:cNvPr>
+          <p:cNvCxnSpPr>
+            <a:cxnSpLocks/>
+            <a:stCxn id="67" idx="3"/>
+            <a:endCxn id="178" idx="1"/>
+          </p:cNvCxnSpPr>
+          <p:nvPr/>
+        </p:nvCxnSpPr>
+        <p:spPr>
+          <a:xfrm flipV="1">
+            <a:off x="3284396" y="2495372"/>
+            <a:ext cx="492906" cy="4742"/>
+          </a:xfrm>
+          <a:prstGeom prst="straightConnector1">
+            <a:avLst/>
+          </a:prstGeom>
+          <a:ln w="28575">
+            <a:tailEnd type="triangle"/>
           </a:ln>
+        </p:spPr>
+        <p:style>
+          <a:lnRef idx="1">
+            <a:schemeClr val="accent1"/>
+          </a:lnRef>
+          <a:fillRef idx="0">
+            <a:schemeClr val="accent1"/>
+          </a:fillRef>
+          <a:effectRef idx="0">
+            <a:schemeClr val="accent1"/>
+          </a:effectRef>
+          <a:fontRef idx="minor">
+            <a:schemeClr val="tx1"/>
+          </a:fontRef>
+        </p:style>
+      </p:cxnSp>
+      <p:cxnSp>
+        <p:nvCxnSpPr>
+          <p:cNvPr id="141" name="Straight Arrow Connector 140">
+            <a:extLst>
+              <a:ext uri="{FF2B5EF4-FFF2-40B4-BE49-F238E27FC236}">
+                <a16:creationId xmlns:a16="http://schemas.microsoft.com/office/drawing/2014/main" id="{3992F6EF-3FD4-45E3-B715-1F8794039865}"/>
+              </a:ext>
+            </a:extLst>
+          </p:cNvPr>
+          <p:cNvCxnSpPr>
+            <a:cxnSpLocks/>
+            <a:stCxn id="178" idx="3"/>
+            <a:endCxn id="191" idx="1"/>
+          </p:cNvCxnSpPr>
+          <p:nvPr/>
+        </p:nvCxnSpPr>
+        <p:spPr>
+          <a:xfrm>
+            <a:off x="8385158" y="2495372"/>
+            <a:ext cx="497782" cy="179"/>
+          </a:xfrm>
+          <a:prstGeom prst="straightConnector1">
+            <a:avLst/>
+          </a:prstGeom>
+          <a:ln w="28575">
+            <a:tailEnd type="triangle"/>
+          </a:ln>
+        </p:spPr>
+        <p:style>
+          <a:lnRef idx="1">
+            <a:schemeClr val="accent1"/>
+          </a:lnRef>
+          <a:fillRef idx="0">
+            <a:schemeClr val="accent1"/>
+          </a:fillRef>
+          <a:effectRef idx="0">
+            <a:schemeClr val="accent1"/>
+          </a:effectRef>
+          <a:fontRef idx="minor">
+            <a:schemeClr val="tx1"/>
+          </a:fontRef>
+        </p:style>
+      </p:cxnSp>
+      <p:cxnSp>
+        <p:nvCxnSpPr>
+          <p:cNvPr id="142" name="Straight Arrow Connector 141">
+            <a:extLst>
+              <a:ext uri="{FF2B5EF4-FFF2-40B4-BE49-F238E27FC236}">
+                <a16:creationId xmlns:a16="http://schemas.microsoft.com/office/drawing/2014/main" id="{C579825E-6041-479D-9DAD-52650646CDAB}"/>
+              </a:ext>
+            </a:extLst>
+          </p:cNvPr>
+          <p:cNvCxnSpPr>
+            <a:cxnSpLocks/>
+            <a:stCxn id="191" idx="3"/>
+            <a:endCxn id="196" idx="1"/>
+          </p:cNvCxnSpPr>
+          <p:nvPr/>
+        </p:nvCxnSpPr>
+        <p:spPr>
+          <a:xfrm>
+            <a:off x="13190998" y="2495551"/>
+            <a:ext cx="568718" cy="432"/>
+          </a:xfrm>
+          <a:prstGeom prst="straightConnector1">
+            <a:avLst/>
+          </a:prstGeom>
+          <a:ln w="28575">
+            <a:tailEnd type="triangle"/>
+          </a:ln>
+        </p:spPr>
+        <p:style>
+          <a:lnRef idx="1">
+            <a:schemeClr val="accent1"/>
+          </a:lnRef>
+          <a:fillRef idx="0">
+            <a:schemeClr val="accent1"/>
+          </a:fillRef>
+          <a:effectRef idx="0">
+            <a:schemeClr val="accent1"/>
+          </a:effectRef>
+          <a:fontRef idx="minor">
+            <a:schemeClr val="tx1"/>
+          </a:fontRef>
+        </p:style>
+      </p:cxnSp>
+      <p:cxnSp>
+        <p:nvCxnSpPr>
+          <p:cNvPr id="143" name="Straight Arrow Connector 142">
+            <a:extLst>
+              <a:ext uri="{FF2B5EF4-FFF2-40B4-BE49-F238E27FC236}">
+                <a16:creationId xmlns:a16="http://schemas.microsoft.com/office/drawing/2014/main" id="{33CD8C01-3F26-49D6-9267-A5B175DF9974}"/>
+              </a:ext>
+            </a:extLst>
+          </p:cNvPr>
+          <p:cNvCxnSpPr>
+            <a:cxnSpLocks/>
+            <a:stCxn id="196" idx="3"/>
+            <a:endCxn id="200" idx="1"/>
+          </p:cNvCxnSpPr>
+          <p:nvPr/>
+        </p:nvCxnSpPr>
+        <p:spPr>
+          <a:xfrm>
+            <a:off x="17203177" y="2495983"/>
+            <a:ext cx="688394" cy="497"/>
+          </a:xfrm>
+          <a:prstGeom prst="straightConnector1">
+            <a:avLst/>
+          </a:prstGeom>
+          <a:ln w="28575">
+            <a:tailEnd type="triangle"/>
+          </a:ln>
+        </p:spPr>
+        <p:style>
+          <a:lnRef idx="1">
+            <a:schemeClr val="accent1"/>
+          </a:lnRef>
+          <a:fillRef idx="0">
+            <a:schemeClr val="accent1"/>
+          </a:fillRef>
+          <a:effectRef idx="0">
+            <a:schemeClr val="accent1"/>
+          </a:effectRef>
+          <a:fontRef idx="minor">
+            <a:schemeClr val="tx1"/>
+          </a:fontRef>
+        </p:style>
+      </p:cxnSp>
+      <p:pic>
+        <p:nvPicPr>
+          <p:cNvPr id="1026" name="Picture 2">
+            <a:extLst>
+              <a:ext uri="{FF2B5EF4-FFF2-40B4-BE49-F238E27FC236}">
+                <a16:creationId xmlns:a16="http://schemas.microsoft.com/office/drawing/2014/main" id="{F9EDEF20-F902-4186-B7DD-B590A8AAE8FC}"/>
+              </a:ext>
+            </a:extLst>
+          </p:cNvPr>
+          <p:cNvPicPr>
+            <a:picLocks noChangeAspect="1" noChangeArrowheads="1"/>
+          </p:cNvPicPr>
+          <p:nvPr/>
+        </p:nvPicPr>
+        <p:blipFill>
+          <a:blip r:embed="rId8">
+            <a:extLst>
+              <a:ext uri="{28A0092B-C50C-407E-A947-70E740481C1C}">
+                <a14:useLocalDpi xmlns:a14="http://schemas.microsoft.com/office/drawing/2010/main" val="0"/>
+              </a:ext>
+            </a:extLst>
+          </a:blip>
+          <a:srcRect/>
+          <a:stretch>
+            <a:fillRect/>
+          </a:stretch>
+        </p:blipFill>
+        <p:spPr bwMode="auto">
+          <a:xfrm>
+            <a:off x="8848130" y="1871487"/>
+            <a:ext cx="1335232" cy="1335232"/>
+          </a:xfrm>
+          <a:prstGeom prst="rect">
+            <a:avLst/>
+          </a:prstGeom>
+          <a:noFill/>
+          <a:extLst>
+            <a:ext uri="{909E8E84-426E-40DD-AFC4-6F175D3DCCD1}">
+              <a14:hiddenFill xmlns:a14="http://schemas.microsoft.com/office/drawing/2010/main">
+                <a:solidFill>
+                  <a:srgbClr val="FFFFFF"/>
+                </a:solidFill>
+              </a14:hiddenFill>
+            </a:ext>
+          </a:extLst>
+        </p:spPr>
+      </p:pic>
+      <p:pic>
+        <p:nvPicPr>
+          <p:cNvPr id="172" name="Picture 171">
+            <a:extLst>
+              <a:ext uri="{FF2B5EF4-FFF2-40B4-BE49-F238E27FC236}">
+                <a16:creationId xmlns:a16="http://schemas.microsoft.com/office/drawing/2014/main" id="{9894771E-4684-4DF1-844F-6E69A663A126}"/>
+              </a:ext>
+            </a:extLst>
+          </p:cNvPr>
+          <p:cNvPicPr>
+            <a:picLocks noChangeAspect="1"/>
+          </p:cNvPicPr>
+          <p:nvPr/>
+        </p:nvPicPr>
+        <p:blipFill>
+          <a:blip r:embed="rId9"/>
+          <a:stretch>
+            <a:fillRect/>
+          </a:stretch>
+        </p:blipFill>
+        <p:spPr>
+          <a:xfrm>
+            <a:off x="672284" y="1767846"/>
+            <a:ext cx="2368187" cy="1776139"/>
+          </a:xfrm>
+          <a:prstGeom prst="rect">
+            <a:avLst/>
+          </a:prstGeom>
         </p:spPr>
       </p:pic>
       <p:sp>
         <p:nvSpPr>
-          <p:cNvPr id="17" name="Rectangle 16">
-            <a:extLst>
-              <a:ext uri="{FF2B5EF4-FFF2-40B4-BE49-F238E27FC236}">
-                <a16:creationId xmlns:a16="http://schemas.microsoft.com/office/drawing/2014/main" id="{F10FD43A-D444-4177-9482-1024F3AE0B5D}"/>
+          <p:cNvPr id="178" name="Rectangle: Rounded Corners 177">
+            <a:extLst>
+              <a:ext uri="{FF2B5EF4-FFF2-40B4-BE49-F238E27FC236}">
+                <a16:creationId xmlns:a16="http://schemas.microsoft.com/office/drawing/2014/main" id="{D4447BA7-DB6D-4DAA-91AC-01E8D0842EC3}"/>
               </a:ext>
             </a:extLst>
           </p:cNvPr>
@@ -4122,36 +4483,270 @@
         </p:nvSpPr>
         <p:spPr>
           <a:xfrm>
-            <a:off x="4839031" y="11763461"/>
-            <a:ext cx="3766129" cy="338554"/>
-          </a:xfrm>
-          <a:prstGeom prst="rect">
+            <a:off x="3777302" y="1121225"/>
+            <a:ext cx="4607856" cy="2748293"/>
+          </a:xfrm>
+          <a:prstGeom prst="roundRect">
             <a:avLst/>
           </a:prstGeom>
-        </p:spPr>
+          <a:noFill/>
+          <a:ln w="38100">
+            <a:solidFill>
+              <a:schemeClr val="accent1"/>
+            </a:solidFill>
+            <a:prstDash val="sysDot"/>
+          </a:ln>
+        </p:spPr>
+        <p:style>
+          <a:lnRef idx="2">
+            <a:schemeClr val="accent6"/>
+          </a:lnRef>
+          <a:fillRef idx="1">
+            <a:schemeClr val="lt1"/>
+          </a:fillRef>
+          <a:effectRef idx="0">
+            <a:schemeClr val="accent6"/>
+          </a:effectRef>
+          <a:fontRef idx="minor">
+            <a:schemeClr val="dk1"/>
+          </a:fontRef>
+        </p:style>
         <p:txBody>
-          <a:bodyPr wrap="square">
-            <a:spAutoFit/>
-          </a:bodyPr>
+          <a:bodyPr rtlCol="0" anchor="ctr"/>
           <a:lstStyle/>
           <a:p>
             <a:pPr algn="ctr"/>
-            <a:r>
-              <a:rPr lang="en-CA" sz="1600" b="1" dirty="0">
-                <a:latin typeface="Arial" panose="020B0604020202020204" pitchFamily="34" charset="0"/>
-                <a:cs typeface="Arial" panose="020B0604020202020204" pitchFamily="34" charset="0"/>
-              </a:rPr>
-              <a:t>Final Survival Model</a:t>
-            </a:r>
+            <a:endParaRPr lang="en-US">
+              <a:latin typeface="Arial" panose="020B0604020202020204" pitchFamily="34" charset="0"/>
+              <a:cs typeface="Arial" panose="020B0604020202020204" pitchFamily="34" charset="0"/>
+            </a:endParaRPr>
+          </a:p>
+        </p:txBody>
+      </p:sp>
+      <p:sp>
+        <p:nvSpPr>
+          <p:cNvPr id="186" name="Arc 185">
+            <a:extLst>
+              <a:ext uri="{FF2B5EF4-FFF2-40B4-BE49-F238E27FC236}">
+                <a16:creationId xmlns:a16="http://schemas.microsoft.com/office/drawing/2014/main" id="{C24F05C8-4859-478E-8DD1-F35B9CC20E39}"/>
+              </a:ext>
+            </a:extLst>
+          </p:cNvPr>
+          <p:cNvSpPr/>
+          <p:nvPr/>
+        </p:nvSpPr>
+        <p:spPr>
+          <a:xfrm rot="16200000">
+            <a:off x="7534034" y="2032785"/>
+            <a:ext cx="237166" cy="136123"/>
+          </a:xfrm>
+          <a:prstGeom prst="arc">
+            <a:avLst>
+              <a:gd name="adj1" fmla="val 245650"/>
+              <a:gd name="adj2" fmla="val 112532"/>
+            </a:avLst>
+          </a:prstGeom>
+          <a:ln>
+            <a:solidFill>
+              <a:srgbClr val="C00000"/>
+            </a:solidFill>
+            <a:prstDash val="sysDot"/>
+          </a:ln>
+        </p:spPr>
+        <p:style>
+          <a:lnRef idx="2">
+            <a:schemeClr val="accent1"/>
+          </a:lnRef>
+          <a:fillRef idx="0">
+            <a:schemeClr val="accent1"/>
+          </a:fillRef>
+          <a:effectRef idx="1">
+            <a:schemeClr val="accent1"/>
+          </a:effectRef>
+          <a:fontRef idx="minor">
+            <a:schemeClr val="tx1"/>
+          </a:fontRef>
+        </p:style>
+        <p:txBody>
+          <a:bodyPr rtlCol="0" anchor="ctr"/>
+          <a:lstStyle/>
+          <a:p>
+            <a:pPr algn="ctr"/>
+            <a:endParaRPr lang="en-CA">
+              <a:latin typeface="Arial" panose="020B0604020202020204" pitchFamily="34" charset="0"/>
+              <a:cs typeface="Arial" panose="020B0604020202020204" pitchFamily="34" charset="0"/>
+            </a:endParaRPr>
+          </a:p>
+        </p:txBody>
+      </p:sp>
+      <p:sp>
+        <p:nvSpPr>
+          <p:cNvPr id="191" name="Rectangle: Rounded Corners 190">
+            <a:extLst>
+              <a:ext uri="{FF2B5EF4-FFF2-40B4-BE49-F238E27FC236}">
+                <a16:creationId xmlns:a16="http://schemas.microsoft.com/office/drawing/2014/main" id="{2C088100-7B88-436A-92D1-0F83CD47C1CE}"/>
+              </a:ext>
+            </a:extLst>
+          </p:cNvPr>
+          <p:cNvSpPr/>
+          <p:nvPr/>
+        </p:nvSpPr>
+        <p:spPr>
+          <a:xfrm>
+            <a:off x="8882940" y="1121404"/>
+            <a:ext cx="4308058" cy="2748293"/>
+          </a:xfrm>
+          <a:prstGeom prst="roundRect">
+            <a:avLst/>
+          </a:prstGeom>
+          <a:noFill/>
+          <a:ln w="38100">
+            <a:solidFill>
+              <a:schemeClr val="accent1"/>
+            </a:solidFill>
+            <a:prstDash val="sysDot"/>
+          </a:ln>
+        </p:spPr>
+        <p:style>
+          <a:lnRef idx="2">
+            <a:schemeClr val="accent6"/>
+          </a:lnRef>
+          <a:fillRef idx="1">
+            <a:schemeClr val="lt1"/>
+          </a:fillRef>
+          <a:effectRef idx="0">
+            <a:schemeClr val="accent6"/>
+          </a:effectRef>
+          <a:fontRef idx="minor">
+            <a:schemeClr val="dk1"/>
+          </a:fontRef>
+        </p:style>
+        <p:txBody>
+          <a:bodyPr rtlCol="0" anchor="ctr"/>
+          <a:lstStyle/>
+          <a:p>
+            <a:pPr algn="ctr"/>
+            <a:endParaRPr lang="en-US">
+              <a:latin typeface="Arial" panose="020B0604020202020204" pitchFamily="34" charset="0"/>
+              <a:cs typeface="Arial" panose="020B0604020202020204" pitchFamily="34" charset="0"/>
+            </a:endParaRPr>
+          </a:p>
+        </p:txBody>
+      </p:sp>
+      <p:sp>
+        <p:nvSpPr>
+          <p:cNvPr id="196" name="Rectangle: Rounded Corners 195">
+            <a:extLst>
+              <a:ext uri="{FF2B5EF4-FFF2-40B4-BE49-F238E27FC236}">
+                <a16:creationId xmlns:a16="http://schemas.microsoft.com/office/drawing/2014/main" id="{4FACEC2F-22EB-4B81-9FAF-A835EC87C47A}"/>
+              </a:ext>
+            </a:extLst>
+          </p:cNvPr>
+          <p:cNvSpPr/>
+          <p:nvPr/>
+        </p:nvSpPr>
+        <p:spPr>
+          <a:xfrm>
+            <a:off x="13759716" y="1121836"/>
+            <a:ext cx="3443461" cy="2748293"/>
+          </a:xfrm>
+          <a:prstGeom prst="roundRect">
+            <a:avLst/>
+          </a:prstGeom>
+          <a:noFill/>
+          <a:ln w="38100">
+            <a:solidFill>
+              <a:schemeClr val="accent1"/>
+            </a:solidFill>
+            <a:prstDash val="sysDot"/>
+          </a:ln>
+        </p:spPr>
+        <p:style>
+          <a:lnRef idx="2">
+            <a:schemeClr val="accent6"/>
+          </a:lnRef>
+          <a:fillRef idx="1">
+            <a:schemeClr val="lt1"/>
+          </a:fillRef>
+          <a:effectRef idx="0">
+            <a:schemeClr val="accent6"/>
+          </a:effectRef>
+          <a:fontRef idx="minor">
+            <a:schemeClr val="dk1"/>
+          </a:fontRef>
+        </p:style>
+        <p:txBody>
+          <a:bodyPr rtlCol="0" anchor="ctr"/>
+          <a:lstStyle/>
+          <a:p>
+            <a:pPr algn="ctr"/>
+            <a:endParaRPr lang="en-US">
+              <a:latin typeface="Arial" panose="020B0604020202020204" pitchFamily="34" charset="0"/>
+              <a:cs typeface="Arial" panose="020B0604020202020204" pitchFamily="34" charset="0"/>
+            </a:endParaRPr>
+          </a:p>
+        </p:txBody>
+      </p:sp>
+      <p:sp>
+        <p:nvSpPr>
+          <p:cNvPr id="200" name="Rectangle: Rounded Corners 199">
+            <a:extLst>
+              <a:ext uri="{FF2B5EF4-FFF2-40B4-BE49-F238E27FC236}">
+                <a16:creationId xmlns:a16="http://schemas.microsoft.com/office/drawing/2014/main" id="{C39AB97E-5438-4E95-B064-8A3F98481150}"/>
+              </a:ext>
+            </a:extLst>
+          </p:cNvPr>
+          <p:cNvSpPr/>
+          <p:nvPr/>
+        </p:nvSpPr>
+        <p:spPr>
+          <a:xfrm>
+            <a:off x="17891571" y="1122333"/>
+            <a:ext cx="5150020" cy="2748293"/>
+          </a:xfrm>
+          <a:prstGeom prst="roundRect">
+            <a:avLst/>
+          </a:prstGeom>
+          <a:noFill/>
+          <a:ln w="38100">
+            <a:solidFill>
+              <a:schemeClr val="accent1"/>
+            </a:solidFill>
+            <a:prstDash val="sysDot"/>
+          </a:ln>
+        </p:spPr>
+        <p:style>
+          <a:lnRef idx="2">
+            <a:schemeClr val="accent6"/>
+          </a:lnRef>
+          <a:fillRef idx="1">
+            <a:schemeClr val="lt1"/>
+          </a:fillRef>
+          <a:effectRef idx="0">
+            <a:schemeClr val="accent6"/>
+          </a:effectRef>
+          <a:fontRef idx="minor">
+            <a:schemeClr val="dk1"/>
+          </a:fontRef>
+        </p:style>
+        <p:txBody>
+          <a:bodyPr rtlCol="0" anchor="ctr"/>
+          <a:lstStyle/>
+          <a:p>
+            <a:pPr algn="ctr"/>
+            <a:endParaRPr lang="en-US">
+              <a:latin typeface="Arial" panose="020B0604020202020204" pitchFamily="34" charset="0"/>
+              <a:cs typeface="Arial" panose="020B0604020202020204" pitchFamily="34" charset="0"/>
+            </a:endParaRPr>
           </a:p>
         </p:txBody>
       </p:sp>
       <p:pic>
         <p:nvPicPr>
-          <p:cNvPr id="18" name="Picture 17">
-            <a:extLst>
-              <a:ext uri="{FF2B5EF4-FFF2-40B4-BE49-F238E27FC236}">
-                <a16:creationId xmlns:a16="http://schemas.microsoft.com/office/drawing/2014/main" id="{0C4BE618-C692-49F3-A052-DDAE596D2B67}"/>
+          <p:cNvPr id="1032" name="Picture 1031">
+            <a:extLst>
+              <a:ext uri="{FF2B5EF4-FFF2-40B4-BE49-F238E27FC236}">
+                <a16:creationId xmlns:a16="http://schemas.microsoft.com/office/drawing/2014/main" id="{9B2E9CBC-E3F4-4FAD-8EE6-431D2AD71FC1}"/>
               </a:ext>
             </a:extLst>
           </p:cNvPr>
@@ -4161,227 +4756,96 @@
           <p:nvPr/>
         </p:nvPicPr>
         <p:blipFill>
-          <a:blip r:embed="rId4" cstate="print">
-            <a:extLst>
-              <a:ext uri="{28A0092B-C50C-407E-A947-70E740481C1C}">
-                <a14:useLocalDpi xmlns:a14="http://schemas.microsoft.com/office/drawing/2010/main" val="0"/>
-              </a:ext>
-            </a:extLst>
-          </a:blip>
+          <a:blip r:embed="rId10"/>
           <a:stretch>
             <a:fillRect/>
           </a:stretch>
         </p:blipFill>
         <p:spPr>
           <a:xfrm>
-            <a:off x="9672662" y="12111103"/>
-            <a:ext cx="2612133" cy="1234379"/>
+            <a:off x="18392680" y="1650718"/>
+            <a:ext cx="4141262" cy="1965767"/>
           </a:xfrm>
           <a:prstGeom prst="rect">
             <a:avLst/>
           </a:prstGeom>
-          <a:solidFill>
-            <a:schemeClr val="accent3">
-              <a:lumMod val="25000"/>
-              <a:lumOff val="75000"/>
-              <a:alpha val="38000"/>
-            </a:schemeClr>
-          </a:solidFill>
           <a:ln>
             <a:solidFill>
-              <a:schemeClr val="tx2">
-                <a:lumMod val="75000"/>
-                <a:lumOff val="25000"/>
-              </a:schemeClr>
-            </a:solidFill>
-          </a:ln>
-        </p:spPr>
-      </p:pic>
-      <p:sp>
-        <p:nvSpPr>
-          <p:cNvPr id="19" name="Rectangle 18">
-            <a:extLst>
-              <a:ext uri="{FF2B5EF4-FFF2-40B4-BE49-F238E27FC236}">
-                <a16:creationId xmlns:a16="http://schemas.microsoft.com/office/drawing/2014/main" id="{71D3CFA2-A072-4A1D-97C4-A6029DF3F273}"/>
-              </a:ext>
-            </a:extLst>
-          </p:cNvPr>
-          <p:cNvSpPr/>
-          <p:nvPr/>
-        </p:nvSpPr>
-        <p:spPr>
-          <a:xfrm>
-            <a:off x="9303919" y="11511053"/>
-            <a:ext cx="3363912" cy="584775"/>
-          </a:xfrm>
-          <a:prstGeom prst="rect">
-            <a:avLst/>
-          </a:prstGeom>
-        </p:spPr>
-        <p:txBody>
-          <a:bodyPr wrap="square">
-            <a:spAutoFit/>
-          </a:bodyPr>
-          <a:lstStyle/>
-          <a:p>
-            <a:pPr algn="ctr"/>
-            <a:r>
-              <a:rPr lang="en-CA" sz="1600" b="1" dirty="0">
-                <a:latin typeface="Arial" panose="020B0604020202020204" pitchFamily="34" charset="0"/>
-                <a:cs typeface="Arial" panose="020B0604020202020204" pitchFamily="34" charset="0"/>
-              </a:rPr>
-              <a:t>Compare Radiomic Features to</a:t>
-            </a:r>
-          </a:p>
-          <a:p>
-            <a:pPr algn="ctr"/>
-            <a:r>
-              <a:rPr lang="en-CA" sz="1600" b="1" dirty="0">
-                <a:latin typeface="Arial" panose="020B0604020202020204" pitchFamily="34" charset="0"/>
-                <a:cs typeface="Arial" panose="020B0604020202020204" pitchFamily="34" charset="0"/>
-              </a:rPr>
-              <a:t>Final Survival Model</a:t>
-            </a:r>
-          </a:p>
-        </p:txBody>
-      </p:sp>
-      <p:pic>
-        <p:nvPicPr>
-          <p:cNvPr id="21" name="Picture 20">
-            <a:extLst>
-              <a:ext uri="{FF2B5EF4-FFF2-40B4-BE49-F238E27FC236}">
-                <a16:creationId xmlns:a16="http://schemas.microsoft.com/office/drawing/2014/main" id="{A03A7C5E-ED99-4147-BC4E-919CD46E83AD}"/>
-              </a:ext>
-            </a:extLst>
-          </p:cNvPr>
-          <p:cNvPicPr>
-            <a:picLocks noChangeAspect="1"/>
-          </p:cNvPicPr>
-          <p:nvPr/>
-        </p:nvPicPr>
-        <p:blipFill>
-          <a:blip r:embed="rId5"/>
-          <a:stretch>
-            <a:fillRect/>
-          </a:stretch>
-        </p:blipFill>
-        <p:spPr>
-          <a:xfrm>
-            <a:off x="10185252" y="8276780"/>
-            <a:ext cx="1601246" cy="1153586"/>
-          </a:xfrm>
-          <a:prstGeom prst="rect">
-            <a:avLst/>
-          </a:prstGeom>
-          <a:ln>
-            <a:solidFill>
-              <a:srgbClr val="C00000"/>
-            </a:solidFill>
-          </a:ln>
-        </p:spPr>
-      </p:pic>
-      <p:sp>
-        <p:nvSpPr>
-          <p:cNvPr id="23" name="TextBox 22">
-            <a:extLst>
-              <a:ext uri="{FF2B5EF4-FFF2-40B4-BE49-F238E27FC236}">
-                <a16:creationId xmlns:a16="http://schemas.microsoft.com/office/drawing/2014/main" id="{345A0639-3B2A-45CC-853F-4A174BC1C502}"/>
-              </a:ext>
-            </a:extLst>
-          </p:cNvPr>
-          <p:cNvSpPr txBox="1"/>
-          <p:nvPr/>
-        </p:nvSpPr>
-        <p:spPr>
-          <a:xfrm>
-            <a:off x="9562678" y="7822463"/>
-            <a:ext cx="2832100" cy="338554"/>
-          </a:xfrm>
-          <a:prstGeom prst="rect">
-            <a:avLst/>
-          </a:prstGeom>
-          <a:noFill/>
-        </p:spPr>
-        <p:txBody>
-          <a:bodyPr wrap="square">
-            <a:spAutoFit/>
-          </a:bodyPr>
-          <a:lstStyle/>
-          <a:p>
-            <a:pPr algn="ctr"/>
-            <a:r>
-              <a:rPr lang="en-CA" sz="1600" b="1" dirty="0">
-                <a:latin typeface="Arial" panose="020B0604020202020204" pitchFamily="34" charset="0"/>
-                <a:cs typeface="Arial" panose="020B0604020202020204" pitchFamily="34" charset="0"/>
-              </a:rPr>
-              <a:t>New Patient CT Scan</a:t>
-            </a:r>
-          </a:p>
-        </p:txBody>
-      </p:sp>
-      <p:pic>
-        <p:nvPicPr>
-          <p:cNvPr id="24" name="Picture 23">
-            <a:extLst>
-              <a:ext uri="{FF2B5EF4-FFF2-40B4-BE49-F238E27FC236}">
-                <a16:creationId xmlns:a16="http://schemas.microsoft.com/office/drawing/2014/main" id="{B3C634B8-5F60-48CA-B908-7DF9ECE6946B}"/>
-              </a:ext>
-            </a:extLst>
-          </p:cNvPr>
-          <p:cNvPicPr>
-            <a:picLocks noChangeAspect="1"/>
-          </p:cNvPicPr>
-          <p:nvPr/>
-        </p:nvPicPr>
-        <p:blipFill rotWithShape="1">
-          <a:blip r:embed="rId6"/>
-          <a:srcRect t="15028"/>
-          <a:stretch/>
-        </p:blipFill>
-        <p:spPr>
-          <a:xfrm>
-            <a:off x="9640996" y="14013897"/>
-            <a:ext cx="2675463" cy="1029009"/>
-          </a:xfrm>
-          <a:prstGeom prst="rect">
-            <a:avLst/>
-          </a:prstGeom>
-          <a:ln>
-            <a:solidFill>
-              <a:srgbClr val="C00000"/>
+              <a:schemeClr val="accent1"/>
             </a:solidFill>
           </a:ln>
         </p:spPr>
       </p:pic>
       <p:cxnSp>
         <p:nvCxnSpPr>
-          <p:cNvPr id="25" name="Straight Arrow Connector 24">
-            <a:extLst>
-              <a:ext uri="{FF2B5EF4-FFF2-40B4-BE49-F238E27FC236}">
-                <a16:creationId xmlns:a16="http://schemas.microsoft.com/office/drawing/2014/main" id="{094A34C0-5C14-4D32-8F30-5DA2BD0AEB9F}"/>
+          <p:cNvPr id="1060" name="Straight Connector 1059">
+            <a:extLst>
+              <a:ext uri="{FF2B5EF4-FFF2-40B4-BE49-F238E27FC236}">
+                <a16:creationId xmlns:a16="http://schemas.microsoft.com/office/drawing/2014/main" id="{DA002871-8A68-41D8-AD24-411F240F03C0}"/>
               </a:ext>
             </a:extLst>
           </p:cNvPr>
           <p:cNvCxnSpPr>
             <a:cxnSpLocks/>
-            <a:stCxn id="21" idx="2"/>
-            <a:endCxn id="47" idx="0"/>
+            <a:stCxn id="200" idx="2"/>
           </p:cNvCxnSpPr>
           <p:nvPr/>
         </p:nvCxnSpPr>
         <p:spPr>
           <a:xfrm>
-            <a:off x="10985876" y="9430366"/>
-            <a:ext cx="1815" cy="530754"/>
-          </a:xfrm>
-          <a:prstGeom prst="straightConnector1">
+            <a:off x="20466581" y="3870626"/>
+            <a:ext cx="0" cy="1020688"/>
+          </a:xfrm>
+          <a:prstGeom prst="line">
             <a:avLst/>
           </a:prstGeom>
-          <a:ln w="19050">
+          <a:ln w="38100">
             <a:solidFill>
-              <a:srgbClr val="C00000"/>
+              <a:schemeClr val="accent1"/>
             </a:solidFill>
-            <a:tailEnd type="triangle"/>
+          </a:ln>
+        </p:spPr>
+        <p:style>
+          <a:lnRef idx="1">
+            <a:schemeClr val="accent1"/>
+          </a:lnRef>
+          <a:fillRef idx="0">
+            <a:schemeClr val="accent1"/>
+          </a:fillRef>
+          <a:effectRef idx="0">
+            <a:schemeClr val="accent1"/>
+          </a:effectRef>
+          <a:fontRef idx="minor">
+            <a:schemeClr val="tx1"/>
+          </a:fontRef>
+        </p:style>
+      </p:cxnSp>
+      <p:cxnSp>
+        <p:nvCxnSpPr>
+          <p:cNvPr id="303" name="Straight Connector 302">
+            <a:extLst>
+              <a:ext uri="{FF2B5EF4-FFF2-40B4-BE49-F238E27FC236}">
+                <a16:creationId xmlns:a16="http://schemas.microsoft.com/office/drawing/2014/main" id="{EAFF0773-1A0E-4556-8F34-7FFCCB0198B5}"/>
+              </a:ext>
+            </a:extLst>
+          </p:cNvPr>
+          <p:cNvCxnSpPr>
+            <a:cxnSpLocks/>
+          </p:cNvCxnSpPr>
+          <p:nvPr/>
+        </p:nvCxnSpPr>
+        <p:spPr>
+          <a:xfrm flipH="1">
+            <a:off x="10825271" y="4893916"/>
+            <a:ext cx="9657092" cy="0"/>
+          </a:xfrm>
+          <a:prstGeom prst="line">
+            <a:avLst/>
+          </a:prstGeom>
+          <a:ln w="38100">
+            <a:solidFill>
+              <a:schemeClr val="accent1"/>
+            </a:solidFill>
           </a:ln>
         </p:spPr>
         <p:style>
@@ -4401,45 +4865,1886 @@
       </p:cxnSp>
       <p:sp>
         <p:nvSpPr>
-          <p:cNvPr id="28" name="Rectangle: Rounded Corners 27">
-            <a:extLst>
-              <a:ext uri="{FF2B5EF4-FFF2-40B4-BE49-F238E27FC236}">
-                <a16:creationId xmlns:a16="http://schemas.microsoft.com/office/drawing/2014/main" id="{E0B6B6A0-9E26-4057-A4AC-C0FF3AC66E04}"/>
-              </a:ext>
-            </a:extLst>
-          </p:cNvPr>
-          <p:cNvSpPr/>
+          <p:cNvPr id="321" name="TextBox 320">
+            <a:extLst>
+              <a:ext uri="{FF2B5EF4-FFF2-40B4-BE49-F238E27FC236}">
+                <a16:creationId xmlns:a16="http://schemas.microsoft.com/office/drawing/2014/main" id="{C24B6CE2-B466-400D-9A2F-E76C61666DA0}"/>
+              </a:ext>
+            </a:extLst>
+          </p:cNvPr>
+          <p:cNvSpPr txBox="1"/>
           <p:nvPr/>
         </p:nvSpPr>
         <p:spPr>
           <a:xfrm>
-            <a:off x="5493650" y="9980269"/>
-            <a:ext cx="2478858" cy="1214337"/>
-          </a:xfrm>
-          <a:prstGeom prst="roundRect">
+            <a:off x="3199253" y="5413640"/>
+            <a:ext cx="16219578" cy="523220"/>
+          </a:xfrm>
+          <a:prstGeom prst="rect">
             <a:avLst/>
           </a:prstGeom>
-          <a:solidFill>
-            <a:schemeClr val="accent1">
-              <a:lumMod val="20000"/>
-              <a:lumOff val="80000"/>
-            </a:schemeClr>
-          </a:solidFill>
+          <a:noFill/>
+        </p:spPr>
+        <p:txBody>
+          <a:bodyPr wrap="square" rtlCol="0">
+            <a:spAutoFit/>
+          </a:bodyPr>
+          <a:lstStyle/>
+          <a:p>
+            <a:pPr algn="ctr"/>
+            <a:r>
+              <a:rPr lang="en-CA" sz="2800" b="1" dirty="0">
+                <a:latin typeface="Arial" panose="020B0604020202020204" pitchFamily="34" charset="0"/>
+                <a:cs typeface="Arial" panose="020B0604020202020204" pitchFamily="34" charset="0"/>
+              </a:rPr>
+              <a:t>Cross-Validation Testing: Predicted Survival Compared to Actual Survival</a:t>
+            </a:r>
+          </a:p>
+        </p:txBody>
+      </p:sp>
+      <p:cxnSp>
+        <p:nvCxnSpPr>
+          <p:cNvPr id="75" name="Straight Arrow Connector 74">
+            <a:extLst>
+              <a:ext uri="{FF2B5EF4-FFF2-40B4-BE49-F238E27FC236}">
+                <a16:creationId xmlns:a16="http://schemas.microsoft.com/office/drawing/2014/main" id="{84E7B7A6-2C4B-4956-8922-CB17CA09C202}"/>
+              </a:ext>
+            </a:extLst>
+          </p:cNvPr>
+          <p:cNvCxnSpPr>
+            <a:cxnSpLocks/>
+          </p:cNvCxnSpPr>
+          <p:nvPr/>
+        </p:nvCxnSpPr>
+        <p:spPr>
+          <a:xfrm>
+            <a:off x="10823900" y="4876800"/>
+            <a:ext cx="0" cy="555347"/>
+          </a:xfrm>
+          <a:prstGeom prst="straightConnector1">
+            <a:avLst/>
+          </a:prstGeom>
+          <a:ln w="38100">
+            <a:tailEnd type="triangle"/>
+          </a:ln>
         </p:spPr>
         <p:style>
-          <a:lnRef idx="2">
-            <a:schemeClr val="accent1">
-              <a:shade val="50000"/>
-            </a:schemeClr>
+          <a:lnRef idx="1">
+            <a:schemeClr val="accent1"/>
           </a:lnRef>
-          <a:fillRef idx="1">
+          <a:fillRef idx="0">
             <a:schemeClr val="accent1"/>
           </a:fillRef>
           <a:effectRef idx="0">
             <a:schemeClr val="accent1"/>
           </a:effectRef>
           <a:fontRef idx="minor">
+            <a:schemeClr val="tx1"/>
+          </a:fontRef>
+        </p:style>
+      </p:cxnSp>
+      <p:pic>
+        <p:nvPicPr>
+          <p:cNvPr id="10" name="Picture 9">
+            <a:extLst>
+              <a:ext uri="{FF2B5EF4-FFF2-40B4-BE49-F238E27FC236}">
+                <a16:creationId xmlns:a16="http://schemas.microsoft.com/office/drawing/2014/main" id="{BCBBD2CF-5D1F-42F9-B5A4-288C4C4693ED}"/>
+              </a:ext>
+            </a:extLst>
+          </p:cNvPr>
+          <p:cNvPicPr>
+            <a:picLocks noChangeAspect="1"/>
+          </p:cNvPicPr>
+          <p:nvPr/>
+        </p:nvPicPr>
+        <p:blipFill>
+          <a:blip r:embed="rId11"/>
+          <a:stretch>
+            <a:fillRect/>
+          </a:stretch>
+        </p:blipFill>
+        <p:spPr>
+          <a:xfrm>
+            <a:off x="902577" y="6249431"/>
+            <a:ext cx="9280785" cy="4114800"/>
+          </a:xfrm>
+          <a:prstGeom prst="rect">
+            <a:avLst/>
+          </a:prstGeom>
+        </p:spPr>
+      </p:pic>
+      <p:pic>
+        <p:nvPicPr>
+          <p:cNvPr id="13" name="Picture 12">
+            <a:extLst>
+              <a:ext uri="{FF2B5EF4-FFF2-40B4-BE49-F238E27FC236}">
+                <a16:creationId xmlns:a16="http://schemas.microsoft.com/office/drawing/2014/main" id="{310F7D09-BF83-48CD-B415-5E149D2866DD}"/>
+              </a:ext>
+            </a:extLst>
+          </p:cNvPr>
+          <p:cNvPicPr>
+            <a:picLocks noChangeAspect="1"/>
+          </p:cNvPicPr>
+          <p:nvPr/>
+        </p:nvPicPr>
+        <p:blipFill>
+          <a:blip r:embed="rId12"/>
+          <a:stretch>
+            <a:fillRect/>
+          </a:stretch>
+        </p:blipFill>
+        <p:spPr>
+          <a:xfrm>
+            <a:off x="10205748" y="6183968"/>
+            <a:ext cx="9213083" cy="4114800"/>
+          </a:xfrm>
+          <a:prstGeom prst="rect">
+            <a:avLst/>
+          </a:prstGeom>
+        </p:spPr>
+      </p:pic>
+      <p:pic>
+        <p:nvPicPr>
+          <p:cNvPr id="15" name="Picture 14">
+            <a:extLst>
+              <a:ext uri="{FF2B5EF4-FFF2-40B4-BE49-F238E27FC236}">
+                <a16:creationId xmlns:a16="http://schemas.microsoft.com/office/drawing/2014/main" id="{B9EAF9B7-2237-48FF-9232-7332900F991B}"/>
+              </a:ext>
+            </a:extLst>
+          </p:cNvPr>
+          <p:cNvPicPr>
+            <a:picLocks noChangeAspect="1"/>
+          </p:cNvPicPr>
+          <p:nvPr/>
+        </p:nvPicPr>
+        <p:blipFill>
+          <a:blip r:embed="rId13"/>
+          <a:stretch>
+            <a:fillRect/>
+          </a:stretch>
+        </p:blipFill>
+        <p:spPr>
+          <a:xfrm>
+            <a:off x="10215115" y="10759963"/>
+            <a:ext cx="9203716" cy="4114800"/>
+          </a:xfrm>
+          <a:prstGeom prst="rect">
+            <a:avLst/>
+          </a:prstGeom>
+        </p:spPr>
+      </p:pic>
+      <p:pic>
+        <p:nvPicPr>
+          <p:cNvPr id="17" name="Picture 16">
+            <a:extLst>
+              <a:ext uri="{FF2B5EF4-FFF2-40B4-BE49-F238E27FC236}">
+                <a16:creationId xmlns:a16="http://schemas.microsoft.com/office/drawing/2014/main" id="{DAF348B8-0B9E-44D2-A3D5-355E6868DEF0}"/>
+              </a:ext>
+            </a:extLst>
+          </p:cNvPr>
+          <p:cNvPicPr>
+            <a:picLocks noChangeAspect="1"/>
+          </p:cNvPicPr>
+          <p:nvPr/>
+        </p:nvPicPr>
+        <p:blipFill>
+          <a:blip r:embed="rId14"/>
+          <a:stretch>
+            <a:fillRect/>
+          </a:stretch>
+        </p:blipFill>
+        <p:spPr>
+          <a:xfrm>
+            <a:off x="973636" y="10759963"/>
+            <a:ext cx="9161990" cy="4114800"/>
+          </a:xfrm>
+          <a:prstGeom prst="rect">
+            <a:avLst/>
+          </a:prstGeom>
+        </p:spPr>
+      </p:pic>
+    </p:spTree>
+    <p:extLst>
+      <p:ext uri="{BB962C8B-B14F-4D97-AF65-F5344CB8AC3E}">
+        <p14:creationId xmlns:p14="http://schemas.microsoft.com/office/powerpoint/2010/main" val="1396941704"/>
+      </p:ext>
+    </p:extLst>
+  </p:cSld>
+  <p:clrMapOvr>
+    <a:masterClrMapping/>
+  </p:clrMapOvr>
+  <p:timing>
+    <p:tnLst>
+      <p:par>
+        <p:cTn id="1" dur="indefinite" restart="never" nodeType="tmRoot">
+          <p:childTnLst>
+            <p:seq concurrent="1" nextAc="seek">
+              <p:cTn id="2" dur="indefinite" nodeType="mainSeq">
+                <p:childTnLst>
+                  <p:par>
+                    <p:cTn id="3" fill="hold">
+                      <p:stCondLst>
+                        <p:cond delay="indefinite"/>
+                        <p:cond evt="onBegin" delay="0">
+                          <p:tn val="2"/>
+                        </p:cond>
+                      </p:stCondLst>
+                      <p:childTnLst>
+                        <p:par>
+                          <p:cTn id="4" fill="hold">
+                            <p:stCondLst>
+                              <p:cond delay="0"/>
+                            </p:stCondLst>
+                            <p:childTnLst>
+                              <p:par>
+                                <p:cTn id="5" presetID="1" presetClass="entr" presetSubtype="0" fill="hold" grpId="0" nodeType="withEffect">
+                                  <p:stCondLst>
+                                    <p:cond delay="0"/>
+                                  </p:stCondLst>
+                                  <p:childTnLst>
+                                    <p:set>
+                                      <p:cBhvr>
+                                        <p:cTn id="6" dur="1" fill="hold">
+                                          <p:stCondLst>
+                                            <p:cond delay="0"/>
+                                          </p:stCondLst>
+                                        </p:cTn>
+                                        <p:tgtEl>
+                                          <p:spTgt spid="62"/>
+                                        </p:tgtEl>
+                                        <p:attrNameLst>
+                                          <p:attrName>style.visibility</p:attrName>
+                                        </p:attrNameLst>
+                                      </p:cBhvr>
+                                      <p:to>
+                                        <p:strVal val="visible"/>
+                                      </p:to>
+                                    </p:set>
+                                  </p:childTnLst>
+                                </p:cTn>
+                              </p:par>
+                              <p:par>
+                                <p:cTn id="7" presetID="1" presetClass="entr" presetSubtype="0" fill="hold" grpId="0" nodeType="withEffect">
+                                  <p:stCondLst>
+                                    <p:cond delay="0"/>
+                                  </p:stCondLst>
+                                  <p:childTnLst>
+                                    <p:set>
+                                      <p:cBhvr>
+                                        <p:cTn id="8" dur="1" fill="hold">
+                                          <p:stCondLst>
+                                            <p:cond delay="0"/>
+                                          </p:stCondLst>
+                                        </p:cTn>
+                                        <p:tgtEl>
+                                          <p:spTgt spid="63"/>
+                                        </p:tgtEl>
+                                        <p:attrNameLst>
+                                          <p:attrName>style.visibility</p:attrName>
+                                        </p:attrNameLst>
+                                      </p:cBhvr>
+                                      <p:to>
+                                        <p:strVal val="visible"/>
+                                      </p:to>
+                                    </p:set>
+                                  </p:childTnLst>
+                                </p:cTn>
+                              </p:par>
+                            </p:childTnLst>
+                          </p:cTn>
+                        </p:par>
+                      </p:childTnLst>
+                    </p:cTn>
+                  </p:par>
+                </p:childTnLst>
+              </p:cTn>
+              <p:prevCondLst>
+                <p:cond evt="onPrev" delay="0">
+                  <p:tgtEl>
+                    <p:sldTgt/>
+                  </p:tgtEl>
+                </p:cond>
+              </p:prevCondLst>
+              <p:nextCondLst>
+                <p:cond evt="onNext" delay="0">
+                  <p:tgtEl>
+                    <p:sldTgt/>
+                  </p:tgtEl>
+                </p:cond>
+              </p:nextCondLst>
+            </p:seq>
+          </p:childTnLst>
+        </p:cTn>
+      </p:par>
+    </p:tnLst>
+    <p:bldLst>
+      <p:bldP spid="62" grpId="0"/>
+      <p:bldP spid="63" grpId="0"/>
+    </p:bldLst>
+  </p:timing>
+</p:sld>
+</file>
+
+<file path=ppt/slides/slide3.xml><?xml version="1.0" encoding="utf-8"?>
+<p:sld xmlns:a="http://schemas.openxmlformats.org/drawingml/2006/main" xmlns:r="http://schemas.openxmlformats.org/officeDocument/2006/relationships" xmlns:p="http://schemas.openxmlformats.org/presentationml/2006/main">
+  <p:cSld>
+    <p:spTree>
+      <p:nvGrpSpPr>
+        <p:cNvPr id="1" name=""/>
+        <p:cNvGrpSpPr/>
+        <p:nvPr/>
+      </p:nvGrpSpPr>
+      <p:grpSpPr>
+        <a:xfrm>
+          <a:off x="0" y="0"/>
+          <a:ext cx="0" cy="0"/>
+          <a:chOff x="0" y="0"/>
+          <a:chExt cx="0" cy="0"/>
+        </a:xfrm>
+      </p:grpSpPr>
+      <p:sp>
+        <p:nvSpPr>
+          <p:cNvPr id="11" name="Rectangle 10">
+            <a:extLst>
+              <a:ext uri="{FF2B5EF4-FFF2-40B4-BE49-F238E27FC236}">
+                <a16:creationId xmlns:a16="http://schemas.microsoft.com/office/drawing/2014/main" id="{75D2AA27-AF82-40BB-B925-6ADF5F8D7B33}"/>
+              </a:ext>
+            </a:extLst>
+          </p:cNvPr>
+          <p:cNvSpPr/>
+          <p:nvPr/>
+        </p:nvSpPr>
+        <p:spPr>
+          <a:xfrm>
+            <a:off x="310122" y="13030388"/>
+            <a:ext cx="6629871" cy="646331"/>
+          </a:xfrm>
+          <a:prstGeom prst="rect">
+            <a:avLst/>
+          </a:prstGeom>
+        </p:spPr>
+        <p:txBody>
+          <a:bodyPr wrap="square">
+            <a:spAutoFit/>
+          </a:bodyPr>
+          <a:lstStyle/>
+          <a:p>
+            <a:pPr algn="ctr"/>
+            <a:r>
+              <a:rPr lang="en-CA" sz="3600" b="1" dirty="0">
+                <a:latin typeface="Arial" panose="020B0604020202020204" pitchFamily="34" charset="0"/>
+                <a:cs typeface="Arial" panose="020B0604020202020204" pitchFamily="34" charset="0"/>
+              </a:rPr>
+              <a:t>Prediction Stage (Real-Time)</a:t>
+            </a:r>
+          </a:p>
+        </p:txBody>
+      </p:sp>
+      <p:pic>
+        <p:nvPicPr>
+          <p:cNvPr id="18" name="Picture 17">
+            <a:extLst>
+              <a:ext uri="{FF2B5EF4-FFF2-40B4-BE49-F238E27FC236}">
+                <a16:creationId xmlns:a16="http://schemas.microsoft.com/office/drawing/2014/main" id="{0C4BE618-C692-49F3-A052-DDAE596D2B67}"/>
+              </a:ext>
+            </a:extLst>
+          </p:cNvPr>
+          <p:cNvPicPr>
+            <a:picLocks noChangeAspect="1"/>
+          </p:cNvPicPr>
+          <p:nvPr/>
+        </p:nvPicPr>
+        <p:blipFill>
+          <a:blip r:embed="rId2" cstate="print">
+            <a:extLst>
+              <a:ext uri="{28A0092B-C50C-407E-A947-70E740481C1C}">
+                <a14:useLocalDpi xmlns:a14="http://schemas.microsoft.com/office/drawing/2010/main" val="0"/>
+              </a:ext>
+            </a:extLst>
+          </a:blip>
+          <a:stretch>
+            <a:fillRect/>
+          </a:stretch>
+        </p:blipFill>
+        <p:spPr>
+          <a:xfrm>
+            <a:off x="11025320" y="14813969"/>
+            <a:ext cx="4073346" cy="1924884"/>
+          </a:xfrm>
+          <a:prstGeom prst="rect">
+            <a:avLst/>
+          </a:prstGeom>
+          <a:solidFill>
+            <a:schemeClr val="accent3">
+              <a:lumMod val="25000"/>
+              <a:lumOff val="75000"/>
+              <a:alpha val="38000"/>
+            </a:schemeClr>
+          </a:solidFill>
+          <a:ln>
+            <a:solidFill>
+              <a:srgbClr val="C00000"/>
+            </a:solidFill>
+          </a:ln>
+        </p:spPr>
+      </p:pic>
+      <p:pic>
+        <p:nvPicPr>
+          <p:cNvPr id="21" name="Picture 20">
+            <a:extLst>
+              <a:ext uri="{FF2B5EF4-FFF2-40B4-BE49-F238E27FC236}">
+                <a16:creationId xmlns:a16="http://schemas.microsoft.com/office/drawing/2014/main" id="{A03A7C5E-ED99-4147-BC4E-919CD46E83AD}"/>
+              </a:ext>
+            </a:extLst>
+          </p:cNvPr>
+          <p:cNvPicPr>
+            <a:picLocks noChangeAspect="1"/>
+          </p:cNvPicPr>
+          <p:nvPr/>
+        </p:nvPicPr>
+        <p:blipFill>
+          <a:blip r:embed="rId3"/>
+          <a:stretch>
+            <a:fillRect/>
+          </a:stretch>
+        </p:blipFill>
+        <p:spPr>
+          <a:xfrm>
+            <a:off x="629844" y="14878058"/>
+            <a:ext cx="2478504" cy="1785589"/>
+          </a:xfrm>
+          <a:prstGeom prst="rect">
+            <a:avLst/>
+          </a:prstGeom>
+          <a:ln>
+            <a:solidFill>
+              <a:srgbClr val="C00000"/>
+            </a:solidFill>
+          </a:ln>
+        </p:spPr>
+      </p:pic>
+      <p:grpSp>
+        <p:nvGrpSpPr>
+          <p:cNvPr id="1058" name="Group 1057">
+            <a:extLst>
+              <a:ext uri="{FF2B5EF4-FFF2-40B4-BE49-F238E27FC236}">
+                <a16:creationId xmlns:a16="http://schemas.microsoft.com/office/drawing/2014/main" id="{2E30CF3D-20AB-434D-8EC0-4D6F47EA7575}"/>
+              </a:ext>
+            </a:extLst>
+          </p:cNvPr>
+          <p:cNvGrpSpPr/>
+          <p:nvPr/>
+        </p:nvGrpSpPr>
+        <p:grpSpPr>
+          <a:xfrm>
+            <a:off x="17207821" y="14769557"/>
+            <a:ext cx="4422823" cy="1701061"/>
+            <a:chOff x="10246929" y="4526904"/>
+            <a:chExt cx="2675463" cy="1029009"/>
+          </a:xfrm>
+        </p:grpSpPr>
+        <p:pic>
+          <p:nvPicPr>
+            <p:cNvPr id="24" name="Picture 23">
+              <a:extLst>
+                <a:ext uri="{FF2B5EF4-FFF2-40B4-BE49-F238E27FC236}">
+                  <a16:creationId xmlns:a16="http://schemas.microsoft.com/office/drawing/2014/main" id="{B3C634B8-5F60-48CA-B908-7DF9ECE6946B}"/>
+                </a:ext>
+              </a:extLst>
+            </p:cNvPr>
+            <p:cNvPicPr>
+              <a:picLocks noChangeAspect="1"/>
+            </p:cNvPicPr>
+            <p:nvPr/>
+          </p:nvPicPr>
+          <p:blipFill rotWithShape="1">
+            <a:blip r:embed="rId4"/>
+            <a:srcRect t="15028"/>
+            <a:stretch/>
+          </p:blipFill>
+          <p:spPr>
+            <a:xfrm>
+              <a:off x="10246929" y="4526904"/>
+              <a:ext cx="2675463" cy="1029009"/>
+            </a:xfrm>
+            <a:prstGeom prst="rect">
+              <a:avLst/>
+            </a:prstGeom>
+            <a:ln>
+              <a:solidFill>
+                <a:srgbClr val="C00000"/>
+              </a:solidFill>
+            </a:ln>
+          </p:spPr>
+        </p:pic>
+        <p:cxnSp>
+          <p:nvCxnSpPr>
+            <p:cNvPr id="59" name="Straight Arrow Connector 58">
+              <a:extLst>
+                <a:ext uri="{FF2B5EF4-FFF2-40B4-BE49-F238E27FC236}">
+                  <a16:creationId xmlns:a16="http://schemas.microsoft.com/office/drawing/2014/main" id="{29D9D979-F58A-4AD3-9DB8-B948195506A8}"/>
+                </a:ext>
+              </a:extLst>
+            </p:cNvPr>
+            <p:cNvCxnSpPr>
+              <a:cxnSpLocks/>
+            </p:cNvCxnSpPr>
+            <p:nvPr/>
+          </p:nvCxnSpPr>
+          <p:spPr>
+            <a:xfrm flipH="1">
+              <a:off x="11346771" y="4844094"/>
+              <a:ext cx="228600" cy="182567"/>
+            </a:xfrm>
+            <a:prstGeom prst="straightConnector1">
+              <a:avLst/>
+            </a:prstGeom>
+            <a:ln w="19050">
+              <a:solidFill>
+                <a:srgbClr val="C00000"/>
+              </a:solidFill>
+              <a:tailEnd type="triangle"/>
+            </a:ln>
+          </p:spPr>
+          <p:style>
+            <a:lnRef idx="1">
+              <a:schemeClr val="accent1"/>
+            </a:lnRef>
+            <a:fillRef idx="0">
+              <a:schemeClr val="accent1"/>
+            </a:fillRef>
+            <a:effectRef idx="0">
+              <a:schemeClr val="accent1"/>
+            </a:effectRef>
+            <a:fontRef idx="minor">
+              <a:schemeClr val="tx1"/>
+            </a:fontRef>
+          </p:style>
+        </p:cxnSp>
+      </p:grpSp>
+      <p:cxnSp>
+        <p:nvCxnSpPr>
+          <p:cNvPr id="40" name="Straight Arrow Connector 39">
+            <a:extLst>
+              <a:ext uri="{FF2B5EF4-FFF2-40B4-BE49-F238E27FC236}">
+                <a16:creationId xmlns:a16="http://schemas.microsoft.com/office/drawing/2014/main" id="{628308BA-66D0-4FC1-BD03-C49652F9E5C5}"/>
+              </a:ext>
+            </a:extLst>
+          </p:cNvPr>
+          <p:cNvCxnSpPr>
+            <a:cxnSpLocks/>
+          </p:cNvCxnSpPr>
+          <p:nvPr/>
+        </p:nvCxnSpPr>
+        <p:spPr>
+          <a:xfrm>
+            <a:off x="13038718" y="12824158"/>
+            <a:ext cx="0" cy="1301649"/>
+          </a:xfrm>
+          <a:prstGeom prst="straightConnector1">
+            <a:avLst/>
+          </a:prstGeom>
+          <a:ln w="38100">
+            <a:solidFill>
+              <a:schemeClr val="accent1"/>
+            </a:solidFill>
+            <a:tailEnd type="triangle"/>
+          </a:ln>
+        </p:spPr>
+        <p:style>
+          <a:lnRef idx="1">
+            <a:schemeClr val="accent6"/>
+          </a:lnRef>
+          <a:fillRef idx="0">
+            <a:schemeClr val="accent6"/>
+          </a:fillRef>
+          <a:effectRef idx="0">
+            <a:schemeClr val="accent6"/>
+          </a:effectRef>
+          <a:fontRef idx="minor">
+            <a:schemeClr val="tx1"/>
+          </a:fontRef>
+        </p:style>
+      </p:cxnSp>
+      <p:sp>
+        <p:nvSpPr>
+          <p:cNvPr id="62" name="Rectangle 61">
+            <a:extLst>
+              <a:ext uri="{FF2B5EF4-FFF2-40B4-BE49-F238E27FC236}">
+                <a16:creationId xmlns:a16="http://schemas.microsoft.com/office/drawing/2014/main" id="{49BB1430-56AC-4A51-8314-71FF7315FECD}"/>
+              </a:ext>
+            </a:extLst>
+          </p:cNvPr>
+          <p:cNvSpPr/>
+          <p:nvPr/>
+        </p:nvSpPr>
+        <p:spPr>
+          <a:xfrm>
+            <a:off x="18229370" y="8379064"/>
+            <a:ext cx="4467891" cy="369332"/>
+          </a:xfrm>
+          <a:prstGeom prst="rect">
+            <a:avLst/>
+          </a:prstGeom>
+        </p:spPr>
+        <p:txBody>
+          <a:bodyPr wrap="none">
+            <a:spAutoFit/>
+          </a:bodyPr>
+          <a:lstStyle/>
+          <a:p>
+            <a:pPr algn="ctr"/>
+            <a:r>
+              <a:rPr lang="en-US" b="1" dirty="0">
+                <a:latin typeface="Arial" panose="020B0604020202020204" pitchFamily="34" charset="0"/>
+                <a:cs typeface="Arial" panose="020B0604020202020204" pitchFamily="34" charset="0"/>
+              </a:rPr>
+              <a:t>Output: Ensemble Final Survival Model</a:t>
+            </a:r>
+            <a:endParaRPr lang="en-CA" b="1" dirty="0">
+              <a:latin typeface="Arial" panose="020B0604020202020204" pitchFamily="34" charset="0"/>
+              <a:cs typeface="Arial" panose="020B0604020202020204" pitchFamily="34" charset="0"/>
+            </a:endParaRPr>
+          </a:p>
+        </p:txBody>
+      </p:sp>
+      <p:sp>
+        <p:nvSpPr>
+          <p:cNvPr id="63" name="Rectangle 62">
+            <a:extLst>
+              <a:ext uri="{FF2B5EF4-FFF2-40B4-BE49-F238E27FC236}">
+                <a16:creationId xmlns:a16="http://schemas.microsoft.com/office/drawing/2014/main" id="{21F433AA-FBD0-4104-A024-32D99914B283}"/>
+              </a:ext>
+            </a:extLst>
+          </p:cNvPr>
+          <p:cNvSpPr/>
+          <p:nvPr/>
+        </p:nvSpPr>
+        <p:spPr>
+          <a:xfrm>
+            <a:off x="-89395" y="7162807"/>
+            <a:ext cx="5861805" cy="646331"/>
+          </a:xfrm>
+          <a:prstGeom prst="rect">
+            <a:avLst/>
+          </a:prstGeom>
+        </p:spPr>
+        <p:txBody>
+          <a:bodyPr wrap="square">
+            <a:spAutoFit/>
+          </a:bodyPr>
+          <a:lstStyle/>
+          <a:p>
+            <a:pPr algn="ctr"/>
+            <a:r>
+              <a:rPr lang="en-CA" sz="3600" b="1" dirty="0">
+                <a:latin typeface="Arial" panose="020B0604020202020204" pitchFamily="34" charset="0"/>
+                <a:cs typeface="Arial" panose="020B0604020202020204" pitchFamily="34" charset="0"/>
+              </a:rPr>
+              <a:t>Training Stage (Offline)</a:t>
+            </a:r>
+          </a:p>
+        </p:txBody>
+      </p:sp>
+      <p:grpSp>
+        <p:nvGrpSpPr>
+          <p:cNvPr id="64" name="Group 63">
+            <a:extLst>
+              <a:ext uri="{FF2B5EF4-FFF2-40B4-BE49-F238E27FC236}">
+                <a16:creationId xmlns:a16="http://schemas.microsoft.com/office/drawing/2014/main" id="{B0BC7076-583C-4FA2-8110-6CB23CDF9298}"/>
+              </a:ext>
+            </a:extLst>
+          </p:cNvPr>
+          <p:cNvGrpSpPr/>
+          <p:nvPr/>
+        </p:nvGrpSpPr>
+        <p:grpSpPr>
+          <a:xfrm>
+            <a:off x="350277" y="8403067"/>
+            <a:ext cx="2934119" cy="2748293"/>
+            <a:chOff x="5276081" y="903148"/>
+            <a:chExt cx="2934119" cy="2415341"/>
+          </a:xfrm>
+        </p:grpSpPr>
+        <p:sp>
+          <p:nvSpPr>
+            <p:cNvPr id="65" name="Rectangle 64">
+              <a:extLst>
+                <a:ext uri="{FF2B5EF4-FFF2-40B4-BE49-F238E27FC236}">
+                  <a16:creationId xmlns:a16="http://schemas.microsoft.com/office/drawing/2014/main" id="{E6935830-7453-463D-8E39-3A86E99258F7}"/>
+                </a:ext>
+              </a:extLst>
+            </p:cNvPr>
+            <p:cNvSpPr/>
+            <p:nvPr/>
+          </p:nvSpPr>
+          <p:spPr>
+            <a:xfrm>
+              <a:off x="5468200" y="911116"/>
+              <a:ext cx="2557110" cy="369332"/>
+            </a:xfrm>
+            <a:prstGeom prst="rect">
+              <a:avLst/>
+            </a:prstGeom>
+            <a:ln w="28575">
+              <a:noFill/>
+            </a:ln>
+          </p:spPr>
+          <p:txBody>
+            <a:bodyPr wrap="none">
+              <a:spAutoFit/>
+            </a:bodyPr>
+            <a:lstStyle/>
+            <a:p>
+              <a:pPr algn="ctr"/>
+              <a:r>
+                <a:rPr lang="en-CA" b="1" dirty="0">
+                  <a:latin typeface="Arial" panose="020B0604020202020204" pitchFamily="34" charset="0"/>
+                  <a:cs typeface="Arial" panose="020B0604020202020204" pitchFamily="34" charset="0"/>
+                </a:rPr>
+                <a:t>Input: Liver CT Scans</a:t>
+              </a:r>
+            </a:p>
+          </p:txBody>
+        </p:sp>
+        <p:sp>
+          <p:nvSpPr>
+            <p:cNvPr id="67" name="Rectangle: Rounded Corners 66">
+              <a:extLst>
+                <a:ext uri="{FF2B5EF4-FFF2-40B4-BE49-F238E27FC236}">
+                  <a16:creationId xmlns:a16="http://schemas.microsoft.com/office/drawing/2014/main" id="{49E215FE-8F87-4628-834E-2E3B10C2076A}"/>
+                </a:ext>
+              </a:extLst>
+            </p:cNvPr>
+            <p:cNvSpPr/>
+            <p:nvPr/>
+          </p:nvSpPr>
+          <p:spPr>
+            <a:xfrm>
+              <a:off x="5276081" y="903148"/>
+              <a:ext cx="2934119" cy="2415340"/>
+            </a:xfrm>
+            <a:prstGeom prst="roundRect">
+              <a:avLst/>
+            </a:prstGeom>
+            <a:noFill/>
+            <a:ln w="28575">
+              <a:solidFill>
+                <a:schemeClr val="accent1"/>
+              </a:solidFill>
+              <a:prstDash val="sysDot"/>
+            </a:ln>
+          </p:spPr>
+          <p:style>
+            <a:lnRef idx="2">
+              <a:schemeClr val="accent6"/>
+            </a:lnRef>
+            <a:fillRef idx="1">
+              <a:schemeClr val="lt1"/>
+            </a:fillRef>
+            <a:effectRef idx="0">
+              <a:schemeClr val="accent6"/>
+            </a:effectRef>
+            <a:fontRef idx="minor">
+              <a:schemeClr val="dk1"/>
+            </a:fontRef>
+          </p:style>
+          <p:txBody>
+            <a:bodyPr rtlCol="0" anchor="ctr"/>
+            <a:lstStyle/>
+            <a:p>
+              <a:pPr algn="ctr"/>
+              <a:endParaRPr lang="en-US" dirty="0"/>
+            </a:p>
+          </p:txBody>
+        </p:sp>
+      </p:grpSp>
+      <p:pic>
+        <p:nvPicPr>
+          <p:cNvPr id="103" name="Picture 102">
+            <a:extLst>
+              <a:ext uri="{FF2B5EF4-FFF2-40B4-BE49-F238E27FC236}">
+                <a16:creationId xmlns:a16="http://schemas.microsoft.com/office/drawing/2014/main" id="{9ACFFEF0-B146-4F5A-87FC-3BB3AF76C2FF}"/>
+              </a:ext>
+            </a:extLst>
+          </p:cNvPr>
+          <p:cNvPicPr>
+            <a:picLocks noChangeAspect="1"/>
+          </p:cNvPicPr>
+          <p:nvPr/>
+        </p:nvPicPr>
+        <p:blipFill rotWithShape="1">
+          <a:blip r:embed="rId5"/>
+          <a:srcRect b="6378"/>
+          <a:stretch/>
+        </p:blipFill>
+        <p:spPr>
+          <a:xfrm>
+            <a:off x="3933357" y="9284161"/>
+            <a:ext cx="1376607" cy="1064085"/>
+          </a:xfrm>
+          <a:prstGeom prst="rect">
+            <a:avLst/>
+          </a:prstGeom>
+          <a:ln w="19050">
+            <a:solidFill>
+              <a:schemeClr val="accent1"/>
+            </a:solidFill>
+          </a:ln>
+        </p:spPr>
+      </p:pic>
+      <p:cxnSp>
+        <p:nvCxnSpPr>
+          <p:cNvPr id="104" name="Straight Arrow Connector 103">
+            <a:extLst>
+              <a:ext uri="{FF2B5EF4-FFF2-40B4-BE49-F238E27FC236}">
+                <a16:creationId xmlns:a16="http://schemas.microsoft.com/office/drawing/2014/main" id="{47078D13-2DD8-46D6-AFD7-2DDF0F0186DD}"/>
+              </a:ext>
+            </a:extLst>
+          </p:cNvPr>
+          <p:cNvCxnSpPr>
+            <a:cxnSpLocks/>
+            <a:stCxn id="103" idx="3"/>
+          </p:cNvCxnSpPr>
+          <p:nvPr/>
+        </p:nvCxnSpPr>
+        <p:spPr>
+          <a:xfrm>
+            <a:off x="5309964" y="9816204"/>
+            <a:ext cx="244667" cy="0"/>
+          </a:xfrm>
+          <a:prstGeom prst="straightConnector1">
+            <a:avLst/>
+          </a:prstGeom>
+          <a:ln w="19050">
+            <a:solidFill>
+              <a:srgbClr val="C00000"/>
+            </a:solidFill>
+            <a:tailEnd type="triangle"/>
+          </a:ln>
+        </p:spPr>
+        <p:style>
+          <a:lnRef idx="2">
+            <a:schemeClr val="accent1"/>
+          </a:lnRef>
+          <a:fillRef idx="0">
+            <a:schemeClr val="accent1"/>
+          </a:fillRef>
+          <a:effectRef idx="1">
+            <a:schemeClr val="accent1"/>
+          </a:effectRef>
+          <a:fontRef idx="minor">
+            <a:schemeClr val="tx1"/>
+          </a:fontRef>
+        </p:style>
+      </p:cxnSp>
+      <p:pic>
+        <p:nvPicPr>
+          <p:cNvPr id="105" name="Picture 104">
+            <a:extLst>
+              <a:ext uri="{FF2B5EF4-FFF2-40B4-BE49-F238E27FC236}">
+                <a16:creationId xmlns:a16="http://schemas.microsoft.com/office/drawing/2014/main" id="{8C659232-E9A7-4B80-9E4C-AD7F35DFE689}"/>
+              </a:ext>
+            </a:extLst>
+          </p:cNvPr>
+          <p:cNvPicPr>
+            <a:picLocks noChangeAspect="1"/>
+          </p:cNvPicPr>
+          <p:nvPr/>
+        </p:nvPicPr>
+        <p:blipFill>
+          <a:blip r:embed="rId6"/>
+          <a:stretch>
+            <a:fillRect/>
+          </a:stretch>
+        </p:blipFill>
+        <p:spPr>
+          <a:xfrm>
+            <a:off x="5617567" y="9074152"/>
+            <a:ext cx="1450644" cy="759095"/>
+          </a:xfrm>
+          <a:prstGeom prst="rect">
+            <a:avLst/>
+          </a:prstGeom>
+        </p:spPr>
+      </p:pic>
+      <p:pic>
+        <p:nvPicPr>
+          <p:cNvPr id="112" name="Picture 111">
+            <a:extLst>
+              <a:ext uri="{FF2B5EF4-FFF2-40B4-BE49-F238E27FC236}">
+                <a16:creationId xmlns:a16="http://schemas.microsoft.com/office/drawing/2014/main" id="{47B4AF03-45C2-46D6-8B1A-AE0412C3B41F}"/>
+              </a:ext>
+            </a:extLst>
+          </p:cNvPr>
+          <p:cNvPicPr>
+            <a:picLocks noChangeAspect="1"/>
+          </p:cNvPicPr>
+          <p:nvPr/>
+        </p:nvPicPr>
+        <p:blipFill rotWithShape="1">
+          <a:blip r:embed="rId5"/>
+          <a:srcRect b="6378"/>
+          <a:stretch/>
+        </p:blipFill>
+        <p:spPr>
+          <a:xfrm>
+            <a:off x="7203430" y="9076598"/>
+            <a:ext cx="975709" cy="754201"/>
+          </a:xfrm>
+          <a:prstGeom prst="rect">
+            <a:avLst/>
+          </a:prstGeom>
+        </p:spPr>
+      </p:pic>
+      <p:grpSp>
+        <p:nvGrpSpPr>
+          <p:cNvPr id="113" name="Group 112">
+            <a:extLst>
+              <a:ext uri="{FF2B5EF4-FFF2-40B4-BE49-F238E27FC236}">
+                <a16:creationId xmlns:a16="http://schemas.microsoft.com/office/drawing/2014/main" id="{C21B7569-1E15-4F74-96D1-F902C875D506}"/>
+              </a:ext>
+            </a:extLst>
+          </p:cNvPr>
+          <p:cNvGrpSpPr/>
+          <p:nvPr/>
+        </p:nvGrpSpPr>
+        <p:grpSpPr>
+          <a:xfrm>
+            <a:off x="7286683" y="9136721"/>
+            <a:ext cx="2434691" cy="760837"/>
+            <a:chOff x="10238855" y="2335489"/>
+            <a:chExt cx="2758806" cy="862121"/>
+          </a:xfrm>
+        </p:grpSpPr>
+        <p:sp>
+          <p:nvSpPr>
+            <p:cNvPr id="114" name="Oval 113">
+              <a:extLst>
+                <a:ext uri="{FF2B5EF4-FFF2-40B4-BE49-F238E27FC236}">
+                  <a16:creationId xmlns:a16="http://schemas.microsoft.com/office/drawing/2014/main" id="{5EA92C21-5103-4E73-B574-5DA024B81D3A}"/>
+                </a:ext>
+              </a:extLst>
+            </p:cNvPr>
+            <p:cNvSpPr/>
+            <p:nvPr/>
+          </p:nvSpPr>
+          <p:spPr>
+            <a:xfrm>
+              <a:off x="12135540" y="2335489"/>
+              <a:ext cx="862121" cy="862121"/>
+            </a:xfrm>
+            <a:prstGeom prst="ellipse">
+              <a:avLst/>
+            </a:prstGeom>
+            <a:solidFill>
+              <a:schemeClr val="bg1">
+                <a:lumMod val="85000"/>
+                <a:alpha val="50000"/>
+              </a:schemeClr>
+            </a:solidFill>
+            <a:ln>
+              <a:noFill/>
+            </a:ln>
+          </p:spPr>
+          <p:style>
+            <a:lnRef idx="2">
+              <a:schemeClr val="dk1"/>
+            </a:lnRef>
+            <a:fillRef idx="1">
+              <a:schemeClr val="lt1"/>
+            </a:fillRef>
+            <a:effectRef idx="0">
+              <a:schemeClr val="dk1"/>
+            </a:effectRef>
+            <a:fontRef idx="minor">
+              <a:schemeClr val="dk1"/>
+            </a:fontRef>
+          </p:style>
+          <p:txBody>
+            <a:bodyPr rtlCol="0" anchor="ctr"/>
+            <a:lstStyle/>
+            <a:p>
+              <a:pPr algn="ctr"/>
+              <a:endParaRPr lang="en-CA"/>
+            </a:p>
+          </p:txBody>
+        </p:sp>
+        <p:sp>
+          <p:nvSpPr>
+            <p:cNvPr id="116" name="Arc 115">
+              <a:extLst>
+                <a:ext uri="{FF2B5EF4-FFF2-40B4-BE49-F238E27FC236}">
+                  <a16:creationId xmlns:a16="http://schemas.microsoft.com/office/drawing/2014/main" id="{C4FFF33C-E546-445B-B924-040A68462319}"/>
+                </a:ext>
+              </a:extLst>
+            </p:cNvPr>
+            <p:cNvSpPr/>
+            <p:nvPr/>
+          </p:nvSpPr>
+          <p:spPr>
+            <a:xfrm>
+              <a:off x="10238855" y="2470679"/>
+              <a:ext cx="743840" cy="268737"/>
+            </a:xfrm>
+            <a:prstGeom prst="arc">
+              <a:avLst>
+                <a:gd name="adj1" fmla="val 245650"/>
+                <a:gd name="adj2" fmla="val 112532"/>
+              </a:avLst>
+            </a:prstGeom>
+            <a:ln>
+              <a:solidFill>
+                <a:schemeClr val="tx1">
+                  <a:lumMod val="65000"/>
+                  <a:lumOff val="35000"/>
+                </a:schemeClr>
+              </a:solidFill>
+            </a:ln>
+          </p:spPr>
+          <p:style>
+            <a:lnRef idx="2">
+              <a:schemeClr val="accent1"/>
+            </a:lnRef>
+            <a:fillRef idx="0">
+              <a:schemeClr val="accent1"/>
+            </a:fillRef>
+            <a:effectRef idx="1">
+              <a:schemeClr val="accent1"/>
+            </a:effectRef>
+            <a:fontRef idx="minor">
+              <a:schemeClr val="tx1"/>
+            </a:fontRef>
+          </p:style>
+          <p:txBody>
+            <a:bodyPr rtlCol="0" anchor="ctr"/>
+            <a:lstStyle/>
+            <a:p>
+              <a:pPr algn="ctr"/>
+              <a:endParaRPr lang="en-CA"/>
+            </a:p>
+          </p:txBody>
+        </p:sp>
+      </p:grpSp>
+      <p:sp>
+        <p:nvSpPr>
+          <p:cNvPr id="107" name="Rectangle 106">
+            <a:extLst>
+              <a:ext uri="{FF2B5EF4-FFF2-40B4-BE49-F238E27FC236}">
+                <a16:creationId xmlns:a16="http://schemas.microsoft.com/office/drawing/2014/main" id="{0532A27C-42B0-43D1-B6F6-8AC63FEAA047}"/>
+              </a:ext>
+            </a:extLst>
+          </p:cNvPr>
+          <p:cNvSpPr/>
+          <p:nvPr/>
+        </p:nvSpPr>
+        <p:spPr>
+          <a:xfrm>
+            <a:off x="5569393" y="8773930"/>
+            <a:ext cx="1619354" cy="307777"/>
+          </a:xfrm>
+          <a:prstGeom prst="rect">
+            <a:avLst/>
+          </a:prstGeom>
+        </p:spPr>
+        <p:txBody>
+          <a:bodyPr wrap="none">
+            <a:spAutoFit/>
+          </a:bodyPr>
+          <a:lstStyle/>
+          <a:p>
+            <a:r>
+              <a:rPr lang="en-CA" sz="1400" dirty="0">
+                <a:latin typeface="Arial" panose="020B0604020202020204" pitchFamily="34" charset="0"/>
+                <a:cs typeface="Arial" panose="020B0604020202020204" pitchFamily="34" charset="0"/>
+              </a:rPr>
+              <a:t>Intensity Statistics</a:t>
+            </a:r>
+          </a:p>
+        </p:txBody>
+      </p:sp>
+      <p:sp>
+        <p:nvSpPr>
+          <p:cNvPr id="108" name="Rectangle 107">
+            <a:extLst>
+              <a:ext uri="{FF2B5EF4-FFF2-40B4-BE49-F238E27FC236}">
+                <a16:creationId xmlns:a16="http://schemas.microsoft.com/office/drawing/2014/main" id="{B1DAFD23-842E-4ADE-B8B0-CDD4F262CC8E}"/>
+              </a:ext>
+            </a:extLst>
+          </p:cNvPr>
+          <p:cNvSpPr/>
+          <p:nvPr/>
+        </p:nvSpPr>
+        <p:spPr>
+          <a:xfrm>
+            <a:off x="5563824" y="9826639"/>
+            <a:ext cx="2773516" cy="307777"/>
+          </a:xfrm>
+          <a:prstGeom prst="rect">
+            <a:avLst/>
+          </a:prstGeom>
+        </p:spPr>
+        <p:txBody>
+          <a:bodyPr wrap="none">
+            <a:spAutoFit/>
+          </a:bodyPr>
+          <a:lstStyle/>
+          <a:p>
+            <a:r>
+              <a:rPr lang="en-CA" sz="1400" dirty="0">
+                <a:latin typeface="Arial" panose="020B0604020202020204" pitchFamily="34" charset="0"/>
+                <a:cs typeface="Arial" panose="020B0604020202020204" pitchFamily="34" charset="0"/>
+              </a:rPr>
+              <a:t>Gray Level Spatial Relationships</a:t>
+            </a:r>
+          </a:p>
+        </p:txBody>
+      </p:sp>
+      <p:sp>
+        <p:nvSpPr>
+          <p:cNvPr id="109" name="Rectangle 108">
+            <a:extLst>
+              <a:ext uri="{FF2B5EF4-FFF2-40B4-BE49-F238E27FC236}">
+                <a16:creationId xmlns:a16="http://schemas.microsoft.com/office/drawing/2014/main" id="{96F62581-93AF-4AA9-9F46-A99EA58D371A}"/>
+              </a:ext>
+            </a:extLst>
+          </p:cNvPr>
+          <p:cNvSpPr/>
+          <p:nvPr/>
+        </p:nvSpPr>
+        <p:spPr>
+          <a:xfrm>
+            <a:off x="7253430" y="8767389"/>
+            <a:ext cx="981359" cy="307777"/>
+          </a:xfrm>
+          <a:prstGeom prst="rect">
+            <a:avLst/>
+          </a:prstGeom>
+        </p:spPr>
+        <p:txBody>
+          <a:bodyPr wrap="none">
+            <a:spAutoFit/>
+          </a:bodyPr>
+          <a:lstStyle/>
+          <a:p>
+            <a:r>
+              <a:rPr lang="en-CA" sz="1400" dirty="0">
+                <a:latin typeface="Arial" panose="020B0604020202020204" pitchFamily="34" charset="0"/>
+                <a:cs typeface="Arial" panose="020B0604020202020204" pitchFamily="34" charset="0"/>
+              </a:rPr>
+              <a:t>3D Shape</a:t>
+            </a:r>
+          </a:p>
+        </p:txBody>
+      </p:sp>
+      <p:sp>
+        <p:nvSpPr>
+          <p:cNvPr id="110" name="TextBox 109">
+            <a:extLst>
+              <a:ext uri="{FF2B5EF4-FFF2-40B4-BE49-F238E27FC236}">
+                <a16:creationId xmlns:a16="http://schemas.microsoft.com/office/drawing/2014/main" id="{35FA3B99-4C2C-4447-8351-BE040351BFB3}"/>
+              </a:ext>
+            </a:extLst>
+          </p:cNvPr>
+          <p:cNvSpPr txBox="1"/>
+          <p:nvPr/>
+        </p:nvSpPr>
+        <p:spPr>
+          <a:xfrm>
+            <a:off x="3986758" y="8441941"/>
+            <a:ext cx="4308058" cy="369332"/>
+          </a:xfrm>
+          <a:prstGeom prst="rect">
+            <a:avLst/>
+          </a:prstGeom>
+          <a:noFill/>
+        </p:spPr>
+        <p:txBody>
+          <a:bodyPr wrap="square" rtlCol="0">
+            <a:spAutoFit/>
+          </a:bodyPr>
+          <a:lstStyle/>
+          <a:p>
+            <a:pPr algn="ctr"/>
+            <a:r>
+              <a:rPr lang="en-CA" b="1" dirty="0">
+                <a:latin typeface="Arial" panose="020B0604020202020204" pitchFamily="34" charset="0"/>
+                <a:cs typeface="Arial" panose="020B0604020202020204" pitchFamily="34" charset="0"/>
+              </a:rPr>
+              <a:t>Radiomic Feature Computation</a:t>
+            </a:r>
+          </a:p>
+        </p:txBody>
+      </p:sp>
+      <p:pic>
+        <p:nvPicPr>
+          <p:cNvPr id="111" name="Picture 110">
+            <a:extLst>
+              <a:ext uri="{FF2B5EF4-FFF2-40B4-BE49-F238E27FC236}">
+                <a16:creationId xmlns:a16="http://schemas.microsoft.com/office/drawing/2014/main" id="{1B5FE0E3-E992-4AC7-9244-3F2FC15571C9}"/>
+              </a:ext>
+            </a:extLst>
+          </p:cNvPr>
+          <p:cNvPicPr>
+            <a:picLocks noChangeAspect="1"/>
+          </p:cNvPicPr>
+          <p:nvPr/>
+        </p:nvPicPr>
+        <p:blipFill>
+          <a:blip r:embed="rId7"/>
+          <a:stretch>
+            <a:fillRect/>
+          </a:stretch>
+        </p:blipFill>
+        <p:spPr>
+          <a:xfrm>
+            <a:off x="6082434" y="10105503"/>
+            <a:ext cx="1558355" cy="979361"/>
+          </a:xfrm>
+          <a:prstGeom prst="rect">
+            <a:avLst/>
+          </a:prstGeom>
+        </p:spPr>
+      </p:pic>
+      <p:sp>
+        <p:nvSpPr>
+          <p:cNvPr id="120" name="Rectangle 119">
+            <a:extLst>
+              <a:ext uri="{FF2B5EF4-FFF2-40B4-BE49-F238E27FC236}">
+                <a16:creationId xmlns:a16="http://schemas.microsoft.com/office/drawing/2014/main" id="{694B1B2D-BDFF-46DE-A750-B81D96D48475}"/>
+              </a:ext>
+            </a:extLst>
+          </p:cNvPr>
+          <p:cNvSpPr/>
+          <p:nvPr/>
+        </p:nvSpPr>
+        <p:spPr>
+          <a:xfrm>
+            <a:off x="9865375" y="8441942"/>
+            <a:ext cx="2515336" cy="281423"/>
+          </a:xfrm>
+          <a:prstGeom prst="rect">
+            <a:avLst/>
+          </a:prstGeom>
+        </p:spPr>
+        <p:txBody>
+          <a:bodyPr wrap="square">
+            <a:spAutoFit/>
+          </a:bodyPr>
+          <a:lstStyle/>
+          <a:p>
+            <a:pPr algn="ctr"/>
+            <a:r>
+              <a:rPr lang="en-CA" b="1" dirty="0">
+                <a:latin typeface="Arial" panose="020B0604020202020204" pitchFamily="34" charset="0"/>
+                <a:cs typeface="Arial" panose="020B0604020202020204" pitchFamily="34" charset="0"/>
+              </a:rPr>
+              <a:t>Feature Selection</a:t>
+            </a:r>
+          </a:p>
+        </p:txBody>
+      </p:sp>
+      <p:grpSp>
+        <p:nvGrpSpPr>
+          <p:cNvPr id="121" name="Group 120">
+            <a:extLst>
+              <a:ext uri="{FF2B5EF4-FFF2-40B4-BE49-F238E27FC236}">
+                <a16:creationId xmlns:a16="http://schemas.microsoft.com/office/drawing/2014/main" id="{F3C11F48-896A-4158-9928-11D63A986AFD}"/>
+              </a:ext>
+            </a:extLst>
+          </p:cNvPr>
+          <p:cNvGrpSpPr/>
+          <p:nvPr/>
+        </p:nvGrpSpPr>
+        <p:grpSpPr>
+          <a:xfrm>
+            <a:off x="9977597" y="9305987"/>
+            <a:ext cx="3214959" cy="932967"/>
+            <a:chOff x="7408379" y="1826023"/>
+            <a:chExt cx="2215763" cy="843862"/>
+          </a:xfrm>
+        </p:grpSpPr>
+        <p:pic>
+          <p:nvPicPr>
+            <p:cNvPr id="123" name="Picture 122">
+              <a:extLst>
+                <a:ext uri="{FF2B5EF4-FFF2-40B4-BE49-F238E27FC236}">
+                  <a16:creationId xmlns:a16="http://schemas.microsoft.com/office/drawing/2014/main" id="{85477D6E-F1C3-45E4-8D16-10684461D919}"/>
+                </a:ext>
+              </a:extLst>
+            </p:cNvPr>
+            <p:cNvPicPr>
+              <a:picLocks noChangeAspect="1"/>
+            </p:cNvPicPr>
+            <p:nvPr/>
+          </p:nvPicPr>
+          <p:blipFill>
+            <a:blip r:embed="rId8"/>
+            <a:stretch>
+              <a:fillRect/>
+            </a:stretch>
+          </p:blipFill>
+          <p:spPr>
+            <a:xfrm>
+              <a:off x="7408379" y="2254172"/>
+              <a:ext cx="2215763" cy="415713"/>
+            </a:xfrm>
+            <a:prstGeom prst="rect">
+              <a:avLst/>
+            </a:prstGeom>
+          </p:spPr>
+        </p:pic>
+        <p:pic>
+          <p:nvPicPr>
+            <p:cNvPr id="124" name="Picture 123">
+              <a:extLst>
+                <a:ext uri="{FF2B5EF4-FFF2-40B4-BE49-F238E27FC236}">
+                  <a16:creationId xmlns:a16="http://schemas.microsoft.com/office/drawing/2014/main" id="{50AC13A7-B2B2-4C00-87C5-9E403EDA3A55}"/>
+                </a:ext>
+              </a:extLst>
+            </p:cNvPr>
+            <p:cNvPicPr>
+              <a:picLocks noChangeAspect="1"/>
+            </p:cNvPicPr>
+            <p:nvPr/>
+          </p:nvPicPr>
+          <p:blipFill rotWithShape="1">
+            <a:blip r:embed="rId9"/>
+            <a:srcRect r="1404"/>
+            <a:stretch/>
+          </p:blipFill>
+          <p:spPr>
+            <a:xfrm>
+              <a:off x="7425487" y="1826023"/>
+              <a:ext cx="1134225" cy="519608"/>
+            </a:xfrm>
+            <a:prstGeom prst="rect">
+              <a:avLst/>
+            </a:prstGeom>
+          </p:spPr>
+        </p:pic>
+      </p:grpSp>
+      <p:sp>
+        <p:nvSpPr>
+          <p:cNvPr id="127" name="Rectangle 126">
+            <a:extLst>
+              <a:ext uri="{FF2B5EF4-FFF2-40B4-BE49-F238E27FC236}">
+                <a16:creationId xmlns:a16="http://schemas.microsoft.com/office/drawing/2014/main" id="{1F76C74D-069A-4FB3-817D-497D6A80D067}"/>
+              </a:ext>
+            </a:extLst>
+          </p:cNvPr>
+          <p:cNvSpPr/>
+          <p:nvPr/>
+        </p:nvSpPr>
+        <p:spPr>
+          <a:xfrm>
+            <a:off x="13966838" y="8400490"/>
+            <a:ext cx="3071322" cy="646331"/>
+          </a:xfrm>
+          <a:prstGeom prst="rect">
+            <a:avLst/>
+          </a:prstGeom>
+        </p:spPr>
+        <p:txBody>
+          <a:bodyPr wrap="square">
+            <a:spAutoFit/>
+          </a:bodyPr>
+          <a:lstStyle/>
+          <a:p>
+            <a:pPr algn="ctr"/>
+            <a:r>
+              <a:rPr lang="en-US" b="1" dirty="0">
+                <a:latin typeface="Arial" panose="020B0604020202020204" pitchFamily="34" charset="0"/>
+                <a:cs typeface="Arial" panose="020B0604020202020204" pitchFamily="34" charset="0"/>
+              </a:rPr>
+              <a:t>Random Survival Forest </a:t>
+            </a:r>
+          </a:p>
+          <a:p>
+            <a:pPr algn="ctr"/>
+            <a:r>
+              <a:rPr lang="en-US" b="1" dirty="0">
+                <a:latin typeface="Arial" panose="020B0604020202020204" pitchFamily="34" charset="0"/>
+                <a:cs typeface="Arial" panose="020B0604020202020204" pitchFamily="34" charset="0"/>
+              </a:rPr>
+              <a:t>Modelling</a:t>
+            </a:r>
+            <a:endParaRPr lang="en-CA" b="1" dirty="0">
+              <a:latin typeface="Arial" panose="020B0604020202020204" pitchFamily="34" charset="0"/>
+              <a:cs typeface="Arial" panose="020B0604020202020204" pitchFamily="34" charset="0"/>
+            </a:endParaRPr>
+          </a:p>
+        </p:txBody>
+      </p:sp>
+      <p:pic>
+        <p:nvPicPr>
+          <p:cNvPr id="128" name="Picture 127">
+            <a:extLst>
+              <a:ext uri="{FF2B5EF4-FFF2-40B4-BE49-F238E27FC236}">
+                <a16:creationId xmlns:a16="http://schemas.microsoft.com/office/drawing/2014/main" id="{29EE464F-A4A5-4E4C-AC6D-519A93B98256}"/>
+              </a:ext>
+            </a:extLst>
+          </p:cNvPr>
+          <p:cNvPicPr>
+            <a:picLocks noChangeAspect="1"/>
+          </p:cNvPicPr>
+          <p:nvPr/>
+        </p:nvPicPr>
+        <p:blipFill>
+          <a:blip r:embed="rId10"/>
+          <a:stretch>
+            <a:fillRect/>
+          </a:stretch>
+        </p:blipFill>
+        <p:spPr>
+          <a:xfrm>
+            <a:off x="14195182" y="9063836"/>
+            <a:ext cx="2334970" cy="1059742"/>
+          </a:xfrm>
+          <a:prstGeom prst="rect">
+            <a:avLst/>
+          </a:prstGeom>
+        </p:spPr>
+      </p:pic>
+      <p:pic>
+        <p:nvPicPr>
+          <p:cNvPr id="129" name="Picture 128">
+            <a:extLst>
+              <a:ext uri="{FF2B5EF4-FFF2-40B4-BE49-F238E27FC236}">
+                <a16:creationId xmlns:a16="http://schemas.microsoft.com/office/drawing/2014/main" id="{8DCB1620-0FD7-4572-B261-38BA0F558EA1}"/>
+              </a:ext>
+            </a:extLst>
+          </p:cNvPr>
+          <p:cNvPicPr>
+            <a:picLocks noChangeAspect="1"/>
+          </p:cNvPicPr>
+          <p:nvPr/>
+        </p:nvPicPr>
+        <p:blipFill>
+          <a:blip r:embed="rId10"/>
+          <a:stretch>
+            <a:fillRect/>
+          </a:stretch>
+        </p:blipFill>
+        <p:spPr>
+          <a:xfrm>
+            <a:off x="14347582" y="9215578"/>
+            <a:ext cx="2334970" cy="1059742"/>
+          </a:xfrm>
+          <a:prstGeom prst="rect">
+            <a:avLst/>
+          </a:prstGeom>
+        </p:spPr>
+      </p:pic>
+      <p:pic>
+        <p:nvPicPr>
+          <p:cNvPr id="130" name="Picture 129">
+            <a:extLst>
+              <a:ext uri="{FF2B5EF4-FFF2-40B4-BE49-F238E27FC236}">
+                <a16:creationId xmlns:a16="http://schemas.microsoft.com/office/drawing/2014/main" id="{D7C29BFC-1390-4F86-ABC5-C0345E7A09E1}"/>
+              </a:ext>
+            </a:extLst>
+          </p:cNvPr>
+          <p:cNvPicPr>
+            <a:picLocks noChangeAspect="1"/>
+          </p:cNvPicPr>
+          <p:nvPr/>
+        </p:nvPicPr>
+        <p:blipFill>
+          <a:blip r:embed="rId10"/>
+          <a:stretch>
+            <a:fillRect/>
+          </a:stretch>
+        </p:blipFill>
+        <p:spPr>
+          <a:xfrm>
+            <a:off x="14499982" y="9367320"/>
+            <a:ext cx="2334970" cy="1059742"/>
+          </a:xfrm>
+          <a:prstGeom prst="rect">
+            <a:avLst/>
+          </a:prstGeom>
+        </p:spPr>
+      </p:pic>
+      <p:pic>
+        <p:nvPicPr>
+          <p:cNvPr id="131" name="Picture 130">
+            <a:extLst>
+              <a:ext uri="{FF2B5EF4-FFF2-40B4-BE49-F238E27FC236}">
+                <a16:creationId xmlns:a16="http://schemas.microsoft.com/office/drawing/2014/main" id="{31A70FF5-27AB-4601-B944-D7926CA9B06C}"/>
+              </a:ext>
+            </a:extLst>
+          </p:cNvPr>
+          <p:cNvPicPr>
+            <a:picLocks noChangeAspect="1"/>
+          </p:cNvPicPr>
+          <p:nvPr/>
+        </p:nvPicPr>
+        <p:blipFill>
+          <a:blip r:embed="rId10"/>
+          <a:stretch>
+            <a:fillRect/>
+          </a:stretch>
+        </p:blipFill>
+        <p:spPr>
+          <a:xfrm>
+            <a:off x="14652382" y="9519061"/>
+            <a:ext cx="2334970" cy="1059742"/>
+          </a:xfrm>
+          <a:prstGeom prst="rect">
+            <a:avLst/>
+          </a:prstGeom>
+        </p:spPr>
+      </p:pic>
+      <p:pic>
+        <p:nvPicPr>
+          <p:cNvPr id="132" name="Picture 131">
+            <a:extLst>
+              <a:ext uri="{FF2B5EF4-FFF2-40B4-BE49-F238E27FC236}">
+                <a16:creationId xmlns:a16="http://schemas.microsoft.com/office/drawing/2014/main" id="{F219B11D-8D06-4744-815E-08D1CCD95029}"/>
+              </a:ext>
+            </a:extLst>
+          </p:cNvPr>
+          <p:cNvPicPr>
+            <a:picLocks noChangeAspect="1"/>
+          </p:cNvPicPr>
+          <p:nvPr/>
+        </p:nvPicPr>
+        <p:blipFill>
+          <a:blip r:embed="rId10"/>
+          <a:stretch>
+            <a:fillRect/>
+          </a:stretch>
+        </p:blipFill>
+        <p:spPr>
+          <a:xfrm>
+            <a:off x="14804782" y="9670803"/>
+            <a:ext cx="2334970" cy="1059742"/>
+          </a:xfrm>
+          <a:prstGeom prst="rect">
+            <a:avLst/>
+          </a:prstGeom>
+        </p:spPr>
+      </p:pic>
+      <p:pic>
+        <p:nvPicPr>
+          <p:cNvPr id="133" name="Picture 132">
+            <a:extLst>
+              <a:ext uri="{FF2B5EF4-FFF2-40B4-BE49-F238E27FC236}">
+                <a16:creationId xmlns:a16="http://schemas.microsoft.com/office/drawing/2014/main" id="{A3241D7D-390F-4378-BF2E-7FA3FA79C40F}"/>
+              </a:ext>
+            </a:extLst>
+          </p:cNvPr>
+          <p:cNvPicPr>
+            <a:picLocks noChangeAspect="1"/>
+          </p:cNvPicPr>
+          <p:nvPr/>
+        </p:nvPicPr>
+        <p:blipFill>
+          <a:blip r:embed="rId10"/>
+          <a:stretch>
+            <a:fillRect/>
+          </a:stretch>
+        </p:blipFill>
+        <p:spPr>
+          <a:xfrm>
+            <a:off x="14957182" y="9822545"/>
+            <a:ext cx="2334970" cy="1059742"/>
+          </a:xfrm>
+          <a:prstGeom prst="rect">
+            <a:avLst/>
+          </a:prstGeom>
+        </p:spPr>
+      </p:pic>
+      <p:cxnSp>
+        <p:nvCxnSpPr>
+          <p:cNvPr id="140" name="Straight Arrow Connector 139">
+            <a:extLst>
+              <a:ext uri="{FF2B5EF4-FFF2-40B4-BE49-F238E27FC236}">
+                <a16:creationId xmlns:a16="http://schemas.microsoft.com/office/drawing/2014/main" id="{B7126565-369D-4716-8D26-CBCFDF066605}"/>
+              </a:ext>
+            </a:extLst>
+          </p:cNvPr>
+          <p:cNvCxnSpPr>
+            <a:cxnSpLocks/>
+            <a:stCxn id="67" idx="3"/>
+            <a:endCxn id="178" idx="1"/>
+          </p:cNvCxnSpPr>
+          <p:nvPr/>
+        </p:nvCxnSpPr>
+        <p:spPr>
+          <a:xfrm flipV="1">
+            <a:off x="3284396" y="9772472"/>
+            <a:ext cx="492906" cy="4742"/>
+          </a:xfrm>
+          <a:prstGeom prst="straightConnector1">
+            <a:avLst/>
+          </a:prstGeom>
+          <a:ln w="28575">
+            <a:tailEnd type="triangle"/>
+          </a:ln>
+        </p:spPr>
+        <p:style>
+          <a:lnRef idx="1">
+            <a:schemeClr val="accent1"/>
+          </a:lnRef>
+          <a:fillRef idx="0">
+            <a:schemeClr val="accent1"/>
+          </a:fillRef>
+          <a:effectRef idx="0">
+            <a:schemeClr val="accent1"/>
+          </a:effectRef>
+          <a:fontRef idx="minor">
+            <a:schemeClr val="tx1"/>
+          </a:fontRef>
+        </p:style>
+      </p:cxnSp>
+      <p:cxnSp>
+        <p:nvCxnSpPr>
+          <p:cNvPr id="141" name="Straight Arrow Connector 140">
+            <a:extLst>
+              <a:ext uri="{FF2B5EF4-FFF2-40B4-BE49-F238E27FC236}">
+                <a16:creationId xmlns:a16="http://schemas.microsoft.com/office/drawing/2014/main" id="{3992F6EF-3FD4-45E3-B715-1F8794039865}"/>
+              </a:ext>
+            </a:extLst>
+          </p:cNvPr>
+          <p:cNvCxnSpPr>
+            <a:cxnSpLocks/>
+            <a:stCxn id="178" idx="3"/>
+            <a:endCxn id="191" idx="1"/>
+          </p:cNvCxnSpPr>
+          <p:nvPr/>
+        </p:nvCxnSpPr>
+        <p:spPr>
+          <a:xfrm>
+            <a:off x="8385158" y="9772472"/>
+            <a:ext cx="497782" cy="179"/>
+          </a:xfrm>
+          <a:prstGeom prst="straightConnector1">
+            <a:avLst/>
+          </a:prstGeom>
+          <a:ln w="28575">
+            <a:tailEnd type="triangle"/>
+          </a:ln>
+        </p:spPr>
+        <p:style>
+          <a:lnRef idx="1">
+            <a:schemeClr val="accent1"/>
+          </a:lnRef>
+          <a:fillRef idx="0">
+            <a:schemeClr val="accent1"/>
+          </a:fillRef>
+          <a:effectRef idx="0">
+            <a:schemeClr val="accent1"/>
+          </a:effectRef>
+          <a:fontRef idx="minor">
+            <a:schemeClr val="tx1"/>
+          </a:fontRef>
+        </p:style>
+      </p:cxnSp>
+      <p:cxnSp>
+        <p:nvCxnSpPr>
+          <p:cNvPr id="142" name="Straight Arrow Connector 141">
+            <a:extLst>
+              <a:ext uri="{FF2B5EF4-FFF2-40B4-BE49-F238E27FC236}">
+                <a16:creationId xmlns:a16="http://schemas.microsoft.com/office/drawing/2014/main" id="{C579825E-6041-479D-9DAD-52650646CDAB}"/>
+              </a:ext>
+            </a:extLst>
+          </p:cNvPr>
+          <p:cNvCxnSpPr>
+            <a:cxnSpLocks/>
+            <a:stCxn id="191" idx="3"/>
+            <a:endCxn id="196" idx="1"/>
+          </p:cNvCxnSpPr>
+          <p:nvPr/>
+        </p:nvCxnSpPr>
+        <p:spPr>
+          <a:xfrm>
+            <a:off x="13190998" y="9772651"/>
+            <a:ext cx="568718" cy="432"/>
+          </a:xfrm>
+          <a:prstGeom prst="straightConnector1">
+            <a:avLst/>
+          </a:prstGeom>
+          <a:ln w="28575">
+            <a:tailEnd type="triangle"/>
+          </a:ln>
+        </p:spPr>
+        <p:style>
+          <a:lnRef idx="1">
+            <a:schemeClr val="accent1"/>
+          </a:lnRef>
+          <a:fillRef idx="0">
+            <a:schemeClr val="accent1"/>
+          </a:fillRef>
+          <a:effectRef idx="0">
+            <a:schemeClr val="accent1"/>
+          </a:effectRef>
+          <a:fontRef idx="minor">
+            <a:schemeClr val="tx1"/>
+          </a:fontRef>
+        </p:style>
+      </p:cxnSp>
+      <p:cxnSp>
+        <p:nvCxnSpPr>
+          <p:cNvPr id="143" name="Straight Arrow Connector 142">
+            <a:extLst>
+              <a:ext uri="{FF2B5EF4-FFF2-40B4-BE49-F238E27FC236}">
+                <a16:creationId xmlns:a16="http://schemas.microsoft.com/office/drawing/2014/main" id="{33CD8C01-3F26-49D6-9267-A5B175DF9974}"/>
+              </a:ext>
+            </a:extLst>
+          </p:cNvPr>
+          <p:cNvCxnSpPr>
+            <a:cxnSpLocks/>
+            <a:stCxn id="196" idx="3"/>
+            <a:endCxn id="200" idx="1"/>
+          </p:cNvCxnSpPr>
+          <p:nvPr/>
+        </p:nvCxnSpPr>
+        <p:spPr>
+          <a:xfrm>
+            <a:off x="17203177" y="9773083"/>
+            <a:ext cx="688394" cy="497"/>
+          </a:xfrm>
+          <a:prstGeom prst="straightConnector1">
+            <a:avLst/>
+          </a:prstGeom>
+          <a:ln w="28575">
+            <a:tailEnd type="triangle"/>
+          </a:ln>
+        </p:spPr>
+        <p:style>
+          <a:lnRef idx="1">
+            <a:schemeClr val="accent1"/>
+          </a:lnRef>
+          <a:fillRef idx="0">
+            <a:schemeClr val="accent1"/>
+          </a:fillRef>
+          <a:effectRef idx="0">
+            <a:schemeClr val="accent1"/>
+          </a:effectRef>
+          <a:fontRef idx="minor">
+            <a:schemeClr val="tx1"/>
+          </a:fontRef>
+        </p:style>
+      </p:cxnSp>
+      <p:pic>
+        <p:nvPicPr>
+          <p:cNvPr id="1026" name="Picture 2">
+            <a:extLst>
+              <a:ext uri="{FF2B5EF4-FFF2-40B4-BE49-F238E27FC236}">
+                <a16:creationId xmlns:a16="http://schemas.microsoft.com/office/drawing/2014/main" id="{F9EDEF20-F902-4186-B7DD-B590A8AAE8FC}"/>
+              </a:ext>
+            </a:extLst>
+          </p:cNvPr>
+          <p:cNvPicPr>
+            <a:picLocks noChangeAspect="1" noChangeArrowheads="1"/>
+          </p:cNvPicPr>
+          <p:nvPr/>
+        </p:nvPicPr>
+        <p:blipFill>
+          <a:blip r:embed="rId11">
+            <a:extLst>
+              <a:ext uri="{28A0092B-C50C-407E-A947-70E740481C1C}">
+                <a14:useLocalDpi xmlns:a14="http://schemas.microsoft.com/office/drawing/2010/main" val="0"/>
+              </a:ext>
+            </a:extLst>
+          </a:blip>
+          <a:srcRect/>
+          <a:stretch>
+            <a:fillRect/>
+          </a:stretch>
+        </p:blipFill>
+        <p:spPr bwMode="auto">
+          <a:xfrm>
+            <a:off x="8843901" y="9081707"/>
+            <a:ext cx="1335232" cy="1335232"/>
+          </a:xfrm>
+          <a:prstGeom prst="rect">
+            <a:avLst/>
+          </a:prstGeom>
+          <a:noFill/>
+          <a:extLst>
+            <a:ext uri="{909E8E84-426E-40DD-AFC4-6F175D3DCCD1}">
+              <a14:hiddenFill xmlns:a14="http://schemas.microsoft.com/office/drawing/2010/main">
+                <a:solidFill>
+                  <a:srgbClr val="FFFFFF"/>
+                </a:solidFill>
+              </a14:hiddenFill>
+            </a:ext>
+          </a:extLst>
+        </p:spPr>
+      </p:pic>
+      <p:pic>
+        <p:nvPicPr>
+          <p:cNvPr id="172" name="Picture 171">
+            <a:extLst>
+              <a:ext uri="{FF2B5EF4-FFF2-40B4-BE49-F238E27FC236}">
+                <a16:creationId xmlns:a16="http://schemas.microsoft.com/office/drawing/2014/main" id="{9894771E-4684-4DF1-844F-6E69A663A126}"/>
+              </a:ext>
+            </a:extLst>
+          </p:cNvPr>
+          <p:cNvPicPr>
+            <a:picLocks noChangeAspect="1"/>
+          </p:cNvPicPr>
+          <p:nvPr/>
+        </p:nvPicPr>
+        <p:blipFill>
+          <a:blip r:embed="rId12"/>
+          <a:stretch>
+            <a:fillRect/>
+          </a:stretch>
+        </p:blipFill>
+        <p:spPr>
+          <a:xfrm>
+            <a:off x="672284" y="9044946"/>
+            <a:ext cx="2368187" cy="1776139"/>
+          </a:xfrm>
+          <a:prstGeom prst="rect">
+            <a:avLst/>
+          </a:prstGeom>
+        </p:spPr>
+      </p:pic>
+      <p:sp>
+        <p:nvSpPr>
+          <p:cNvPr id="178" name="Rectangle: Rounded Corners 177">
+            <a:extLst>
+              <a:ext uri="{FF2B5EF4-FFF2-40B4-BE49-F238E27FC236}">
+                <a16:creationId xmlns:a16="http://schemas.microsoft.com/office/drawing/2014/main" id="{D4447BA7-DB6D-4DAA-91AC-01E8D0842EC3}"/>
+              </a:ext>
+            </a:extLst>
+          </p:cNvPr>
+          <p:cNvSpPr/>
+          <p:nvPr/>
+        </p:nvSpPr>
+        <p:spPr>
+          <a:xfrm>
+            <a:off x="3777302" y="8398325"/>
+            <a:ext cx="4607856" cy="2748293"/>
+          </a:xfrm>
+          <a:prstGeom prst="roundRect">
+            <a:avLst/>
+          </a:prstGeom>
+          <a:noFill/>
+          <a:ln w="28575">
+            <a:solidFill>
+              <a:schemeClr val="accent1"/>
+            </a:solidFill>
+            <a:prstDash val="sysDot"/>
+          </a:ln>
+        </p:spPr>
+        <p:style>
+          <a:lnRef idx="2">
+            <a:schemeClr val="accent6"/>
+          </a:lnRef>
+          <a:fillRef idx="1">
             <a:schemeClr val="lt1"/>
+          </a:fillRef>
+          <a:effectRef idx="0">
+            <a:schemeClr val="accent6"/>
+          </a:effectRef>
+          <a:fontRef idx="minor">
+            <a:schemeClr val="dk1"/>
           </a:fontRef>
         </p:style>
         <p:txBody>
@@ -4447,46 +6752,712 @@
           <a:lstStyle/>
           <a:p>
             <a:pPr algn="ctr"/>
+            <a:endParaRPr lang="en-US"/>
+          </a:p>
+        </p:txBody>
+      </p:sp>
+      <p:sp>
+        <p:nvSpPr>
+          <p:cNvPr id="186" name="Arc 185">
+            <a:extLst>
+              <a:ext uri="{FF2B5EF4-FFF2-40B4-BE49-F238E27FC236}">
+                <a16:creationId xmlns:a16="http://schemas.microsoft.com/office/drawing/2014/main" id="{C24F05C8-4859-478E-8DD1-F35B9CC20E39}"/>
+              </a:ext>
+            </a:extLst>
+          </p:cNvPr>
+          <p:cNvSpPr/>
+          <p:nvPr/>
+        </p:nvSpPr>
+        <p:spPr>
+          <a:xfrm rot="16200000">
+            <a:off x="7534034" y="9309885"/>
+            <a:ext cx="237166" cy="136123"/>
+          </a:xfrm>
+          <a:prstGeom prst="arc">
+            <a:avLst>
+              <a:gd name="adj1" fmla="val 245650"/>
+              <a:gd name="adj2" fmla="val 112532"/>
+            </a:avLst>
+          </a:prstGeom>
+          <a:ln>
+            <a:solidFill>
+              <a:schemeClr val="tx1">
+                <a:lumMod val="65000"/>
+                <a:lumOff val="35000"/>
+              </a:schemeClr>
+            </a:solidFill>
+            <a:prstDash val="sysDot"/>
+          </a:ln>
+        </p:spPr>
+        <p:style>
+          <a:lnRef idx="2">
+            <a:schemeClr val="accent1"/>
+          </a:lnRef>
+          <a:fillRef idx="0">
+            <a:schemeClr val="accent1"/>
+          </a:fillRef>
+          <a:effectRef idx="1">
+            <a:schemeClr val="accent1"/>
+          </a:effectRef>
+          <a:fontRef idx="minor">
+            <a:schemeClr val="tx1"/>
+          </a:fontRef>
+        </p:style>
+        <p:txBody>
+          <a:bodyPr rtlCol="0" anchor="ctr"/>
+          <a:lstStyle/>
+          <a:p>
+            <a:pPr algn="ctr"/>
+            <a:endParaRPr lang="en-CA"/>
+          </a:p>
+        </p:txBody>
+      </p:sp>
+      <p:sp>
+        <p:nvSpPr>
+          <p:cNvPr id="191" name="Rectangle: Rounded Corners 190">
+            <a:extLst>
+              <a:ext uri="{FF2B5EF4-FFF2-40B4-BE49-F238E27FC236}">
+                <a16:creationId xmlns:a16="http://schemas.microsoft.com/office/drawing/2014/main" id="{2C088100-7B88-436A-92D1-0F83CD47C1CE}"/>
+              </a:ext>
+            </a:extLst>
+          </p:cNvPr>
+          <p:cNvSpPr/>
+          <p:nvPr/>
+        </p:nvSpPr>
+        <p:spPr>
+          <a:xfrm>
+            <a:off x="8882940" y="8398504"/>
+            <a:ext cx="4308058" cy="2748293"/>
+          </a:xfrm>
+          <a:prstGeom prst="roundRect">
+            <a:avLst/>
+          </a:prstGeom>
+          <a:noFill/>
+          <a:ln w="28575">
+            <a:solidFill>
+              <a:schemeClr val="accent1"/>
+            </a:solidFill>
+            <a:prstDash val="sysDot"/>
+          </a:ln>
+        </p:spPr>
+        <p:style>
+          <a:lnRef idx="2">
+            <a:schemeClr val="accent6"/>
+          </a:lnRef>
+          <a:fillRef idx="1">
+            <a:schemeClr val="lt1"/>
+          </a:fillRef>
+          <a:effectRef idx="0">
+            <a:schemeClr val="accent6"/>
+          </a:effectRef>
+          <a:fontRef idx="minor">
+            <a:schemeClr val="dk1"/>
+          </a:fontRef>
+        </p:style>
+        <p:txBody>
+          <a:bodyPr rtlCol="0" anchor="ctr"/>
+          <a:lstStyle/>
+          <a:p>
+            <a:pPr algn="ctr"/>
+            <a:endParaRPr lang="en-US"/>
+          </a:p>
+        </p:txBody>
+      </p:sp>
+      <p:sp>
+        <p:nvSpPr>
+          <p:cNvPr id="196" name="Rectangle: Rounded Corners 195">
+            <a:extLst>
+              <a:ext uri="{FF2B5EF4-FFF2-40B4-BE49-F238E27FC236}">
+                <a16:creationId xmlns:a16="http://schemas.microsoft.com/office/drawing/2014/main" id="{4FACEC2F-22EB-4B81-9FAF-A835EC87C47A}"/>
+              </a:ext>
+            </a:extLst>
+          </p:cNvPr>
+          <p:cNvSpPr/>
+          <p:nvPr/>
+        </p:nvSpPr>
+        <p:spPr>
+          <a:xfrm>
+            <a:off x="13759716" y="8398936"/>
+            <a:ext cx="3443461" cy="2748293"/>
+          </a:xfrm>
+          <a:prstGeom prst="roundRect">
+            <a:avLst/>
+          </a:prstGeom>
+          <a:noFill/>
+          <a:ln w="28575">
+            <a:solidFill>
+              <a:schemeClr val="accent1"/>
+            </a:solidFill>
+            <a:prstDash val="sysDot"/>
+          </a:ln>
+        </p:spPr>
+        <p:style>
+          <a:lnRef idx="2">
+            <a:schemeClr val="accent6"/>
+          </a:lnRef>
+          <a:fillRef idx="1">
+            <a:schemeClr val="lt1"/>
+          </a:fillRef>
+          <a:effectRef idx="0">
+            <a:schemeClr val="accent6"/>
+          </a:effectRef>
+          <a:fontRef idx="minor">
+            <a:schemeClr val="dk1"/>
+          </a:fontRef>
+        </p:style>
+        <p:txBody>
+          <a:bodyPr rtlCol="0" anchor="ctr"/>
+          <a:lstStyle/>
+          <a:p>
+            <a:pPr algn="ctr"/>
+            <a:endParaRPr lang="en-US"/>
+          </a:p>
+        </p:txBody>
+      </p:sp>
+      <p:sp>
+        <p:nvSpPr>
+          <p:cNvPr id="200" name="Rectangle: Rounded Corners 199">
+            <a:extLst>
+              <a:ext uri="{FF2B5EF4-FFF2-40B4-BE49-F238E27FC236}">
+                <a16:creationId xmlns:a16="http://schemas.microsoft.com/office/drawing/2014/main" id="{C39AB97E-5438-4E95-B064-8A3F98481150}"/>
+              </a:ext>
+            </a:extLst>
+          </p:cNvPr>
+          <p:cNvSpPr/>
+          <p:nvPr/>
+        </p:nvSpPr>
+        <p:spPr>
+          <a:xfrm>
+            <a:off x="17891571" y="8399433"/>
+            <a:ext cx="5150020" cy="2748293"/>
+          </a:xfrm>
+          <a:prstGeom prst="roundRect">
+            <a:avLst/>
+          </a:prstGeom>
+          <a:noFill/>
+          <a:ln w="28575">
+            <a:solidFill>
+              <a:schemeClr val="accent1"/>
+            </a:solidFill>
+            <a:prstDash val="sysDot"/>
+          </a:ln>
+        </p:spPr>
+        <p:style>
+          <a:lnRef idx="2">
+            <a:schemeClr val="accent6"/>
+          </a:lnRef>
+          <a:fillRef idx="1">
+            <a:schemeClr val="lt1"/>
+          </a:fillRef>
+          <a:effectRef idx="0">
+            <a:schemeClr val="accent6"/>
+          </a:effectRef>
+          <a:fontRef idx="minor">
+            <a:schemeClr val="dk1"/>
+          </a:fontRef>
+        </p:style>
+        <p:txBody>
+          <a:bodyPr rtlCol="0" anchor="ctr"/>
+          <a:lstStyle/>
+          <a:p>
+            <a:pPr algn="ctr"/>
+            <a:endParaRPr lang="en-US"/>
+          </a:p>
+        </p:txBody>
+      </p:sp>
+      <p:pic>
+        <p:nvPicPr>
+          <p:cNvPr id="1032" name="Picture 1031">
+            <a:extLst>
+              <a:ext uri="{FF2B5EF4-FFF2-40B4-BE49-F238E27FC236}">
+                <a16:creationId xmlns:a16="http://schemas.microsoft.com/office/drawing/2014/main" id="{9B2E9CBC-E3F4-4FAD-8EE6-431D2AD71FC1}"/>
+              </a:ext>
+            </a:extLst>
+          </p:cNvPr>
+          <p:cNvPicPr>
+            <a:picLocks noChangeAspect="1"/>
+          </p:cNvPicPr>
+          <p:nvPr/>
+        </p:nvPicPr>
+        <p:blipFill>
+          <a:blip r:embed="rId13"/>
+          <a:stretch>
+            <a:fillRect/>
+          </a:stretch>
+        </p:blipFill>
+        <p:spPr>
+          <a:xfrm>
+            <a:off x="18392680" y="8927818"/>
+            <a:ext cx="4141262" cy="1965767"/>
+          </a:xfrm>
+          <a:prstGeom prst="rect">
+            <a:avLst/>
+          </a:prstGeom>
+          <a:ln>
+            <a:solidFill>
+              <a:schemeClr val="accent1"/>
+            </a:solidFill>
+          </a:ln>
+        </p:spPr>
+      </p:pic>
+      <p:grpSp>
+        <p:nvGrpSpPr>
+          <p:cNvPr id="253" name="Group 252">
+            <a:extLst>
+              <a:ext uri="{FF2B5EF4-FFF2-40B4-BE49-F238E27FC236}">
+                <a16:creationId xmlns:a16="http://schemas.microsoft.com/office/drawing/2014/main" id="{CE4484FA-526C-490A-ABB0-80F4DB1F4CBA}"/>
+              </a:ext>
+            </a:extLst>
+          </p:cNvPr>
+          <p:cNvGrpSpPr/>
+          <p:nvPr/>
+        </p:nvGrpSpPr>
+        <p:grpSpPr>
+          <a:xfrm>
+            <a:off x="420671" y="14149607"/>
+            <a:ext cx="2934119" cy="2748292"/>
+            <a:chOff x="5276081" y="903148"/>
+            <a:chExt cx="2934119" cy="2415340"/>
+          </a:xfrm>
+        </p:grpSpPr>
+        <p:sp>
+          <p:nvSpPr>
+            <p:cNvPr id="254" name="Rectangle 253">
+              <a:extLst>
+                <a:ext uri="{FF2B5EF4-FFF2-40B4-BE49-F238E27FC236}">
+                  <a16:creationId xmlns:a16="http://schemas.microsoft.com/office/drawing/2014/main" id="{F8018115-69CE-404A-B71D-52512FE1B223}"/>
+                </a:ext>
+              </a:extLst>
+            </p:cNvPr>
+            <p:cNvSpPr/>
+            <p:nvPr/>
+          </p:nvSpPr>
+          <p:spPr>
+            <a:xfrm>
+              <a:off x="5570170" y="963031"/>
+              <a:ext cx="2207298" cy="568029"/>
+            </a:xfrm>
+            <a:prstGeom prst="rect">
+              <a:avLst/>
+            </a:prstGeom>
+            <a:ln w="28575">
+              <a:noFill/>
+            </a:ln>
+          </p:spPr>
+          <p:txBody>
+            <a:bodyPr wrap="square">
+              <a:spAutoFit/>
+            </a:bodyPr>
+            <a:lstStyle/>
+            <a:p>
+              <a:pPr algn="ctr"/>
+              <a:r>
+                <a:rPr lang="en-CA" b="1" dirty="0">
+                  <a:latin typeface="Arial" panose="020B0604020202020204" pitchFamily="34" charset="0"/>
+                  <a:cs typeface="Arial" panose="020B0604020202020204" pitchFamily="34" charset="0"/>
+                </a:rPr>
+                <a:t>Input: New Patient CT Scan</a:t>
+              </a:r>
+            </a:p>
+          </p:txBody>
+        </p:sp>
+        <p:sp>
+          <p:nvSpPr>
+            <p:cNvPr id="255" name="Rectangle: Rounded Corners 254">
+              <a:extLst>
+                <a:ext uri="{FF2B5EF4-FFF2-40B4-BE49-F238E27FC236}">
+                  <a16:creationId xmlns:a16="http://schemas.microsoft.com/office/drawing/2014/main" id="{51DC2094-85B9-49EF-962A-454E0A7EECD7}"/>
+                </a:ext>
+              </a:extLst>
+            </p:cNvPr>
+            <p:cNvSpPr/>
+            <p:nvPr/>
+          </p:nvSpPr>
+          <p:spPr>
+            <a:xfrm>
+              <a:off x="5276081" y="903148"/>
+              <a:ext cx="2934119" cy="2415340"/>
+            </a:xfrm>
+            <a:prstGeom prst="roundRect">
+              <a:avLst/>
+            </a:prstGeom>
+            <a:noFill/>
+            <a:ln w="28575">
+              <a:solidFill>
+                <a:srgbClr val="C00000"/>
+              </a:solidFill>
+              <a:prstDash val="sysDot"/>
+            </a:ln>
+          </p:spPr>
+          <p:style>
+            <a:lnRef idx="2">
+              <a:schemeClr val="accent6"/>
+            </a:lnRef>
+            <a:fillRef idx="1">
+              <a:schemeClr val="lt1"/>
+            </a:fillRef>
+            <a:effectRef idx="0">
+              <a:schemeClr val="accent6"/>
+            </a:effectRef>
+            <a:fontRef idx="minor">
+              <a:schemeClr val="dk1"/>
+            </a:fontRef>
+          </p:style>
+          <p:txBody>
+            <a:bodyPr rtlCol="0" anchor="ctr"/>
+            <a:lstStyle/>
+            <a:p>
+              <a:pPr algn="ctr"/>
+              <a:endParaRPr lang="en-US"/>
+            </a:p>
+          </p:txBody>
+        </p:sp>
+      </p:grpSp>
+      <p:pic>
+        <p:nvPicPr>
+          <p:cNvPr id="270" name="Picture 269">
+            <a:extLst>
+              <a:ext uri="{FF2B5EF4-FFF2-40B4-BE49-F238E27FC236}">
+                <a16:creationId xmlns:a16="http://schemas.microsoft.com/office/drawing/2014/main" id="{EF9C0D85-BA90-4BAC-B6AE-39E0D4C262C4}"/>
+              </a:ext>
+            </a:extLst>
+          </p:cNvPr>
+          <p:cNvPicPr>
+            <a:picLocks noChangeAspect="1"/>
+          </p:cNvPicPr>
+          <p:nvPr/>
+        </p:nvPicPr>
+        <p:blipFill rotWithShape="1">
+          <a:blip r:embed="rId5"/>
+          <a:srcRect b="6378"/>
+          <a:stretch/>
+        </p:blipFill>
+        <p:spPr>
+          <a:xfrm>
+            <a:off x="4875600" y="15043394"/>
+            <a:ext cx="1376607" cy="1064085"/>
+          </a:xfrm>
+          <a:prstGeom prst="rect">
+            <a:avLst/>
+          </a:prstGeom>
+          <a:ln w="19050">
+            <a:solidFill>
+              <a:schemeClr val="accent1"/>
+            </a:solidFill>
+          </a:ln>
+        </p:spPr>
+      </p:pic>
+      <p:cxnSp>
+        <p:nvCxnSpPr>
+          <p:cNvPr id="271" name="Straight Arrow Connector 270">
+            <a:extLst>
+              <a:ext uri="{FF2B5EF4-FFF2-40B4-BE49-F238E27FC236}">
+                <a16:creationId xmlns:a16="http://schemas.microsoft.com/office/drawing/2014/main" id="{72BA17F6-9181-42DC-8F65-69894A9D8148}"/>
+              </a:ext>
+            </a:extLst>
+          </p:cNvPr>
+          <p:cNvCxnSpPr>
+            <a:cxnSpLocks/>
+            <a:stCxn id="270" idx="3"/>
+          </p:cNvCxnSpPr>
+          <p:nvPr/>
+        </p:nvCxnSpPr>
+        <p:spPr>
+          <a:xfrm>
+            <a:off x="6252207" y="15575437"/>
+            <a:ext cx="244667" cy="0"/>
+          </a:xfrm>
+          <a:prstGeom prst="straightConnector1">
+            <a:avLst/>
+          </a:prstGeom>
+          <a:ln w="19050">
+            <a:solidFill>
+              <a:srgbClr val="C00000"/>
+            </a:solidFill>
+            <a:tailEnd type="triangle"/>
+          </a:ln>
+        </p:spPr>
+        <p:style>
+          <a:lnRef idx="2">
+            <a:schemeClr val="accent1"/>
+          </a:lnRef>
+          <a:fillRef idx="0">
+            <a:schemeClr val="accent1"/>
+          </a:fillRef>
+          <a:effectRef idx="1">
+            <a:schemeClr val="accent1"/>
+          </a:effectRef>
+          <a:fontRef idx="minor">
+            <a:schemeClr val="tx1"/>
+          </a:fontRef>
+        </p:style>
+      </p:cxnSp>
+      <p:pic>
+        <p:nvPicPr>
+          <p:cNvPr id="272" name="Picture 271">
+            <a:extLst>
+              <a:ext uri="{FF2B5EF4-FFF2-40B4-BE49-F238E27FC236}">
+                <a16:creationId xmlns:a16="http://schemas.microsoft.com/office/drawing/2014/main" id="{90904DD4-E3C1-40BD-81EC-4A9041EF4E2D}"/>
+              </a:ext>
+            </a:extLst>
+          </p:cNvPr>
+          <p:cNvPicPr>
+            <a:picLocks noChangeAspect="1"/>
+          </p:cNvPicPr>
+          <p:nvPr/>
+        </p:nvPicPr>
+        <p:blipFill>
+          <a:blip r:embed="rId6"/>
+          <a:stretch>
+            <a:fillRect/>
+          </a:stretch>
+        </p:blipFill>
+        <p:spPr>
+          <a:xfrm>
+            <a:off x="6559810" y="14833385"/>
+            <a:ext cx="1450644" cy="759095"/>
+          </a:xfrm>
+          <a:prstGeom prst="rect">
+            <a:avLst/>
+          </a:prstGeom>
+        </p:spPr>
+      </p:pic>
+      <p:pic>
+        <p:nvPicPr>
+          <p:cNvPr id="273" name="Picture 272">
+            <a:extLst>
+              <a:ext uri="{FF2B5EF4-FFF2-40B4-BE49-F238E27FC236}">
+                <a16:creationId xmlns:a16="http://schemas.microsoft.com/office/drawing/2014/main" id="{EB02C9D2-0B58-4266-B89E-7CAF3E958E9F}"/>
+              </a:ext>
+            </a:extLst>
+          </p:cNvPr>
+          <p:cNvPicPr>
+            <a:picLocks noChangeAspect="1"/>
+          </p:cNvPicPr>
+          <p:nvPr/>
+        </p:nvPicPr>
+        <p:blipFill rotWithShape="1">
+          <a:blip r:embed="rId5"/>
+          <a:srcRect b="6378"/>
+          <a:stretch/>
+        </p:blipFill>
+        <p:spPr>
+          <a:xfrm>
+            <a:off x="8145673" y="14835831"/>
+            <a:ext cx="975709" cy="754201"/>
+          </a:xfrm>
+          <a:prstGeom prst="rect">
+            <a:avLst/>
+          </a:prstGeom>
+        </p:spPr>
+      </p:pic>
+      <p:sp>
+        <p:nvSpPr>
+          <p:cNvPr id="274" name="Rectangle 273">
+            <a:extLst>
+              <a:ext uri="{FF2B5EF4-FFF2-40B4-BE49-F238E27FC236}">
+                <a16:creationId xmlns:a16="http://schemas.microsoft.com/office/drawing/2014/main" id="{AC732FC5-882A-4683-B3DE-48381AB94F87}"/>
+              </a:ext>
+            </a:extLst>
+          </p:cNvPr>
+          <p:cNvSpPr/>
+          <p:nvPr/>
+        </p:nvSpPr>
+        <p:spPr>
+          <a:xfrm>
+            <a:off x="6511636" y="14533163"/>
+            <a:ext cx="1619354" cy="307777"/>
+          </a:xfrm>
+          <a:prstGeom prst="rect">
+            <a:avLst/>
+          </a:prstGeom>
+        </p:spPr>
+        <p:txBody>
+          <a:bodyPr wrap="none">
+            <a:spAutoFit/>
+          </a:bodyPr>
+          <a:lstStyle/>
+          <a:p>
             <a:r>
-              <a:rPr lang="en-US" sz="1600" b="1" dirty="0">
-                <a:solidFill>
-                  <a:schemeClr val="tx1"/>
-                </a:solidFill>
+              <a:rPr lang="en-CA" sz="1400" dirty="0">
                 <a:latin typeface="Arial" panose="020B0604020202020204" pitchFamily="34" charset="0"/>
                 <a:cs typeface="Arial" panose="020B0604020202020204" pitchFamily="34" charset="0"/>
               </a:rPr>
-              <a:t>Radiomic Feature Computation and Training RSF Model</a:t>
+              <a:t>Intensity Statistics</a:t>
             </a:r>
           </a:p>
         </p:txBody>
       </p:sp>
+      <p:sp>
+        <p:nvSpPr>
+          <p:cNvPr id="275" name="Rectangle 274">
+            <a:extLst>
+              <a:ext uri="{FF2B5EF4-FFF2-40B4-BE49-F238E27FC236}">
+                <a16:creationId xmlns:a16="http://schemas.microsoft.com/office/drawing/2014/main" id="{DFE7B610-1AD1-4FF2-A426-21F4918213B4}"/>
+              </a:ext>
+            </a:extLst>
+          </p:cNvPr>
+          <p:cNvSpPr/>
+          <p:nvPr/>
+        </p:nvSpPr>
+        <p:spPr>
+          <a:xfrm>
+            <a:off x="6506067" y="15585872"/>
+            <a:ext cx="2773516" cy="307777"/>
+          </a:xfrm>
+          <a:prstGeom prst="rect">
+            <a:avLst/>
+          </a:prstGeom>
+        </p:spPr>
+        <p:txBody>
+          <a:bodyPr wrap="none">
+            <a:spAutoFit/>
+          </a:bodyPr>
+          <a:lstStyle/>
+          <a:p>
+            <a:r>
+              <a:rPr lang="en-CA" sz="1400" dirty="0">
+                <a:latin typeface="Arial" panose="020B0604020202020204" pitchFamily="34" charset="0"/>
+                <a:cs typeface="Arial" panose="020B0604020202020204" pitchFamily="34" charset="0"/>
+              </a:rPr>
+              <a:t>Gray Level Spatial Relationships</a:t>
+            </a:r>
+          </a:p>
+        </p:txBody>
+      </p:sp>
+      <p:sp>
+        <p:nvSpPr>
+          <p:cNvPr id="276" name="Rectangle 275">
+            <a:extLst>
+              <a:ext uri="{FF2B5EF4-FFF2-40B4-BE49-F238E27FC236}">
+                <a16:creationId xmlns:a16="http://schemas.microsoft.com/office/drawing/2014/main" id="{BD40E842-CB1D-4427-8547-35A961C18121}"/>
+              </a:ext>
+            </a:extLst>
+          </p:cNvPr>
+          <p:cNvSpPr/>
+          <p:nvPr/>
+        </p:nvSpPr>
+        <p:spPr>
+          <a:xfrm>
+            <a:off x="8195673" y="14526622"/>
+            <a:ext cx="981359" cy="307777"/>
+          </a:xfrm>
+          <a:prstGeom prst="rect">
+            <a:avLst/>
+          </a:prstGeom>
+        </p:spPr>
+        <p:txBody>
+          <a:bodyPr wrap="none">
+            <a:spAutoFit/>
+          </a:bodyPr>
+          <a:lstStyle/>
+          <a:p>
+            <a:r>
+              <a:rPr lang="en-CA" sz="1400" dirty="0">
+                <a:latin typeface="Arial" panose="020B0604020202020204" pitchFamily="34" charset="0"/>
+                <a:cs typeface="Arial" panose="020B0604020202020204" pitchFamily="34" charset="0"/>
+              </a:rPr>
+              <a:t>3D Shape</a:t>
+            </a:r>
+          </a:p>
+        </p:txBody>
+      </p:sp>
+      <p:sp>
+        <p:nvSpPr>
+          <p:cNvPr id="277" name="TextBox 276">
+            <a:extLst>
+              <a:ext uri="{FF2B5EF4-FFF2-40B4-BE49-F238E27FC236}">
+                <a16:creationId xmlns:a16="http://schemas.microsoft.com/office/drawing/2014/main" id="{EE0C812E-D6FF-442B-8D6F-B03DDAB232B5}"/>
+              </a:ext>
+            </a:extLst>
+          </p:cNvPr>
+          <p:cNvSpPr txBox="1"/>
+          <p:nvPr/>
+        </p:nvSpPr>
+        <p:spPr>
+          <a:xfrm>
+            <a:off x="4929001" y="14201174"/>
+            <a:ext cx="4308058" cy="369332"/>
+          </a:xfrm>
+          <a:prstGeom prst="rect">
+            <a:avLst/>
+          </a:prstGeom>
+          <a:noFill/>
+        </p:spPr>
+        <p:txBody>
+          <a:bodyPr wrap="square" rtlCol="0">
+            <a:spAutoFit/>
+          </a:bodyPr>
+          <a:lstStyle/>
+          <a:p>
+            <a:pPr algn="ctr"/>
+            <a:r>
+              <a:rPr lang="en-CA" b="1" dirty="0">
+                <a:latin typeface="Arial" panose="020B0604020202020204" pitchFamily="34" charset="0"/>
+                <a:cs typeface="Arial" panose="020B0604020202020204" pitchFamily="34" charset="0"/>
+              </a:rPr>
+              <a:t>Radiomic Feature Computation</a:t>
+            </a:r>
+          </a:p>
+        </p:txBody>
+      </p:sp>
+      <p:pic>
+        <p:nvPicPr>
+          <p:cNvPr id="278" name="Picture 277">
+            <a:extLst>
+              <a:ext uri="{FF2B5EF4-FFF2-40B4-BE49-F238E27FC236}">
+                <a16:creationId xmlns:a16="http://schemas.microsoft.com/office/drawing/2014/main" id="{EB6DA7C4-58D8-4122-B925-45FE41B2F17D}"/>
+              </a:ext>
+            </a:extLst>
+          </p:cNvPr>
+          <p:cNvPicPr>
+            <a:picLocks noChangeAspect="1"/>
+          </p:cNvPicPr>
+          <p:nvPr/>
+        </p:nvPicPr>
+        <p:blipFill>
+          <a:blip r:embed="rId7"/>
+          <a:stretch>
+            <a:fillRect/>
+          </a:stretch>
+        </p:blipFill>
+        <p:spPr>
+          <a:xfrm>
+            <a:off x="7024677" y="15864736"/>
+            <a:ext cx="1558355" cy="979361"/>
+          </a:xfrm>
+          <a:prstGeom prst="rect">
+            <a:avLst/>
+          </a:prstGeom>
+        </p:spPr>
+      </p:pic>
       <p:cxnSp>
         <p:nvCxnSpPr>
-          <p:cNvPr id="29" name="Straight Arrow Connector 28">
-            <a:extLst>
-              <a:ext uri="{FF2B5EF4-FFF2-40B4-BE49-F238E27FC236}">
-                <a16:creationId xmlns:a16="http://schemas.microsoft.com/office/drawing/2014/main" id="{7A72B137-CB38-4C06-930E-C976154DB5D2}"/>
+          <p:cNvPr id="279" name="Straight Arrow Connector 278">
+            <a:extLst>
+              <a:ext uri="{FF2B5EF4-FFF2-40B4-BE49-F238E27FC236}">
+                <a16:creationId xmlns:a16="http://schemas.microsoft.com/office/drawing/2014/main" id="{C48D4EE3-B44D-49B5-9AB7-D0B0ACEAB750}"/>
               </a:ext>
             </a:extLst>
           </p:cNvPr>
           <p:cNvCxnSpPr>
             <a:cxnSpLocks/>
-            <a:stCxn id="12" idx="2"/>
-            <a:endCxn id="28" idx="0"/>
+            <a:stCxn id="280" idx="3"/>
+            <a:endCxn id="298" idx="1"/>
           </p:cNvCxnSpPr>
           <p:nvPr/>
         </p:nvCxnSpPr>
         <p:spPr>
-          <a:xfrm flipH="1">
-            <a:off x="6733080" y="9566348"/>
-            <a:ext cx="6797" cy="413921"/>
+          <a:xfrm flipV="1">
+            <a:off x="9327401" y="15514468"/>
+            <a:ext cx="1407389" cy="7712"/>
           </a:xfrm>
           <a:prstGeom prst="straightConnector1">
             <a:avLst/>
           </a:prstGeom>
-          <a:ln w="19050">
+          <a:ln w="28575">
             <a:solidFill>
-              <a:schemeClr val="accent1"/>
+              <a:srgbClr val="C00000"/>
             </a:solidFill>
             <a:tailEnd type="triangle"/>
           </a:ln>
@@ -4508,10 +7479,10 @@
       </p:cxnSp>
       <p:sp>
         <p:nvSpPr>
-          <p:cNvPr id="47" name="Rectangle: Rounded Corners 46">
-            <a:extLst>
-              <a:ext uri="{FF2B5EF4-FFF2-40B4-BE49-F238E27FC236}">
-                <a16:creationId xmlns:a16="http://schemas.microsoft.com/office/drawing/2014/main" id="{12A81654-7146-4467-B286-3C86E882BC46}"/>
+          <p:cNvPr id="280" name="Rectangle: Rounded Corners 279">
+            <a:extLst>
+              <a:ext uri="{FF2B5EF4-FFF2-40B4-BE49-F238E27FC236}">
+                <a16:creationId xmlns:a16="http://schemas.microsoft.com/office/drawing/2014/main" id="{544C7505-2739-4EA2-9E44-8D750C065ADF}"/>
               </a:ext>
             </a:extLst>
           </p:cNvPr>
@@ -4520,30 +7491,224 @@
         </p:nvSpPr>
         <p:spPr>
           <a:xfrm>
-            <a:off x="9954499" y="9961120"/>
-            <a:ext cx="2066382" cy="787488"/>
+            <a:off x="4719545" y="14148033"/>
+            <a:ext cx="4607856" cy="2748293"/>
           </a:xfrm>
           <a:prstGeom prst="roundRect">
             <a:avLst/>
           </a:prstGeom>
-          <a:solidFill>
-            <a:srgbClr val="FF9B9B"/>
-          </a:solidFill>
+          <a:noFill/>
+          <a:ln w="28575">
+            <a:solidFill>
+              <a:srgbClr val="C00000"/>
+            </a:solidFill>
+            <a:prstDash val="sysDot"/>
+          </a:ln>
         </p:spPr>
         <p:style>
           <a:lnRef idx="2">
-            <a:schemeClr val="accent1">
-              <a:shade val="50000"/>
-            </a:schemeClr>
+            <a:schemeClr val="accent6"/>
           </a:lnRef>
           <a:fillRef idx="1">
+            <a:schemeClr val="lt1"/>
+          </a:fillRef>
+          <a:effectRef idx="0">
+            <a:schemeClr val="accent6"/>
+          </a:effectRef>
+          <a:fontRef idx="minor">
+            <a:schemeClr val="dk1"/>
+          </a:fontRef>
+        </p:style>
+        <p:txBody>
+          <a:bodyPr rtlCol="0" anchor="ctr"/>
+          <a:lstStyle/>
+          <a:p>
+            <a:pPr algn="ctr"/>
+            <a:endParaRPr lang="en-US"/>
+          </a:p>
+        </p:txBody>
+      </p:sp>
+      <p:sp>
+        <p:nvSpPr>
+          <p:cNvPr id="281" name="Arc 280">
+            <a:extLst>
+              <a:ext uri="{FF2B5EF4-FFF2-40B4-BE49-F238E27FC236}">
+                <a16:creationId xmlns:a16="http://schemas.microsoft.com/office/drawing/2014/main" id="{2D551553-574B-4547-ADB6-62B492E2A176}"/>
+              </a:ext>
+            </a:extLst>
+          </p:cNvPr>
+          <p:cNvSpPr/>
+          <p:nvPr/>
+        </p:nvSpPr>
+        <p:spPr>
+          <a:xfrm rot="16200000">
+            <a:off x="8476277" y="15069118"/>
+            <a:ext cx="237166" cy="136123"/>
+          </a:xfrm>
+          <a:prstGeom prst="arc">
+            <a:avLst>
+              <a:gd name="adj1" fmla="val 245650"/>
+              <a:gd name="adj2" fmla="val 112532"/>
+            </a:avLst>
+          </a:prstGeom>
+          <a:ln>
+            <a:solidFill>
+              <a:schemeClr val="tx1">
+                <a:lumMod val="65000"/>
+                <a:lumOff val="35000"/>
+              </a:schemeClr>
+            </a:solidFill>
+            <a:prstDash val="sysDot"/>
+          </a:ln>
+        </p:spPr>
+        <p:style>
+          <a:lnRef idx="2">
+            <a:schemeClr val="accent1"/>
+          </a:lnRef>
+          <a:fillRef idx="0">
+            <a:schemeClr val="accent1"/>
+          </a:fillRef>
+          <a:effectRef idx="1">
+            <a:schemeClr val="accent1"/>
+          </a:effectRef>
+          <a:fontRef idx="minor">
+            <a:schemeClr val="tx1"/>
+          </a:fontRef>
+        </p:style>
+        <p:txBody>
+          <a:bodyPr rtlCol="0" anchor="ctr"/>
+          <a:lstStyle/>
+          <a:p>
+            <a:pPr algn="ctr"/>
+            <a:endParaRPr lang="en-CA"/>
+          </a:p>
+        </p:txBody>
+      </p:sp>
+      <p:sp>
+        <p:nvSpPr>
+          <p:cNvPr id="291" name="TextBox 290">
+            <a:extLst>
+              <a:ext uri="{FF2B5EF4-FFF2-40B4-BE49-F238E27FC236}">
+                <a16:creationId xmlns:a16="http://schemas.microsoft.com/office/drawing/2014/main" id="{FFA87265-351A-4784-A5B4-B70F95FE6186}"/>
+              </a:ext>
+            </a:extLst>
+          </p:cNvPr>
+          <p:cNvSpPr txBox="1"/>
+          <p:nvPr/>
+        </p:nvSpPr>
+        <p:spPr>
+          <a:xfrm>
+            <a:off x="11025320" y="14134847"/>
+            <a:ext cx="3822179" cy="646331"/>
+          </a:xfrm>
+          <a:prstGeom prst="rect">
+            <a:avLst/>
+          </a:prstGeom>
+          <a:noFill/>
+        </p:spPr>
+        <p:txBody>
+          <a:bodyPr wrap="square" rtlCol="0">
+            <a:spAutoFit/>
+          </a:bodyPr>
+          <a:lstStyle/>
+          <a:p>
+            <a:pPr algn="ctr"/>
+            <a:r>
+              <a:rPr lang="en-CA" b="1" dirty="0">
+                <a:latin typeface="Arial" panose="020B0604020202020204" pitchFamily="34" charset="0"/>
+                <a:cs typeface="Arial" panose="020B0604020202020204" pitchFamily="34" charset="0"/>
+              </a:rPr>
+              <a:t>Compare Features to Final Survival Model</a:t>
+            </a:r>
+          </a:p>
+        </p:txBody>
+      </p:sp>
+      <p:cxnSp>
+        <p:nvCxnSpPr>
+          <p:cNvPr id="292" name="Straight Arrow Connector 291">
+            <a:extLst>
+              <a:ext uri="{FF2B5EF4-FFF2-40B4-BE49-F238E27FC236}">
+                <a16:creationId xmlns:a16="http://schemas.microsoft.com/office/drawing/2014/main" id="{B9FFE133-6843-4985-A082-1A4627ACB3B8}"/>
+              </a:ext>
+            </a:extLst>
+          </p:cNvPr>
+          <p:cNvCxnSpPr>
+            <a:cxnSpLocks/>
+            <a:stCxn id="255" idx="3"/>
+            <a:endCxn id="280" idx="1"/>
+          </p:cNvCxnSpPr>
+          <p:nvPr/>
+        </p:nvCxnSpPr>
+        <p:spPr>
+          <a:xfrm flipV="1">
+            <a:off x="3354790" y="15522180"/>
+            <a:ext cx="1364755" cy="1573"/>
+          </a:xfrm>
+          <a:prstGeom prst="straightConnector1">
+            <a:avLst/>
+          </a:prstGeom>
+          <a:ln w="28575">
+            <a:solidFill>
+              <a:srgbClr val="C00000"/>
+            </a:solidFill>
+            <a:tailEnd type="triangle"/>
+          </a:ln>
+        </p:spPr>
+        <p:style>
+          <a:lnRef idx="1">
+            <a:schemeClr val="accent1"/>
+          </a:lnRef>
+          <a:fillRef idx="0">
             <a:schemeClr val="accent1"/>
           </a:fillRef>
           <a:effectRef idx="0">
             <a:schemeClr val="accent1"/>
           </a:effectRef>
           <a:fontRef idx="minor">
+            <a:schemeClr val="tx1"/>
+          </a:fontRef>
+        </p:style>
+      </p:cxnSp>
+      <p:sp>
+        <p:nvSpPr>
+          <p:cNvPr id="298" name="Rectangle: Rounded Corners 297">
+            <a:extLst>
+              <a:ext uri="{FF2B5EF4-FFF2-40B4-BE49-F238E27FC236}">
+                <a16:creationId xmlns:a16="http://schemas.microsoft.com/office/drawing/2014/main" id="{67EEC83F-E119-4FC1-B7F6-3B92442D049D}"/>
+              </a:ext>
+            </a:extLst>
+          </p:cNvPr>
+          <p:cNvSpPr/>
+          <p:nvPr/>
+        </p:nvSpPr>
+        <p:spPr>
+          <a:xfrm>
+            <a:off x="10734790" y="14140321"/>
+            <a:ext cx="4607856" cy="2748293"/>
+          </a:xfrm>
+          <a:prstGeom prst="roundRect">
+            <a:avLst/>
+          </a:prstGeom>
+          <a:noFill/>
+          <a:ln w="28575">
+            <a:solidFill>
+              <a:srgbClr val="C00000"/>
+            </a:solidFill>
+            <a:prstDash val="sysDot"/>
+          </a:ln>
+        </p:spPr>
+        <p:style>
+          <a:lnRef idx="2">
+            <a:schemeClr val="accent6"/>
+          </a:lnRef>
+          <a:fillRef idx="1">
             <a:schemeClr val="lt1"/>
+          </a:fillRef>
+          <a:effectRef idx="0">
+            <a:schemeClr val="accent6"/>
+          </a:effectRef>
+          <a:fontRef idx="minor">
+            <a:schemeClr val="dk1"/>
           </a:fontRef>
         </p:style>
         <p:txBody>
@@ -4551,47 +7716,37 @@
           <a:lstStyle/>
           <a:p>
             <a:pPr algn="ctr"/>
-            <a:r>
-              <a:rPr lang="en-US" sz="1600" b="1" dirty="0">
-                <a:solidFill>
-                  <a:schemeClr val="tx1"/>
-                </a:solidFill>
-                <a:latin typeface="Arial" panose="020B0604020202020204" pitchFamily="34" charset="0"/>
-                <a:cs typeface="Arial" panose="020B0604020202020204" pitchFamily="34" charset="0"/>
-              </a:rPr>
-              <a:t>Radiomic Feature Computation</a:t>
-            </a:r>
+            <a:endParaRPr lang="en-US"/>
           </a:p>
         </p:txBody>
       </p:sp>
       <p:cxnSp>
         <p:nvCxnSpPr>
-          <p:cNvPr id="51" name="Straight Arrow Connector 50">
-            <a:extLst>
-              <a:ext uri="{FF2B5EF4-FFF2-40B4-BE49-F238E27FC236}">
-                <a16:creationId xmlns:a16="http://schemas.microsoft.com/office/drawing/2014/main" id="{3AF3AA90-8848-4148-8BD6-17190566CB6C}"/>
+          <p:cNvPr id="1060" name="Straight Connector 1059">
+            <a:extLst>
+              <a:ext uri="{FF2B5EF4-FFF2-40B4-BE49-F238E27FC236}">
+                <a16:creationId xmlns:a16="http://schemas.microsoft.com/office/drawing/2014/main" id="{DA002871-8A68-41D8-AD24-411F240F03C0}"/>
               </a:ext>
             </a:extLst>
           </p:cNvPr>
           <p:cNvCxnSpPr>
             <a:cxnSpLocks/>
-            <a:stCxn id="47" idx="2"/>
+            <a:stCxn id="200" idx="2"/>
           </p:cNvCxnSpPr>
           <p:nvPr/>
         </p:nvCxnSpPr>
         <p:spPr>
-          <a:xfrm flipH="1">
-            <a:off x="10985876" y="10748608"/>
-            <a:ext cx="1815" cy="762444"/>
-          </a:xfrm>
-          <a:prstGeom prst="straightConnector1">
+          <a:xfrm>
+            <a:off x="20466581" y="11147726"/>
+            <a:ext cx="0" cy="1691974"/>
+          </a:xfrm>
+          <a:prstGeom prst="line">
             <a:avLst/>
           </a:prstGeom>
-          <a:ln w="19050">
+          <a:ln w="38100">
             <a:solidFill>
-              <a:srgbClr val="C00000"/>
+              <a:schemeClr val="accent1"/>
             </a:solidFill>
-            <a:tailEnd type="triangle"/>
           </a:ln>
         </p:spPr>
         <p:style>
@@ -4611,32 +7766,30 @@
       </p:cxnSp>
       <p:cxnSp>
         <p:nvCxnSpPr>
-          <p:cNvPr id="54" name="Straight Arrow Connector 53">
-            <a:extLst>
-              <a:ext uri="{FF2B5EF4-FFF2-40B4-BE49-F238E27FC236}">
-                <a16:creationId xmlns:a16="http://schemas.microsoft.com/office/drawing/2014/main" id="{D7502533-CC93-480C-962D-94301604AB2B}"/>
+          <p:cNvPr id="303" name="Straight Connector 302">
+            <a:extLst>
+              <a:ext uri="{FF2B5EF4-FFF2-40B4-BE49-F238E27FC236}">
+                <a16:creationId xmlns:a16="http://schemas.microsoft.com/office/drawing/2014/main" id="{EAFF0773-1A0E-4556-8F34-7FFCCB0198B5}"/>
               </a:ext>
             </a:extLst>
           </p:cNvPr>
           <p:cNvCxnSpPr>
             <a:cxnSpLocks/>
-            <a:stCxn id="18" idx="2"/>
           </p:cNvCxnSpPr>
           <p:nvPr/>
         </p:nvCxnSpPr>
         <p:spPr>
-          <a:xfrm>
-            <a:off x="10978728" y="13345482"/>
-            <a:ext cx="6036" cy="334207"/>
-          </a:xfrm>
-          <a:prstGeom prst="straightConnector1">
+          <a:xfrm flipH="1">
+            <a:off x="13029193" y="12838672"/>
+            <a:ext cx="7453169" cy="0"/>
+          </a:xfrm>
+          <a:prstGeom prst="line">
             <a:avLst/>
           </a:prstGeom>
-          <a:ln w="19050">
+          <a:ln w="38100">
             <a:solidFill>
-              <a:srgbClr val="C00000"/>
+              <a:schemeClr val="accent1"/>
             </a:solidFill>
-            <a:tailEnd type="triangle"/>
           </a:ln>
         </p:spPr>
         <p:style>
@@ -4656,34 +7809,35 @@
       </p:cxnSp>
       <p:sp>
         <p:nvSpPr>
-          <p:cNvPr id="58" name="Rectangle 57">
-            <a:extLst>
-              <a:ext uri="{FF2B5EF4-FFF2-40B4-BE49-F238E27FC236}">
-                <a16:creationId xmlns:a16="http://schemas.microsoft.com/office/drawing/2014/main" id="{875EC65D-773E-41EC-93A8-42C750E2E735}"/>
-              </a:ext>
-            </a:extLst>
-          </p:cNvPr>
-          <p:cNvSpPr/>
+          <p:cNvPr id="321" name="TextBox 320">
+            <a:extLst>
+              <a:ext uri="{FF2B5EF4-FFF2-40B4-BE49-F238E27FC236}">
+                <a16:creationId xmlns:a16="http://schemas.microsoft.com/office/drawing/2014/main" id="{C24B6CE2-B466-400D-9A2F-E76C61666DA0}"/>
+              </a:ext>
+            </a:extLst>
+          </p:cNvPr>
+          <p:cNvSpPr txBox="1"/>
           <p:nvPr/>
         </p:nvSpPr>
         <p:spPr>
           <a:xfrm>
-            <a:off x="9101700" y="13679688"/>
-            <a:ext cx="3766129" cy="338554"/>
+            <a:off x="17456918" y="14348497"/>
+            <a:ext cx="3822179" cy="369332"/>
           </a:xfrm>
           <a:prstGeom prst="rect">
             <a:avLst/>
           </a:prstGeom>
+          <a:noFill/>
         </p:spPr>
         <p:txBody>
-          <a:bodyPr wrap="square">
+          <a:bodyPr wrap="square" rtlCol="0">
             <a:spAutoFit/>
           </a:bodyPr>
           <a:lstStyle/>
           <a:p>
             <a:pPr algn="ctr"/>
             <a:r>
-              <a:rPr lang="en-CA" sz="1600" b="1" dirty="0">
+              <a:rPr lang="en-CA" b="1" dirty="0">
                 <a:latin typeface="Arial" panose="020B0604020202020204" pitchFamily="34" charset="0"/>
                 <a:cs typeface="Arial" panose="020B0604020202020204" pitchFamily="34" charset="0"/>
               </a:rPr>
@@ -4692,102 +7846,12 @@
           </a:p>
         </p:txBody>
       </p:sp>
-      <p:cxnSp>
-        <p:nvCxnSpPr>
-          <p:cNvPr id="59" name="Straight Arrow Connector 58">
-            <a:extLst>
-              <a:ext uri="{FF2B5EF4-FFF2-40B4-BE49-F238E27FC236}">
-                <a16:creationId xmlns:a16="http://schemas.microsoft.com/office/drawing/2014/main" id="{29D9D979-F58A-4AD3-9DB8-B948195506A8}"/>
-              </a:ext>
-            </a:extLst>
-          </p:cNvPr>
-          <p:cNvCxnSpPr>
-            <a:cxnSpLocks/>
-          </p:cNvCxnSpPr>
-          <p:nvPr/>
-        </p:nvCxnSpPr>
-        <p:spPr>
-          <a:xfrm flipH="1">
-            <a:off x="10524670" y="14352450"/>
-            <a:ext cx="228600" cy="182567"/>
-          </a:xfrm>
-          <a:prstGeom prst="straightConnector1">
-            <a:avLst/>
-          </a:prstGeom>
-          <a:ln w="19050">
-            <a:solidFill>
-              <a:srgbClr val="C00000"/>
-            </a:solidFill>
-            <a:tailEnd type="triangle"/>
-          </a:ln>
-        </p:spPr>
-        <p:style>
-          <a:lnRef idx="1">
-            <a:schemeClr val="accent1"/>
-          </a:lnRef>
-          <a:fillRef idx="0">
-            <a:schemeClr val="accent1"/>
-          </a:fillRef>
-          <a:effectRef idx="0">
-            <a:schemeClr val="accent1"/>
-          </a:effectRef>
-          <a:fontRef idx="minor">
-            <a:schemeClr val="tx1"/>
-          </a:fontRef>
-        </p:style>
-      </p:cxnSp>
-      <p:cxnSp>
-        <p:nvCxnSpPr>
-          <p:cNvPr id="31" name="Straight Arrow Connector 30">
-            <a:extLst>
-              <a:ext uri="{FF2B5EF4-FFF2-40B4-BE49-F238E27FC236}">
-                <a16:creationId xmlns:a16="http://schemas.microsoft.com/office/drawing/2014/main" id="{A3BC91CA-0733-431D-BDB5-3F370B24F7F8}"/>
-              </a:ext>
-            </a:extLst>
-          </p:cNvPr>
-          <p:cNvCxnSpPr>
-            <a:cxnSpLocks/>
-            <a:stCxn id="28" idx="2"/>
-            <a:endCxn id="17" idx="0"/>
-          </p:cNvCxnSpPr>
-          <p:nvPr/>
-        </p:nvCxnSpPr>
-        <p:spPr>
-          <a:xfrm flipH="1">
-            <a:off x="6722095" y="11194605"/>
-            <a:ext cx="10984" cy="568856"/>
-          </a:xfrm>
-          <a:prstGeom prst="straightConnector1">
-            <a:avLst/>
-          </a:prstGeom>
-          <a:ln w="19050">
-            <a:solidFill>
-              <a:schemeClr val="accent1"/>
-            </a:solidFill>
-            <a:tailEnd type="triangle"/>
-          </a:ln>
-        </p:spPr>
-        <p:style>
-          <a:lnRef idx="1">
-            <a:schemeClr val="accent1"/>
-          </a:lnRef>
-          <a:fillRef idx="0">
-            <a:schemeClr val="accent1"/>
-          </a:fillRef>
-          <a:effectRef idx="0">
-            <a:schemeClr val="accent1"/>
-          </a:effectRef>
-          <a:fontRef idx="minor">
-            <a:schemeClr val="tx1"/>
-          </a:fontRef>
-        </p:style>
-      </p:cxnSp>
       <p:sp>
         <p:nvSpPr>
-          <p:cNvPr id="48" name="Rectangle: Rounded Corners 47">
-            <a:extLst>
-              <a:ext uri="{FF2B5EF4-FFF2-40B4-BE49-F238E27FC236}">
-                <a16:creationId xmlns:a16="http://schemas.microsoft.com/office/drawing/2014/main" id="{AD9F51D8-42ED-4662-976E-C1F7B73C77F2}"/>
+          <p:cNvPr id="322" name="Rectangle: Rounded Corners 321">
+            <a:extLst>
+              <a:ext uri="{FF2B5EF4-FFF2-40B4-BE49-F238E27FC236}">
+                <a16:creationId xmlns:a16="http://schemas.microsoft.com/office/drawing/2014/main" id="{F0E7336E-3418-42F7-9D11-E8C981A3EE52}"/>
               </a:ext>
             </a:extLst>
           </p:cNvPr>
@@ -4796,14 +7860,14 @@
         </p:nvSpPr>
         <p:spPr>
           <a:xfrm>
-            <a:off x="9138928" y="7590967"/>
-            <a:ext cx="3653611" cy="7700967"/>
+            <a:off x="17006930" y="14144712"/>
+            <a:ext cx="4816204" cy="2748293"/>
           </a:xfrm>
           <a:prstGeom prst="roundRect">
             <a:avLst/>
           </a:prstGeom>
           <a:noFill/>
-          <a:ln w="19050">
+          <a:ln w="28575">
             <a:solidFill>
               <a:srgbClr val="C00000"/>
             </a:solidFill>
@@ -4833,93 +7897,46 @@
           </a:p>
         </p:txBody>
       </p:sp>
-      <p:sp>
-        <p:nvSpPr>
-          <p:cNvPr id="49" name="Rectangle: Rounded Corners 48">
-            <a:extLst>
-              <a:ext uri="{FF2B5EF4-FFF2-40B4-BE49-F238E27FC236}">
-                <a16:creationId xmlns:a16="http://schemas.microsoft.com/office/drawing/2014/main" id="{477455FB-826D-4B3D-9FE8-E5AA75BC2A12}"/>
-              </a:ext>
-            </a:extLst>
-          </p:cNvPr>
-          <p:cNvSpPr/>
-          <p:nvPr/>
-        </p:nvSpPr>
-        <p:spPr>
-          <a:xfrm>
-            <a:off x="4851747" y="7502380"/>
-            <a:ext cx="3653611" cy="7700967"/>
-          </a:xfrm>
-          <a:prstGeom prst="roundRect">
+      <p:cxnSp>
+        <p:nvCxnSpPr>
+          <p:cNvPr id="329" name="Straight Arrow Connector 328">
+            <a:extLst>
+              <a:ext uri="{FF2B5EF4-FFF2-40B4-BE49-F238E27FC236}">
+                <a16:creationId xmlns:a16="http://schemas.microsoft.com/office/drawing/2014/main" id="{E78754EA-706D-4681-A643-F8A88C785901}"/>
+              </a:ext>
+            </a:extLst>
+          </p:cNvPr>
+          <p:cNvCxnSpPr>
+            <a:cxnSpLocks/>
+            <a:stCxn id="298" idx="3"/>
+            <a:endCxn id="322" idx="1"/>
+          </p:cNvCxnSpPr>
+          <p:nvPr/>
+        </p:nvCxnSpPr>
+        <p:spPr>
+          <a:xfrm>
+            <a:off x="15342646" y="15514468"/>
+            <a:ext cx="1664284" cy="4391"/>
+          </a:xfrm>
+          <a:prstGeom prst="straightConnector1">
             <a:avLst/>
           </a:prstGeom>
-          <a:noFill/>
-          <a:ln w="19050">
+          <a:ln w="28575">
             <a:solidFill>
-              <a:schemeClr val="accent1"/>
+              <a:srgbClr val="C00000"/>
             </a:solidFill>
-            <a:prstDash val="sysDot"/>
+            <a:tailEnd type="triangle"/>
           </a:ln>
         </p:spPr>
         <p:style>
-          <a:lnRef idx="2">
-            <a:schemeClr val="accent6"/>
+          <a:lnRef idx="1">
+            <a:schemeClr val="accent1"/>
           </a:lnRef>
-          <a:fillRef idx="1">
-            <a:schemeClr val="lt1"/>
+          <a:fillRef idx="0">
+            <a:schemeClr val="accent1"/>
           </a:fillRef>
           <a:effectRef idx="0">
-            <a:schemeClr val="accent6"/>
-          </a:effectRef>
-          <a:fontRef idx="minor">
-            <a:schemeClr val="dk1"/>
-          </a:fontRef>
-        </p:style>
-        <p:txBody>
-          <a:bodyPr rtlCol="0" anchor="ctr"/>
-          <a:lstStyle/>
-          <a:p>
-            <a:pPr algn="ctr"/>
-            <a:endParaRPr lang="en-US"/>
-          </a:p>
-        </p:txBody>
-      </p:sp>
-      <p:cxnSp>
-        <p:nvCxnSpPr>
-          <p:cNvPr id="40" name="Straight Arrow Connector 39">
-            <a:extLst>
-              <a:ext uri="{FF2B5EF4-FFF2-40B4-BE49-F238E27FC236}">
-                <a16:creationId xmlns:a16="http://schemas.microsoft.com/office/drawing/2014/main" id="{628308BA-66D0-4FC1-BD03-C49652F9E5C5}"/>
-              </a:ext>
-            </a:extLst>
-          </p:cNvPr>
-          <p:cNvCxnSpPr>
-            <a:stCxn id="15" idx="3"/>
-            <a:endCxn id="18" idx="1"/>
-          </p:cNvCxnSpPr>
-          <p:nvPr/>
-        </p:nvCxnSpPr>
-        <p:spPr>
-          <a:xfrm>
-            <a:off x="8011495" y="12720408"/>
-            <a:ext cx="1661166" cy="7884"/>
-          </a:xfrm>
-          <a:prstGeom prst="straightConnector1">
-            <a:avLst/>
-          </a:prstGeom>
-          <a:ln w="38100">
-            <a:tailEnd type="triangle"/>
-          </a:ln>
-        </p:spPr>
-        <p:style>
-          <a:lnRef idx="1">
-            <a:schemeClr val="accent6"/>
-          </a:lnRef>
-          <a:fillRef idx="0">
-            <a:schemeClr val="accent6"/>
-          </a:fillRef>
-          <a:effectRef idx="0">
-            <a:schemeClr val="accent6"/>
+            <a:schemeClr val="accent1"/>
           </a:effectRef>
           <a:fontRef idx="minor">
             <a:schemeClr val="tx1"/>
@@ -4973,7 +7990,7 @@
                                           </p:stCondLst>
                                         </p:cTn>
                                         <p:tgtEl>
-                                          <p:spTgt spid="10"/>
+                                          <p:spTgt spid="11"/>
                                         </p:tgtEl>
                                         <p:attrNameLst>
                                           <p:attrName>style.visibility</p:attrName>
@@ -4987,7 +8004,7 @@
                                 </p:cTn>
                               </p:par>
                               <p:par>
-                                <p:cTn id="7" presetID="1" presetClass="entr" presetSubtype="0" fill="hold" grpId="0" nodeType="withEffect">
+                                <p:cTn id="7" presetID="1" presetClass="entr" presetSubtype="0" fill="hold" nodeType="withEffect">
                                   <p:stCondLst>
                                     <p:cond delay="0"/>
                                   </p:stCondLst>
@@ -5000,7 +8017,7 @@
                                           </p:stCondLst>
                                         </p:cTn>
                                         <p:tgtEl>
-                                          <p:spTgt spid="11"/>
+                                          <p:spTgt spid="18"/>
                                         </p:tgtEl>
                                         <p:attrNameLst>
                                           <p:attrName>style.visibility</p:attrName>
@@ -5027,7 +8044,7 @@
                                           </p:stCondLst>
                                         </p:cTn>
                                         <p:tgtEl>
-                                          <p:spTgt spid="14"/>
+                                          <p:spTgt spid="62"/>
                                         </p:tgtEl>
                                         <p:attrNameLst>
                                           <p:attrName>style.visibility</p:attrName>
@@ -5041,7 +8058,7 @@
                                 </p:cTn>
                               </p:par>
                               <p:par>
-                                <p:cTn id="11" presetID="1" presetClass="entr" presetSubtype="0" fill="hold" nodeType="withEffect">
+                                <p:cTn id="11" presetID="1" presetClass="entr" presetSubtype="0" fill="hold" grpId="0" nodeType="withEffect">
                                   <p:stCondLst>
                                     <p:cond delay="0"/>
                                   </p:stCondLst>
@@ -5054,115 +8071,7 @@
                                           </p:stCondLst>
                                         </p:cTn>
                                         <p:tgtEl>
-                                          <p:spTgt spid="15"/>
-                                        </p:tgtEl>
-                                        <p:attrNameLst>
-                                          <p:attrName>style.visibility</p:attrName>
-                                        </p:attrNameLst>
-                                      </p:cBhvr>
-                                      <p:to>
-                                        <p:strVal val="visible"/>
-                                      </p:to>
-                                    </p:set>
-                                  </p:childTnLst>
-                                </p:cTn>
-                              </p:par>
-                              <p:par>
-                                <p:cTn id="13" presetID="1" presetClass="entr" presetSubtype="0" fill="hold" grpId="0" nodeType="withEffect">
-                                  <p:stCondLst>
-                                    <p:cond delay="0"/>
-                                  </p:stCondLst>
-                                  <p:childTnLst>
-                                    <p:set>
-                                      <p:cBhvr>
-                                        <p:cTn id="14" dur="1" fill="hold">
-                                          <p:stCondLst>
-                                            <p:cond delay="0"/>
-                                          </p:stCondLst>
-                                        </p:cTn>
-                                        <p:tgtEl>
-                                          <p:spTgt spid="17"/>
-                                        </p:tgtEl>
-                                        <p:attrNameLst>
-                                          <p:attrName>style.visibility</p:attrName>
-                                        </p:attrNameLst>
-                                      </p:cBhvr>
-                                      <p:to>
-                                        <p:strVal val="visible"/>
-                                      </p:to>
-                                    </p:set>
-                                  </p:childTnLst>
-                                </p:cTn>
-                              </p:par>
-                              <p:par>
-                                <p:cTn id="15" presetID="1" presetClass="entr" presetSubtype="0" fill="hold" nodeType="withEffect">
-                                  <p:stCondLst>
-                                    <p:cond delay="0"/>
-                                  </p:stCondLst>
-                                  <p:childTnLst>
-                                    <p:set>
-                                      <p:cBhvr>
-                                        <p:cTn id="16" dur="1" fill="hold">
-                                          <p:stCondLst>
-                                            <p:cond delay="0"/>
-                                          </p:stCondLst>
-                                        </p:cTn>
-                                        <p:tgtEl>
-                                          <p:spTgt spid="18"/>
-                                        </p:tgtEl>
-                                        <p:attrNameLst>
-                                          <p:attrName>style.visibility</p:attrName>
-                                        </p:attrNameLst>
-                                      </p:cBhvr>
-                                      <p:to>
-                                        <p:strVal val="visible"/>
-                                      </p:to>
-                                    </p:set>
-                                  </p:childTnLst>
-                                </p:cTn>
-                              </p:par>
-                              <p:par>
-                                <p:cTn id="17" presetID="1" presetClass="entr" presetSubtype="0" fill="hold" grpId="0" nodeType="withEffect">
-                                  <p:stCondLst>
-                                    <p:cond delay="0"/>
-                                  </p:stCondLst>
-                                  <p:childTnLst>
-                                    <p:set>
-                                      <p:cBhvr>
-                                        <p:cTn id="18" dur="1" fill="hold">
-                                          <p:stCondLst>
-                                            <p:cond delay="0"/>
-                                          </p:stCondLst>
-                                        </p:cTn>
-                                        <p:tgtEl>
-                                          <p:spTgt spid="19"/>
-                                        </p:tgtEl>
-                                        <p:attrNameLst>
-                                          <p:attrName>style.visibility</p:attrName>
-                                        </p:attrNameLst>
-                                      </p:cBhvr>
-                                      <p:to>
-                                        <p:strVal val="visible"/>
-                                      </p:to>
-                                    </p:set>
-                                  </p:childTnLst>
-                                </p:cTn>
-                              </p:par>
-                              <p:par>
-                                <p:cTn id="19" presetID="1" presetClass="entr" presetSubtype="0" fill="hold" grpId="0" nodeType="withEffect">
-                                  <p:stCondLst>
-                                    <p:cond delay="0"/>
-                                  </p:stCondLst>
-                                  <p:childTnLst>
-                                    <p:set>
-                                      <p:cBhvr>
-                                        <p:cTn id="20" dur="1" fill="hold">
-                                          <p:stCondLst>
-                                            <p:cond delay="0"/>
-                                          </p:stCondLst>
-                                        </p:cTn>
-                                        <p:tgtEl>
-                                          <p:spTgt spid="58"/>
+                                          <p:spTgt spid="63"/>
                                         </p:tgtEl>
                                         <p:attrNameLst>
                                           <p:attrName>style.visibility</p:attrName>
@@ -5203,18 +8112,15 @@
       </p:par>
     </p:tnLst>
     <p:bldLst>
-      <p:bldP spid="10" grpId="0"/>
       <p:bldP spid="11" grpId="0"/>
-      <p:bldP spid="14" grpId="0"/>
-      <p:bldP spid="17" grpId="0"/>
-      <p:bldP spid="19" grpId="0"/>
-      <p:bldP spid="58" grpId="0"/>
+      <p:bldP spid="62" grpId="0"/>
+      <p:bldP spid="63" grpId="0"/>
     </p:bldLst>
   </p:timing>
 </p:sld>
 </file>
 
-<file path=ppt/slides/slide3.xml><?xml version="1.0" encoding="utf-8"?>
+<file path=ppt/slides/slide4.xml><?xml version="1.0" encoding="utf-8"?>
 <p:sld xmlns:a="http://schemas.openxmlformats.org/drawingml/2006/main" xmlns:r="http://schemas.openxmlformats.org/officeDocument/2006/relationships" xmlns:p="http://schemas.openxmlformats.org/presentationml/2006/main">
   <p:cSld>
     <p:spTree>
@@ -9455,6 +12361,446 @@
           </a:fontRef>
         </p:style>
       </p:cxnSp>
+      <p:sp>
+        <p:nvSpPr>
+          <p:cNvPr id="84" name="Rectangle: Rounded Corners 83">
+            <a:extLst>
+              <a:ext uri="{FF2B5EF4-FFF2-40B4-BE49-F238E27FC236}">
+                <a16:creationId xmlns:a16="http://schemas.microsoft.com/office/drawing/2014/main" id="{45FDDEB9-5EA8-40A8-9DF9-030BACDD8D02}"/>
+              </a:ext>
+            </a:extLst>
+          </p:cNvPr>
+          <p:cNvSpPr/>
+          <p:nvPr/>
+        </p:nvSpPr>
+        <p:spPr>
+          <a:xfrm>
+            <a:off x="-2148704" y="9864431"/>
+            <a:ext cx="10124402" cy="2198637"/>
+          </a:xfrm>
+          <a:prstGeom prst="roundRect">
+            <a:avLst/>
+          </a:prstGeom>
+          <a:solidFill>
+            <a:schemeClr val="bg1"/>
+          </a:solidFill>
+          <a:ln w="28575">
+            <a:solidFill>
+              <a:schemeClr val="accent1"/>
+            </a:solidFill>
+            <a:prstDash val="sysDot"/>
+          </a:ln>
+        </p:spPr>
+        <p:style>
+          <a:lnRef idx="2">
+            <a:schemeClr val="accent6"/>
+          </a:lnRef>
+          <a:fillRef idx="1">
+            <a:schemeClr val="lt1"/>
+          </a:fillRef>
+          <a:effectRef idx="0">
+            <a:schemeClr val="accent6"/>
+          </a:effectRef>
+          <a:fontRef idx="minor">
+            <a:schemeClr val="dk1"/>
+          </a:fontRef>
+        </p:style>
+        <p:txBody>
+          <a:bodyPr rtlCol="0" anchor="ctr"/>
+          <a:lstStyle/>
+          <a:p>
+            <a:pPr algn="ctr"/>
+            <a:endParaRPr lang="en-US"/>
+          </a:p>
+        </p:txBody>
+      </p:sp>
+      <p:sp>
+        <p:nvSpPr>
+          <p:cNvPr id="85" name="Rectangle 84">
+            <a:extLst>
+              <a:ext uri="{FF2B5EF4-FFF2-40B4-BE49-F238E27FC236}">
+                <a16:creationId xmlns:a16="http://schemas.microsoft.com/office/drawing/2014/main" id="{69E7345B-D51A-4B3D-BA65-DE2DA91C6F78}"/>
+              </a:ext>
+            </a:extLst>
+          </p:cNvPr>
+          <p:cNvSpPr/>
+          <p:nvPr/>
+        </p:nvSpPr>
+        <p:spPr>
+          <a:xfrm>
+            <a:off x="-2560949" y="9338000"/>
+            <a:ext cx="3766129" cy="400110"/>
+          </a:xfrm>
+          <a:prstGeom prst="rect">
+            <a:avLst/>
+          </a:prstGeom>
+        </p:spPr>
+        <p:txBody>
+          <a:bodyPr wrap="square">
+            <a:spAutoFit/>
+          </a:bodyPr>
+          <a:lstStyle/>
+          <a:p>
+            <a:pPr algn="ctr"/>
+            <a:r>
+              <a:rPr lang="en-CA" sz="2000" b="1" dirty="0">
+                <a:latin typeface="Arial" panose="020B0604020202020204" pitchFamily="34" charset="0"/>
+                <a:cs typeface="Arial" panose="020B0604020202020204" pitchFamily="34" charset="0"/>
+              </a:rPr>
+              <a:t>Training Stage (Offline)</a:t>
+            </a:r>
+          </a:p>
+        </p:txBody>
+      </p:sp>
+      <p:pic>
+        <p:nvPicPr>
+          <p:cNvPr id="86" name="Picture 85">
+            <a:extLst>
+              <a:ext uri="{FF2B5EF4-FFF2-40B4-BE49-F238E27FC236}">
+                <a16:creationId xmlns:a16="http://schemas.microsoft.com/office/drawing/2014/main" id="{73C4894B-602B-4B5E-A3A7-1145712C0631}"/>
+              </a:ext>
+            </a:extLst>
+          </p:cNvPr>
+          <p:cNvPicPr>
+            <a:picLocks noChangeAspect="1"/>
+          </p:cNvPicPr>
+          <p:nvPr/>
+        </p:nvPicPr>
+        <p:blipFill>
+          <a:blip r:embed="rId2"/>
+          <a:stretch>
+            <a:fillRect/>
+          </a:stretch>
+        </p:blipFill>
+        <p:spPr>
+          <a:xfrm>
+            <a:off x="-1854502" y="10291374"/>
+            <a:ext cx="1892455" cy="1419341"/>
+          </a:xfrm>
+          <a:prstGeom prst="rect">
+            <a:avLst/>
+          </a:prstGeom>
+        </p:spPr>
+      </p:pic>
+      <p:sp>
+        <p:nvSpPr>
+          <p:cNvPr id="87" name="Rectangle 86">
+            <a:extLst>
+              <a:ext uri="{FF2B5EF4-FFF2-40B4-BE49-F238E27FC236}">
+                <a16:creationId xmlns:a16="http://schemas.microsoft.com/office/drawing/2014/main" id="{6A62282D-3C40-4A5A-A7F5-7BA042D56643}"/>
+              </a:ext>
+            </a:extLst>
+          </p:cNvPr>
+          <p:cNvSpPr/>
+          <p:nvPr/>
+        </p:nvSpPr>
+        <p:spPr>
+          <a:xfrm>
+            <a:off x="-1914766" y="9966830"/>
+            <a:ext cx="1892455" cy="338554"/>
+          </a:xfrm>
+          <a:prstGeom prst="rect">
+            <a:avLst/>
+          </a:prstGeom>
+        </p:spPr>
+        <p:txBody>
+          <a:bodyPr wrap="square">
+            <a:spAutoFit/>
+          </a:bodyPr>
+          <a:lstStyle/>
+          <a:p>
+            <a:pPr algn="ctr"/>
+            <a:r>
+              <a:rPr lang="en-CA" sz="1600" b="1" dirty="0">
+                <a:latin typeface="Arial" panose="020B0604020202020204" pitchFamily="34" charset="0"/>
+                <a:cs typeface="Arial" panose="020B0604020202020204" pitchFamily="34" charset="0"/>
+              </a:rPr>
+              <a:t>Training CT Data</a:t>
+            </a:r>
+          </a:p>
+        </p:txBody>
+      </p:sp>
+      <p:pic>
+        <p:nvPicPr>
+          <p:cNvPr id="88" name="Picture 87">
+            <a:extLst>
+              <a:ext uri="{FF2B5EF4-FFF2-40B4-BE49-F238E27FC236}">
+                <a16:creationId xmlns:a16="http://schemas.microsoft.com/office/drawing/2014/main" id="{3890FC5E-824F-4D33-A4AB-A49CEA40F893}"/>
+              </a:ext>
+            </a:extLst>
+          </p:cNvPr>
+          <p:cNvPicPr>
+            <a:picLocks noChangeAspect="1"/>
+          </p:cNvPicPr>
+          <p:nvPr/>
+        </p:nvPicPr>
+        <p:blipFill>
+          <a:blip r:embed="rId10" cstate="print">
+            <a:extLst>
+              <a:ext uri="{28A0092B-C50C-407E-A947-70E740481C1C}">
+                <a14:useLocalDpi xmlns:a14="http://schemas.microsoft.com/office/drawing/2010/main" val="0"/>
+              </a:ext>
+            </a:extLst>
+          </a:blip>
+          <a:stretch>
+            <a:fillRect/>
+          </a:stretch>
+        </p:blipFill>
+        <p:spPr>
+          <a:xfrm>
+            <a:off x="4164613" y="10388776"/>
+            <a:ext cx="2569721" cy="1214337"/>
+          </a:xfrm>
+          <a:prstGeom prst="rect">
+            <a:avLst/>
+          </a:prstGeom>
+          <a:solidFill>
+            <a:schemeClr val="accent3">
+              <a:lumMod val="25000"/>
+              <a:lumOff val="75000"/>
+              <a:alpha val="38000"/>
+            </a:schemeClr>
+          </a:solidFill>
+          <a:ln>
+            <a:solidFill>
+              <a:schemeClr val="tx2">
+                <a:lumMod val="75000"/>
+                <a:lumOff val="25000"/>
+              </a:schemeClr>
+            </a:solidFill>
+          </a:ln>
+        </p:spPr>
+      </p:pic>
+      <p:sp>
+        <p:nvSpPr>
+          <p:cNvPr id="89" name="Rectangle 88">
+            <a:extLst>
+              <a:ext uri="{FF2B5EF4-FFF2-40B4-BE49-F238E27FC236}">
+                <a16:creationId xmlns:a16="http://schemas.microsoft.com/office/drawing/2014/main" id="{33456C0F-6FBB-4454-9101-0CEDD49230D6}"/>
+              </a:ext>
+            </a:extLst>
+          </p:cNvPr>
+          <p:cNvSpPr/>
+          <p:nvPr/>
+        </p:nvSpPr>
+        <p:spPr>
+          <a:xfrm>
+            <a:off x="3561869" y="10026297"/>
+            <a:ext cx="3766129" cy="338554"/>
+          </a:xfrm>
+          <a:prstGeom prst="rect">
+            <a:avLst/>
+          </a:prstGeom>
+        </p:spPr>
+        <p:txBody>
+          <a:bodyPr wrap="square">
+            <a:spAutoFit/>
+          </a:bodyPr>
+          <a:lstStyle/>
+          <a:p>
+            <a:pPr algn="ctr"/>
+            <a:r>
+              <a:rPr lang="en-CA" sz="1600" b="1" dirty="0">
+                <a:latin typeface="Arial" panose="020B0604020202020204" pitchFamily="34" charset="0"/>
+                <a:cs typeface="Arial" panose="020B0604020202020204" pitchFamily="34" charset="0"/>
+              </a:rPr>
+              <a:t>Final Survival Model</a:t>
+            </a:r>
+          </a:p>
+        </p:txBody>
+      </p:sp>
+      <p:sp>
+        <p:nvSpPr>
+          <p:cNvPr id="90" name="Rectangle: Rounded Corners 89">
+            <a:extLst>
+              <a:ext uri="{FF2B5EF4-FFF2-40B4-BE49-F238E27FC236}">
+                <a16:creationId xmlns:a16="http://schemas.microsoft.com/office/drawing/2014/main" id="{154A4AAC-2E54-4DF9-86A3-DBD2CEF70949}"/>
+              </a:ext>
+            </a:extLst>
+          </p:cNvPr>
+          <p:cNvSpPr/>
+          <p:nvPr/>
+        </p:nvSpPr>
+        <p:spPr>
+          <a:xfrm>
+            <a:off x="869923" y="10388776"/>
+            <a:ext cx="2478858" cy="1214337"/>
+          </a:xfrm>
+          <a:prstGeom prst="roundRect">
+            <a:avLst/>
+          </a:prstGeom>
+          <a:solidFill>
+            <a:schemeClr val="accent1">
+              <a:lumMod val="20000"/>
+              <a:lumOff val="80000"/>
+            </a:schemeClr>
+          </a:solidFill>
+        </p:spPr>
+        <p:style>
+          <a:lnRef idx="2">
+            <a:schemeClr val="accent1">
+              <a:shade val="50000"/>
+            </a:schemeClr>
+          </a:lnRef>
+          <a:fillRef idx="1">
+            <a:schemeClr val="accent1"/>
+          </a:fillRef>
+          <a:effectRef idx="0">
+            <a:schemeClr val="accent1"/>
+          </a:effectRef>
+          <a:fontRef idx="minor">
+            <a:schemeClr val="lt1"/>
+          </a:fontRef>
+        </p:style>
+        <p:txBody>
+          <a:bodyPr rtlCol="0" anchor="ctr"/>
+          <a:lstStyle/>
+          <a:p>
+            <a:pPr algn="ctr"/>
+            <a:r>
+              <a:rPr lang="en-US" sz="1600" b="1" dirty="0">
+                <a:solidFill>
+                  <a:schemeClr val="tx1"/>
+                </a:solidFill>
+                <a:latin typeface="Arial" panose="020B0604020202020204" pitchFamily="34" charset="0"/>
+                <a:cs typeface="Arial" panose="020B0604020202020204" pitchFamily="34" charset="0"/>
+              </a:rPr>
+              <a:t>Radiomic Feature Computation and Training RSF Model</a:t>
+            </a:r>
+          </a:p>
+        </p:txBody>
+      </p:sp>
+      <p:cxnSp>
+        <p:nvCxnSpPr>
+          <p:cNvPr id="91" name="Straight Arrow Connector 90">
+            <a:extLst>
+              <a:ext uri="{FF2B5EF4-FFF2-40B4-BE49-F238E27FC236}">
+                <a16:creationId xmlns:a16="http://schemas.microsoft.com/office/drawing/2014/main" id="{7D04A010-A26E-41BB-9FCF-6E7181307430}"/>
+              </a:ext>
+            </a:extLst>
+          </p:cNvPr>
+          <p:cNvCxnSpPr>
+            <a:cxnSpLocks/>
+            <a:stCxn id="86" idx="3"/>
+            <a:endCxn id="90" idx="1"/>
+          </p:cNvCxnSpPr>
+          <p:nvPr/>
+        </p:nvCxnSpPr>
+        <p:spPr>
+          <a:xfrm flipV="1">
+            <a:off x="37953" y="10995945"/>
+            <a:ext cx="831970" cy="5100"/>
+          </a:xfrm>
+          <a:prstGeom prst="straightConnector1">
+            <a:avLst/>
+          </a:prstGeom>
+          <a:ln w="19050">
+            <a:solidFill>
+              <a:schemeClr val="accent1"/>
+            </a:solidFill>
+            <a:tailEnd type="triangle"/>
+          </a:ln>
+        </p:spPr>
+        <p:style>
+          <a:lnRef idx="1">
+            <a:schemeClr val="accent1"/>
+          </a:lnRef>
+          <a:fillRef idx="0">
+            <a:schemeClr val="accent1"/>
+          </a:fillRef>
+          <a:effectRef idx="0">
+            <a:schemeClr val="accent1"/>
+          </a:effectRef>
+          <a:fontRef idx="minor">
+            <a:schemeClr val="tx1"/>
+          </a:fontRef>
+        </p:style>
+      </p:cxnSp>
+      <p:cxnSp>
+        <p:nvCxnSpPr>
+          <p:cNvPr id="92" name="Straight Arrow Connector 91">
+            <a:extLst>
+              <a:ext uri="{FF2B5EF4-FFF2-40B4-BE49-F238E27FC236}">
+                <a16:creationId xmlns:a16="http://schemas.microsoft.com/office/drawing/2014/main" id="{3979A3F4-963F-42F9-9B73-683C0FB8CEC6}"/>
+              </a:ext>
+            </a:extLst>
+          </p:cNvPr>
+          <p:cNvCxnSpPr>
+            <a:cxnSpLocks/>
+            <a:stCxn id="90" idx="3"/>
+            <a:endCxn id="88" idx="1"/>
+          </p:cNvCxnSpPr>
+          <p:nvPr/>
+        </p:nvCxnSpPr>
+        <p:spPr>
+          <a:xfrm>
+            <a:off x="3348781" y="10995945"/>
+            <a:ext cx="815832" cy="0"/>
+          </a:xfrm>
+          <a:prstGeom prst="straightConnector1">
+            <a:avLst/>
+          </a:prstGeom>
+          <a:ln w="19050">
+            <a:solidFill>
+              <a:schemeClr val="accent1"/>
+            </a:solidFill>
+            <a:tailEnd type="triangle"/>
+          </a:ln>
+        </p:spPr>
+        <p:style>
+          <a:lnRef idx="1">
+            <a:schemeClr val="accent1"/>
+          </a:lnRef>
+          <a:fillRef idx="0">
+            <a:schemeClr val="accent1"/>
+          </a:fillRef>
+          <a:effectRef idx="0">
+            <a:schemeClr val="accent1"/>
+          </a:effectRef>
+          <a:fontRef idx="minor">
+            <a:schemeClr val="tx1"/>
+          </a:fontRef>
+        </p:style>
+      </p:cxnSp>
+      <p:sp>
+        <p:nvSpPr>
+          <p:cNvPr id="93" name="TextBox 92">
+            <a:extLst>
+              <a:ext uri="{FF2B5EF4-FFF2-40B4-BE49-F238E27FC236}">
+                <a16:creationId xmlns:a16="http://schemas.microsoft.com/office/drawing/2014/main" id="{E511EAF3-2663-4398-947A-02441613894B}"/>
+              </a:ext>
+            </a:extLst>
+          </p:cNvPr>
+          <p:cNvSpPr txBox="1"/>
+          <p:nvPr/>
+        </p:nvSpPr>
+        <p:spPr>
+          <a:xfrm>
+            <a:off x="-2205454" y="8590953"/>
+            <a:ext cx="662278" cy="584775"/>
+          </a:xfrm>
+          <a:prstGeom prst="rect">
+            <a:avLst/>
+          </a:prstGeom>
+          <a:noFill/>
+        </p:spPr>
+        <p:txBody>
+          <a:bodyPr wrap="square">
+            <a:spAutoFit/>
+          </a:bodyPr>
+          <a:lstStyle/>
+          <a:p>
+            <a:r>
+              <a:rPr lang="en-CA" sz="3200" b="1" dirty="0">
+                <a:latin typeface="Arial" panose="020B0604020202020204" pitchFamily="34" charset="0"/>
+                <a:cs typeface="Arial" panose="020B0604020202020204" pitchFamily="34" charset="0"/>
+              </a:rPr>
+              <a:t>A)</a:t>
+            </a:r>
+            <a:endParaRPr lang="en-US" sz="3200" dirty="0"/>
+          </a:p>
+        </p:txBody>
+      </p:sp>
     </p:spTree>
     <p:extLst>
       <p:ext uri="{BB962C8B-B14F-4D97-AF65-F5344CB8AC3E}">
@@ -9542,6 +12888,114 @@
                                   </p:childTnLst>
                                 </p:cTn>
                               </p:par>
+                              <p:par>
+                                <p:cTn id="9" presetID="1" presetClass="entr" presetSubtype="0" fill="hold" grpId="0" nodeType="withEffect">
+                                  <p:stCondLst>
+                                    <p:cond delay="0"/>
+                                  </p:stCondLst>
+                                  <p:childTnLst>
+                                    <p:set>
+                                      <p:cBhvr>
+                                        <p:cTn id="10" dur="1" fill="hold">
+                                          <p:stCondLst>
+                                            <p:cond delay="0"/>
+                                          </p:stCondLst>
+                                        </p:cTn>
+                                        <p:tgtEl>
+                                          <p:spTgt spid="85"/>
+                                        </p:tgtEl>
+                                        <p:attrNameLst>
+                                          <p:attrName>style.visibility</p:attrName>
+                                        </p:attrNameLst>
+                                      </p:cBhvr>
+                                      <p:to>
+                                        <p:strVal val="visible"/>
+                                      </p:to>
+                                    </p:set>
+                                  </p:childTnLst>
+                                </p:cTn>
+                              </p:par>
+                              <p:par>
+                                <p:cTn id="11" presetID="1" presetClass="entr" presetSubtype="0" fill="hold" grpId="0" nodeType="withEffect">
+                                  <p:stCondLst>
+                                    <p:cond delay="0"/>
+                                  </p:stCondLst>
+                                  <p:childTnLst>
+                                    <p:set>
+                                      <p:cBhvr>
+                                        <p:cTn id="12" dur="1" fill="hold">
+                                          <p:stCondLst>
+                                            <p:cond delay="0"/>
+                                          </p:stCondLst>
+                                        </p:cTn>
+                                        <p:tgtEl>
+                                          <p:spTgt spid="87"/>
+                                        </p:tgtEl>
+                                        <p:attrNameLst>
+                                          <p:attrName>style.visibility</p:attrName>
+                                        </p:attrNameLst>
+                                      </p:cBhvr>
+                                      <p:to>
+                                        <p:strVal val="visible"/>
+                                      </p:to>
+                                    </p:set>
+                                  </p:childTnLst>
+                                </p:cTn>
+                              </p:par>
+                              <p:par>
+                                <p:cTn id="13" presetID="1" presetClass="entr" presetSubtype="0" fill="hold" nodeType="withEffect">
+                                  <p:stCondLst>
+                                    <p:cond delay="0"/>
+                                  </p:stCondLst>
+                                  <p:childTnLst>
+                                    <p:set>
+                                      <p:cBhvr>
+                                        <p:cTn id="14" dur="1" fill="hold">
+                                          <p:stCondLst>
+                                            <p:cond delay="0"/>
+                                          </p:stCondLst>
+                                        </p:cTn>
+                                        <p:tgtEl>
+                                          <p:spTgt spid="88"/>
+                                        </p:tgtEl>
+                                        <p:attrNameLst>
+                                          <p:attrName>style.visibility</p:attrName>
+                                        </p:attrNameLst>
+                                      </p:cBhvr>
+                                      <p:to>
+                                        <p:strVal val="visible"/>
+                                      </p:to>
+                                    </p:set>
+                                  </p:childTnLst>
+                                </p:cTn>
+                              </p:par>
+                              <p:par>
+                                <p:cTn id="15" presetID="1" presetClass="entr" presetSubtype="0" fill="hold" grpId="0" nodeType="withEffect">
+                                  <p:stCondLst>
+                                    <p:cond delay="0"/>
+                                  </p:stCondLst>
+                                  <p:childTnLst>
+                                    <p:set>
+                                      <p:cBhvr>
+                                        <p:cTn id="16" dur="1" fill="hold">
+                                          <p:stCondLst>
+                                            <p:cond delay="0"/>
+                                          </p:stCondLst>
+                                        </p:cTn>
+                                        <p:tgtEl>
+                                          <p:spTgt spid="89"/>
+                                        </p:tgtEl>
+                                        <p:attrNameLst>
+                                          <p:attrName>style.visibility</p:attrName>
+                                        </p:attrNameLst>
+                                      </p:cBhvr>
+                                      <p:to>
+                                        <p:strVal val="visible"/>
+                                      </p:to>
+                                    </p:set>
+                                  </p:childTnLst>
+                                </p:cTn>
+                              </p:par>
                             </p:childTnLst>
                           </p:cTn>
                         </p:par>
@@ -9572,12 +13026,1822 @@
     <p:bldLst>
       <p:bldP spid="17" grpId="0"/>
       <p:bldP spid="235" grpId="0"/>
+      <p:bldP spid="85" grpId="0"/>
+      <p:bldP spid="87" grpId="0"/>
+      <p:bldP spid="89" grpId="0"/>
     </p:bldLst>
   </p:timing>
 </p:sld>
 </file>
 
-<file path=ppt/slides/slide4.xml><?xml version="1.0" encoding="utf-8"?>
+<file path=ppt/slides/slide5.xml><?xml version="1.0" encoding="utf-8"?>
+<p:sld xmlns:a="http://schemas.openxmlformats.org/drawingml/2006/main" xmlns:r="http://schemas.openxmlformats.org/officeDocument/2006/relationships" xmlns:p="http://schemas.openxmlformats.org/presentationml/2006/main">
+  <p:cSld>
+    <p:spTree>
+      <p:nvGrpSpPr>
+        <p:cNvPr id="1" name=""/>
+        <p:cNvGrpSpPr/>
+        <p:nvPr/>
+      </p:nvGrpSpPr>
+      <p:grpSpPr>
+        <a:xfrm>
+          <a:off x="0" y="0"/>
+          <a:ext cx="0" cy="0"/>
+          <a:chOff x="0" y="0"/>
+          <a:chExt cx="0" cy="0"/>
+        </a:xfrm>
+      </p:grpSpPr>
+      <p:pic>
+        <p:nvPicPr>
+          <p:cNvPr id="6" name="Picture 5">
+            <a:extLst>
+              <a:ext uri="{FF2B5EF4-FFF2-40B4-BE49-F238E27FC236}">
+                <a16:creationId xmlns:a16="http://schemas.microsoft.com/office/drawing/2014/main" id="{CA79F200-6B23-8AF2-C29D-89591F135C59}"/>
+              </a:ext>
+            </a:extLst>
+          </p:cNvPr>
+          <p:cNvPicPr>
+            <a:picLocks noChangeAspect="1"/>
+          </p:cNvPicPr>
+          <p:nvPr/>
+        </p:nvPicPr>
+        <p:blipFill>
+          <a:blip r:embed="rId2"/>
+          <a:stretch>
+            <a:fillRect/>
+          </a:stretch>
+        </p:blipFill>
+        <p:spPr>
+          <a:xfrm>
+            <a:off x="6880122" y="5330937"/>
+            <a:ext cx="4664178" cy="3309045"/>
+          </a:xfrm>
+          <a:prstGeom prst="rect">
+            <a:avLst/>
+          </a:prstGeom>
+        </p:spPr>
+      </p:pic>
+      <p:pic>
+        <p:nvPicPr>
+          <p:cNvPr id="14" name="Picture 13">
+            <a:extLst>
+              <a:ext uri="{FF2B5EF4-FFF2-40B4-BE49-F238E27FC236}">
+                <a16:creationId xmlns:a16="http://schemas.microsoft.com/office/drawing/2014/main" id="{15F51A37-1761-6F5C-8E0E-A39500999154}"/>
+              </a:ext>
+            </a:extLst>
+          </p:cNvPr>
+          <p:cNvPicPr>
+            <a:picLocks noChangeAspect="1"/>
+          </p:cNvPicPr>
+          <p:nvPr/>
+        </p:nvPicPr>
+        <p:blipFill>
+          <a:blip r:embed="rId3"/>
+          <a:stretch>
+            <a:fillRect/>
+          </a:stretch>
+        </p:blipFill>
+        <p:spPr>
+          <a:xfrm>
+            <a:off x="12129063" y="4204204"/>
+            <a:ext cx="4301016" cy="1355853"/>
+          </a:xfrm>
+          <a:prstGeom prst="rect">
+            <a:avLst/>
+          </a:prstGeom>
+        </p:spPr>
+      </p:pic>
+      <p:pic>
+        <p:nvPicPr>
+          <p:cNvPr id="18" name="Picture 17">
+            <a:extLst>
+              <a:ext uri="{FF2B5EF4-FFF2-40B4-BE49-F238E27FC236}">
+                <a16:creationId xmlns:a16="http://schemas.microsoft.com/office/drawing/2014/main" id="{D54A4C78-6297-773C-5C61-1F9CEFDE3AD1}"/>
+              </a:ext>
+            </a:extLst>
+          </p:cNvPr>
+          <p:cNvPicPr>
+            <a:picLocks noChangeAspect="1"/>
+          </p:cNvPicPr>
+          <p:nvPr/>
+        </p:nvPicPr>
+        <p:blipFill>
+          <a:blip r:embed="rId4"/>
+          <a:stretch>
+            <a:fillRect/>
+          </a:stretch>
+        </p:blipFill>
+        <p:spPr>
+          <a:xfrm>
+            <a:off x="12418373" y="5997975"/>
+            <a:ext cx="3722396" cy="1462369"/>
+          </a:xfrm>
+          <a:prstGeom prst="rect">
+            <a:avLst/>
+          </a:prstGeom>
+        </p:spPr>
+      </p:pic>
+      <p:pic>
+        <p:nvPicPr>
+          <p:cNvPr id="20" name="Picture 19">
+            <a:extLst>
+              <a:ext uri="{FF2B5EF4-FFF2-40B4-BE49-F238E27FC236}">
+                <a16:creationId xmlns:a16="http://schemas.microsoft.com/office/drawing/2014/main" id="{8AA24EA9-0744-C03F-6C2E-FDBDB5D0A54F}"/>
+              </a:ext>
+            </a:extLst>
+          </p:cNvPr>
+          <p:cNvPicPr>
+            <a:picLocks noChangeAspect="1"/>
+          </p:cNvPicPr>
+          <p:nvPr/>
+        </p:nvPicPr>
+        <p:blipFill>
+          <a:blip r:embed="rId5"/>
+          <a:stretch>
+            <a:fillRect/>
+          </a:stretch>
+        </p:blipFill>
+        <p:spPr>
+          <a:xfrm>
+            <a:off x="12387105" y="7942560"/>
+            <a:ext cx="4408652" cy="1035277"/>
+          </a:xfrm>
+          <a:prstGeom prst="rect">
+            <a:avLst/>
+          </a:prstGeom>
+        </p:spPr>
+      </p:pic>
+      <p:sp>
+        <p:nvSpPr>
+          <p:cNvPr id="22" name="TextBox 21">
+            <a:extLst>
+              <a:ext uri="{FF2B5EF4-FFF2-40B4-BE49-F238E27FC236}">
+                <a16:creationId xmlns:a16="http://schemas.microsoft.com/office/drawing/2014/main" id="{C912E81E-DFDE-80D0-36E8-38B581C385B9}"/>
+              </a:ext>
+            </a:extLst>
+          </p:cNvPr>
+          <p:cNvSpPr txBox="1"/>
+          <p:nvPr/>
+        </p:nvSpPr>
+        <p:spPr>
+          <a:xfrm>
+            <a:off x="16088851" y="4110791"/>
+            <a:ext cx="6645325" cy="2062103"/>
+          </a:xfrm>
+          <a:prstGeom prst="rect">
+            <a:avLst/>
+          </a:prstGeom>
+          <a:noFill/>
+        </p:spPr>
+        <p:txBody>
+          <a:bodyPr wrap="square">
+            <a:spAutoFit/>
+          </a:bodyPr>
+          <a:lstStyle/>
+          <a:p>
+            <a:pPr algn="ctr"/>
+            <a:r>
+              <a:rPr lang="en-US" sz="3200" b="1" dirty="0">
+                <a:solidFill>
+                  <a:schemeClr val="bg2">
+                    <a:lumMod val="25000"/>
+                  </a:schemeClr>
+                </a:solidFill>
+                <a:latin typeface="Arial" panose="020B0604020202020204" pitchFamily="34" charset="0"/>
+                <a:cs typeface="Arial" panose="020B0604020202020204" pitchFamily="34" charset="0"/>
+              </a:rPr>
+              <a:t>Neighboring Gray Tone Difference Matrix Strength:</a:t>
+            </a:r>
+          </a:p>
+          <a:p>
+            <a:pPr algn="ctr"/>
+            <a:r>
+              <a:rPr lang="en-US" sz="3200" dirty="0">
+                <a:solidFill>
+                  <a:schemeClr val="bg2">
+                    <a:lumMod val="25000"/>
+                  </a:schemeClr>
+                </a:solidFill>
+                <a:latin typeface="Arial" panose="020B0604020202020204" pitchFamily="34" charset="0"/>
+                <a:cs typeface="Arial" panose="020B0604020202020204" pitchFamily="34" charset="0"/>
+              </a:rPr>
+              <a:t>0.0271</a:t>
+            </a:r>
+          </a:p>
+          <a:p>
+            <a:pPr algn="ctr"/>
+            <a:endParaRPr lang="en-US" sz="3200" dirty="0">
+              <a:solidFill>
+                <a:schemeClr val="bg2">
+                  <a:lumMod val="25000"/>
+                </a:schemeClr>
+              </a:solidFill>
+              <a:latin typeface="Arial" panose="020B0604020202020204" pitchFamily="34" charset="0"/>
+              <a:cs typeface="Arial" panose="020B0604020202020204" pitchFamily="34" charset="0"/>
+            </a:endParaRPr>
+          </a:p>
+        </p:txBody>
+      </p:sp>
+      <p:cxnSp>
+        <p:nvCxnSpPr>
+          <p:cNvPr id="25" name="Straight Arrow Connector 24">
+            <a:extLst>
+              <a:ext uri="{FF2B5EF4-FFF2-40B4-BE49-F238E27FC236}">
+                <a16:creationId xmlns:a16="http://schemas.microsoft.com/office/drawing/2014/main" id="{B19B235E-86DF-0451-38A4-6E1C937344F2}"/>
+              </a:ext>
+            </a:extLst>
+          </p:cNvPr>
+          <p:cNvCxnSpPr>
+            <a:cxnSpLocks/>
+          </p:cNvCxnSpPr>
+          <p:nvPr/>
+        </p:nvCxnSpPr>
+        <p:spPr>
+          <a:xfrm flipV="1">
+            <a:off x="8696485" y="4852900"/>
+            <a:ext cx="3464789" cy="1822069"/>
+          </a:xfrm>
+          <a:prstGeom prst="straightConnector1">
+            <a:avLst/>
+          </a:prstGeom>
+          <a:ln w="28575">
+            <a:solidFill>
+              <a:srgbClr val="C00000"/>
+            </a:solidFill>
+            <a:tailEnd type="triangle"/>
+          </a:ln>
+        </p:spPr>
+        <p:style>
+          <a:lnRef idx="1">
+            <a:schemeClr val="accent1"/>
+          </a:lnRef>
+          <a:fillRef idx="0">
+            <a:schemeClr val="accent1"/>
+          </a:fillRef>
+          <a:effectRef idx="0">
+            <a:schemeClr val="accent1"/>
+          </a:effectRef>
+          <a:fontRef idx="minor">
+            <a:schemeClr val="tx1"/>
+          </a:fontRef>
+        </p:style>
+      </p:cxnSp>
+      <p:cxnSp>
+        <p:nvCxnSpPr>
+          <p:cNvPr id="27" name="Straight Arrow Connector 26">
+            <a:extLst>
+              <a:ext uri="{FF2B5EF4-FFF2-40B4-BE49-F238E27FC236}">
+                <a16:creationId xmlns:a16="http://schemas.microsoft.com/office/drawing/2014/main" id="{6AD68CA2-145B-80D8-B527-A1024278A69F}"/>
+              </a:ext>
+            </a:extLst>
+          </p:cNvPr>
+          <p:cNvCxnSpPr>
+            <a:cxnSpLocks/>
+          </p:cNvCxnSpPr>
+          <p:nvPr/>
+        </p:nvCxnSpPr>
+        <p:spPr>
+          <a:xfrm>
+            <a:off x="8696485" y="6674969"/>
+            <a:ext cx="3464789" cy="0"/>
+          </a:xfrm>
+          <a:prstGeom prst="straightConnector1">
+            <a:avLst/>
+          </a:prstGeom>
+          <a:ln w="28575">
+            <a:solidFill>
+              <a:srgbClr val="C00000"/>
+            </a:solidFill>
+            <a:tailEnd type="triangle"/>
+          </a:ln>
+        </p:spPr>
+        <p:style>
+          <a:lnRef idx="1">
+            <a:schemeClr val="accent1"/>
+          </a:lnRef>
+          <a:fillRef idx="0">
+            <a:schemeClr val="accent1"/>
+          </a:fillRef>
+          <a:effectRef idx="0">
+            <a:schemeClr val="accent1"/>
+          </a:effectRef>
+          <a:fontRef idx="minor">
+            <a:schemeClr val="tx1"/>
+          </a:fontRef>
+        </p:style>
+      </p:cxnSp>
+      <p:sp>
+        <p:nvSpPr>
+          <p:cNvPr id="30" name="TextBox 29">
+            <a:extLst>
+              <a:ext uri="{FF2B5EF4-FFF2-40B4-BE49-F238E27FC236}">
+                <a16:creationId xmlns:a16="http://schemas.microsoft.com/office/drawing/2014/main" id="{BE3D8F38-DE30-6A78-D71F-648EB86449E6}"/>
+              </a:ext>
+            </a:extLst>
+          </p:cNvPr>
+          <p:cNvSpPr txBox="1"/>
+          <p:nvPr/>
+        </p:nvSpPr>
+        <p:spPr>
+          <a:xfrm>
+            <a:off x="16088851" y="6125326"/>
+            <a:ext cx="6645325" cy="1138773"/>
+          </a:xfrm>
+          <a:prstGeom prst="rect">
+            <a:avLst/>
+          </a:prstGeom>
+          <a:noFill/>
+        </p:spPr>
+        <p:txBody>
+          <a:bodyPr wrap="square">
+            <a:spAutoFit/>
+          </a:bodyPr>
+          <a:lstStyle/>
+          <a:p>
+            <a:pPr algn="ctr"/>
+            <a:r>
+              <a:rPr lang="en-US" sz="3600" b="1" dirty="0">
+                <a:solidFill>
+                  <a:schemeClr val="bg2">
+                    <a:lumMod val="25000"/>
+                  </a:schemeClr>
+                </a:solidFill>
+                <a:latin typeface="Arial" panose="020B0604020202020204" pitchFamily="34" charset="0"/>
+                <a:cs typeface="Arial" panose="020B0604020202020204" pitchFamily="34" charset="0"/>
+              </a:rPr>
+              <a:t>Skewness:</a:t>
+            </a:r>
+          </a:p>
+          <a:p>
+            <a:pPr algn="ctr"/>
+            <a:r>
+              <a:rPr lang="en-US" sz="3200" dirty="0">
+                <a:solidFill>
+                  <a:schemeClr val="bg2">
+                    <a:lumMod val="25000"/>
+                  </a:schemeClr>
+                </a:solidFill>
+                <a:latin typeface="Arial" panose="020B0604020202020204" pitchFamily="34" charset="0"/>
+                <a:cs typeface="Arial" panose="020B0604020202020204" pitchFamily="34" charset="0"/>
+              </a:rPr>
+              <a:t>198.6652</a:t>
+            </a:r>
+            <a:endParaRPr lang="en-US" sz="3600" dirty="0">
+              <a:solidFill>
+                <a:schemeClr val="bg2">
+                  <a:lumMod val="25000"/>
+                </a:schemeClr>
+              </a:solidFill>
+              <a:latin typeface="Arial" panose="020B0604020202020204" pitchFamily="34" charset="0"/>
+              <a:cs typeface="Arial" panose="020B0604020202020204" pitchFamily="34" charset="0"/>
+            </a:endParaRPr>
+          </a:p>
+        </p:txBody>
+      </p:sp>
+      <p:cxnSp>
+        <p:nvCxnSpPr>
+          <p:cNvPr id="31" name="Straight Arrow Connector 30">
+            <a:extLst>
+              <a:ext uri="{FF2B5EF4-FFF2-40B4-BE49-F238E27FC236}">
+                <a16:creationId xmlns:a16="http://schemas.microsoft.com/office/drawing/2014/main" id="{4B271788-028A-0DFA-44F7-52CC603D8088}"/>
+              </a:ext>
+            </a:extLst>
+          </p:cNvPr>
+          <p:cNvCxnSpPr>
+            <a:cxnSpLocks/>
+          </p:cNvCxnSpPr>
+          <p:nvPr/>
+        </p:nvCxnSpPr>
+        <p:spPr>
+          <a:xfrm>
+            <a:off x="8696485" y="6651986"/>
+            <a:ext cx="3405513" cy="1998963"/>
+          </a:xfrm>
+          <a:prstGeom prst="straightConnector1">
+            <a:avLst/>
+          </a:prstGeom>
+          <a:ln w="28575">
+            <a:solidFill>
+              <a:srgbClr val="C00000"/>
+            </a:solidFill>
+            <a:tailEnd type="triangle"/>
+          </a:ln>
+        </p:spPr>
+        <p:style>
+          <a:lnRef idx="1">
+            <a:schemeClr val="accent1"/>
+          </a:lnRef>
+          <a:fillRef idx="0">
+            <a:schemeClr val="accent1"/>
+          </a:fillRef>
+          <a:effectRef idx="0">
+            <a:schemeClr val="accent1"/>
+          </a:effectRef>
+          <a:fontRef idx="minor">
+            <a:schemeClr val="tx1"/>
+          </a:fontRef>
+        </p:style>
+      </p:cxnSp>
+      <p:sp>
+        <p:nvSpPr>
+          <p:cNvPr id="37" name="TextBox 36">
+            <a:extLst>
+              <a:ext uri="{FF2B5EF4-FFF2-40B4-BE49-F238E27FC236}">
+                <a16:creationId xmlns:a16="http://schemas.microsoft.com/office/drawing/2014/main" id="{7B9146AD-A109-0275-23F2-CFBACA8636E3}"/>
+              </a:ext>
+            </a:extLst>
+          </p:cNvPr>
+          <p:cNvSpPr txBox="1"/>
+          <p:nvPr/>
+        </p:nvSpPr>
+        <p:spPr>
+          <a:xfrm>
+            <a:off x="16212675" y="7692182"/>
+            <a:ext cx="6397675" cy="1569660"/>
+          </a:xfrm>
+          <a:prstGeom prst="rect">
+            <a:avLst/>
+          </a:prstGeom>
+          <a:noFill/>
+        </p:spPr>
+        <p:txBody>
+          <a:bodyPr wrap="square">
+            <a:spAutoFit/>
+          </a:bodyPr>
+          <a:lstStyle/>
+          <a:p>
+            <a:pPr algn="ctr"/>
+            <a:r>
+              <a:rPr lang="en-US" sz="3200" b="1" dirty="0">
+                <a:solidFill>
+                  <a:schemeClr val="bg2">
+                    <a:lumMod val="25000"/>
+                  </a:schemeClr>
+                </a:solidFill>
+                <a:latin typeface="Arial" panose="020B0604020202020204" pitchFamily="34" charset="0"/>
+                <a:cs typeface="Arial" panose="020B0604020202020204" pitchFamily="34" charset="0"/>
+              </a:rPr>
+              <a:t>Gray Level Co-occurrence Matrix Cluster Shade:</a:t>
+            </a:r>
+          </a:p>
+          <a:p>
+            <a:pPr algn="ctr"/>
+            <a:r>
+              <a:rPr lang="en-US" sz="3200" dirty="0">
+                <a:solidFill>
+                  <a:schemeClr val="bg2">
+                    <a:lumMod val="25000"/>
+                  </a:schemeClr>
+                </a:solidFill>
+                <a:latin typeface="Arial" panose="020B0604020202020204" pitchFamily="34" charset="0"/>
+                <a:cs typeface="Arial" panose="020B0604020202020204" pitchFamily="34" charset="0"/>
+              </a:rPr>
+              <a:t>-955.8940</a:t>
+            </a:r>
+          </a:p>
+        </p:txBody>
+      </p:sp>
+      <p:graphicFrame>
+        <p:nvGraphicFramePr>
+          <p:cNvPr id="39" name="Table 39">
+            <a:extLst>
+              <a:ext uri="{FF2B5EF4-FFF2-40B4-BE49-F238E27FC236}">
+                <a16:creationId xmlns:a16="http://schemas.microsoft.com/office/drawing/2014/main" id="{8A02184E-8CC1-F595-758D-2B96CC276F9A}"/>
+              </a:ext>
+            </a:extLst>
+          </p:cNvPr>
+          <p:cNvGraphicFramePr>
+            <a:graphicFrameLocks noGrp="1"/>
+          </p:cNvGraphicFramePr>
+          <p:nvPr>
+            <p:extLst>
+              <p:ext uri="{D42A27DB-BD31-4B8C-83A1-F6EECF244321}">
+                <p14:modId xmlns:p14="http://schemas.microsoft.com/office/powerpoint/2010/main" val="475348826"/>
+              </p:ext>
+            </p:extLst>
+          </p:nvPr>
+        </p:nvGraphicFramePr>
+        <p:xfrm>
+          <a:off x="6918223" y="9225183"/>
+          <a:ext cx="9768488" cy="1280160"/>
+        </p:xfrm>
+        <a:graphic>
+          <a:graphicData uri="http://schemas.openxmlformats.org/drawingml/2006/table">
+            <a:tbl>
+              <a:tblPr firstRow="1" bandRow="1">
+                <a:tableStyleId>{5C22544A-7EE6-4342-B048-85BDC9FD1C3A}</a:tableStyleId>
+              </a:tblPr>
+              <a:tblGrid>
+                <a:gridCol w="4884244">
+                  <a:extLst>
+                    <a:ext uri="{9D8B030D-6E8A-4147-A177-3AD203B41FA5}">
+                      <a16:colId xmlns:a16="http://schemas.microsoft.com/office/drawing/2014/main" val="2207775879"/>
+                    </a:ext>
+                  </a:extLst>
+                </a:gridCol>
+                <a:gridCol w="4884244">
+                  <a:extLst>
+                    <a:ext uri="{9D8B030D-6E8A-4147-A177-3AD203B41FA5}">
+                      <a16:colId xmlns:a16="http://schemas.microsoft.com/office/drawing/2014/main" val="4103952302"/>
+                    </a:ext>
+                  </a:extLst>
+                </a:gridCol>
+              </a:tblGrid>
+              <a:tr h="552814">
+                <a:tc>
+                  <a:txBody>
+                    <a:bodyPr/>
+                    <a:lstStyle/>
+                    <a:p>
+                      <a:pPr algn="ctr"/>
+                      <a:r>
+                        <a:rPr lang="en-US" sz="3600" dirty="0">
+                          <a:solidFill>
+                            <a:schemeClr val="bg2">
+                              <a:lumMod val="25000"/>
+                            </a:schemeClr>
+                          </a:solidFill>
+                          <a:latin typeface="Arial" panose="020B0604020202020204" pitchFamily="34" charset="0"/>
+                          <a:cs typeface="Arial" panose="020B0604020202020204" pitchFamily="34" charset="0"/>
+                        </a:rPr>
+                        <a:t>Outcome:</a:t>
+                      </a:r>
+                    </a:p>
+                  </a:txBody>
+                  <a:tcPr>
+                    <a:lnL w="12700" cmpd="sng">
+                      <a:noFill/>
+                    </a:lnL>
+                    <a:lnR w="12700" cmpd="sng">
+                      <a:noFill/>
+                    </a:lnR>
+                    <a:lnT w="12700" cmpd="sng">
+                      <a:noFill/>
+                    </a:lnT>
+                    <a:lnB w="38100" cmpd="sng">
+                      <a:noFill/>
+                    </a:lnB>
+                    <a:lnTlToBr w="12700" cmpd="sng">
+                      <a:noFill/>
+                      <a:prstDash val="solid"/>
+                    </a:lnTlToBr>
+                    <a:lnBlToTr w="12700" cmpd="sng">
+                      <a:noFill/>
+                      <a:prstDash val="solid"/>
+                    </a:lnBlToTr>
+                    <a:noFill/>
+                  </a:tcPr>
+                </a:tc>
+                <a:tc>
+                  <a:txBody>
+                    <a:bodyPr/>
+                    <a:lstStyle/>
+                    <a:p>
+                      <a:pPr algn="ctr"/>
+                      <a:r>
+                        <a:rPr lang="en-US" sz="3600" dirty="0">
+                          <a:solidFill>
+                            <a:schemeClr val="bg2">
+                              <a:lumMod val="25000"/>
+                            </a:schemeClr>
+                          </a:solidFill>
+                          <a:latin typeface="Arial" panose="020B0604020202020204" pitchFamily="34" charset="0"/>
+                          <a:cs typeface="Arial" panose="020B0604020202020204" pitchFamily="34" charset="0"/>
+                        </a:rPr>
+                        <a:t>Time-To-Event:</a:t>
+                      </a:r>
+                    </a:p>
+                  </a:txBody>
+                  <a:tcPr>
+                    <a:lnL w="12700" cmpd="sng">
+                      <a:noFill/>
+                    </a:lnL>
+                    <a:lnR w="12700" cmpd="sng">
+                      <a:noFill/>
+                    </a:lnR>
+                    <a:lnT w="12700" cmpd="sng">
+                      <a:noFill/>
+                    </a:lnT>
+                    <a:lnB w="38100" cmpd="sng">
+                      <a:noFill/>
+                    </a:lnB>
+                    <a:lnTlToBr w="12700" cmpd="sng">
+                      <a:noFill/>
+                      <a:prstDash val="solid"/>
+                    </a:lnTlToBr>
+                    <a:lnBlToTr w="12700" cmpd="sng">
+                      <a:noFill/>
+                      <a:prstDash val="solid"/>
+                    </a:lnBlToTr>
+                    <a:noFill/>
+                  </a:tcPr>
+                </a:tc>
+                <a:extLst>
+                  <a:ext uri="{0D108BD9-81ED-4DB2-BD59-A6C34878D82A}">
+                    <a16:rowId xmlns:a16="http://schemas.microsoft.com/office/drawing/2014/main" val="2924216372"/>
+                  </a:ext>
+                </a:extLst>
+              </a:tr>
+              <a:tr h="370840">
+                <a:tc>
+                  <a:txBody>
+                    <a:bodyPr/>
+                    <a:lstStyle/>
+                    <a:p>
+                      <a:pPr algn="ctr"/>
+                      <a:r>
+                        <a:rPr lang="en-US" sz="3600" dirty="0">
+                          <a:solidFill>
+                            <a:schemeClr val="bg2">
+                              <a:lumMod val="25000"/>
+                            </a:schemeClr>
+                          </a:solidFill>
+                          <a:latin typeface="Arial" panose="020B0604020202020204" pitchFamily="34" charset="0"/>
+                          <a:cs typeface="Arial" panose="020B0604020202020204" pitchFamily="34" charset="0"/>
+                        </a:rPr>
+                        <a:t>Local Progression</a:t>
+                      </a:r>
+                    </a:p>
+                  </a:txBody>
+                  <a:tcPr>
+                    <a:lnL w="12700" cmpd="sng">
+                      <a:noFill/>
+                    </a:lnL>
+                    <a:lnR w="12700" cmpd="sng">
+                      <a:noFill/>
+                    </a:lnR>
+                    <a:lnT w="38100" cmpd="sng">
+                      <a:noFill/>
+                    </a:lnT>
+                    <a:lnB w="12700" cmpd="sng">
+                      <a:noFill/>
+                    </a:lnB>
+                    <a:lnTlToBr w="12700" cmpd="sng">
+                      <a:noFill/>
+                      <a:prstDash val="solid"/>
+                    </a:lnTlToBr>
+                    <a:lnBlToTr w="12700" cmpd="sng">
+                      <a:noFill/>
+                      <a:prstDash val="solid"/>
+                    </a:lnBlToTr>
+                    <a:noFill/>
+                  </a:tcPr>
+                </a:tc>
+                <a:tc>
+                  <a:txBody>
+                    <a:bodyPr/>
+                    <a:lstStyle/>
+                    <a:p>
+                      <a:pPr algn="ctr"/>
+                      <a:r>
+                        <a:rPr lang="en-US" sz="3600" dirty="0">
+                          <a:solidFill>
+                            <a:schemeClr val="bg2">
+                              <a:lumMod val="25000"/>
+                            </a:schemeClr>
+                          </a:solidFill>
+                          <a:latin typeface="Arial" panose="020B0604020202020204" pitchFamily="34" charset="0"/>
+                          <a:cs typeface="Arial" panose="020B0604020202020204" pitchFamily="34" charset="0"/>
+                        </a:rPr>
+                        <a:t>8.3 Months</a:t>
+                      </a:r>
+                    </a:p>
+                  </a:txBody>
+                  <a:tcPr>
+                    <a:lnL w="12700" cmpd="sng">
+                      <a:noFill/>
+                    </a:lnL>
+                    <a:lnR w="12700" cmpd="sng">
+                      <a:noFill/>
+                    </a:lnR>
+                    <a:lnT w="38100" cmpd="sng">
+                      <a:noFill/>
+                    </a:lnT>
+                    <a:lnB w="12700" cmpd="sng">
+                      <a:noFill/>
+                    </a:lnB>
+                    <a:lnTlToBr w="12700" cmpd="sng">
+                      <a:noFill/>
+                      <a:prstDash val="solid"/>
+                    </a:lnTlToBr>
+                    <a:lnBlToTr w="12700" cmpd="sng">
+                      <a:noFill/>
+                      <a:prstDash val="solid"/>
+                    </a:lnBlToTr>
+                    <a:noFill/>
+                  </a:tcPr>
+                </a:tc>
+                <a:extLst>
+                  <a:ext uri="{0D108BD9-81ED-4DB2-BD59-A6C34878D82A}">
+                    <a16:rowId xmlns:a16="http://schemas.microsoft.com/office/drawing/2014/main" val="454612014"/>
+                  </a:ext>
+                </a:extLst>
+              </a:tr>
+            </a:tbl>
+          </a:graphicData>
+        </a:graphic>
+      </p:graphicFrame>
+      <p:graphicFrame>
+        <p:nvGraphicFramePr>
+          <p:cNvPr id="42" name="Table 39">
+            <a:extLst>
+              <a:ext uri="{FF2B5EF4-FFF2-40B4-BE49-F238E27FC236}">
+                <a16:creationId xmlns:a16="http://schemas.microsoft.com/office/drawing/2014/main" id="{1A89F935-0971-0C66-3CE6-2F41B13B644E}"/>
+              </a:ext>
+            </a:extLst>
+          </p:cNvPr>
+          <p:cNvGraphicFramePr>
+            <a:graphicFrameLocks noGrp="1"/>
+          </p:cNvGraphicFramePr>
+          <p:nvPr>
+            <p:extLst>
+              <p:ext uri="{D42A27DB-BD31-4B8C-83A1-F6EECF244321}">
+                <p14:modId xmlns:p14="http://schemas.microsoft.com/office/powerpoint/2010/main" val="2646116297"/>
+              </p:ext>
+            </p:extLst>
+          </p:nvPr>
+        </p:nvGraphicFramePr>
+        <p:xfrm>
+          <a:off x="843988" y="4154421"/>
+          <a:ext cx="11199426" cy="1828800"/>
+        </p:xfrm>
+        <a:graphic>
+          <a:graphicData uri="http://schemas.openxmlformats.org/drawingml/2006/table">
+            <a:tbl>
+              <a:tblPr firstRow="1" bandRow="1">
+                <a:tableStyleId>{5C22544A-7EE6-4342-B048-85BDC9FD1C3A}</a:tableStyleId>
+              </a:tblPr>
+              <a:tblGrid>
+                <a:gridCol w="5599713">
+                  <a:extLst>
+                    <a:ext uri="{9D8B030D-6E8A-4147-A177-3AD203B41FA5}">
+                      <a16:colId xmlns:a16="http://schemas.microsoft.com/office/drawing/2014/main" val="2207775879"/>
+                    </a:ext>
+                  </a:extLst>
+                </a:gridCol>
+                <a:gridCol w="5599713">
+                  <a:extLst>
+                    <a:ext uri="{9D8B030D-6E8A-4147-A177-3AD203B41FA5}">
+                      <a16:colId xmlns:a16="http://schemas.microsoft.com/office/drawing/2014/main" val="4103952302"/>
+                    </a:ext>
+                  </a:extLst>
+                </a:gridCol>
+              </a:tblGrid>
+              <a:tr h="552814">
+                <a:tc>
+                  <a:txBody>
+                    <a:bodyPr/>
+                    <a:lstStyle/>
+                    <a:p>
+                      <a:pPr algn="ctr"/>
+                      <a:endParaRPr lang="en-US" sz="3600" dirty="0">
+                        <a:solidFill>
+                          <a:schemeClr val="bg2">
+                            <a:lumMod val="25000"/>
+                          </a:schemeClr>
+                        </a:solidFill>
+                        <a:latin typeface="Arial" panose="020B0604020202020204" pitchFamily="34" charset="0"/>
+                        <a:cs typeface="Arial" panose="020B0604020202020204" pitchFamily="34" charset="0"/>
+                      </a:endParaRPr>
+                    </a:p>
+                  </a:txBody>
+                  <a:tcPr>
+                    <a:lnL w="12700" cmpd="sng">
+                      <a:noFill/>
+                    </a:lnL>
+                    <a:lnR w="12700" cmpd="sng">
+                      <a:noFill/>
+                    </a:lnR>
+                    <a:lnT w="12700" cmpd="sng">
+                      <a:noFill/>
+                    </a:lnT>
+                    <a:lnB w="38100" cmpd="sng">
+                      <a:noFill/>
+                    </a:lnB>
+                    <a:lnTlToBr w="12700" cmpd="sng">
+                      <a:noFill/>
+                      <a:prstDash val="solid"/>
+                    </a:lnTlToBr>
+                    <a:lnBlToTr w="12700" cmpd="sng">
+                      <a:noFill/>
+                      <a:prstDash val="solid"/>
+                    </a:lnBlToTr>
+                    <a:noFill/>
+                  </a:tcPr>
+                </a:tc>
+                <a:tc>
+                  <a:txBody>
+                    <a:bodyPr/>
+                    <a:lstStyle/>
+                    <a:p>
+                      <a:pPr algn="ctr"/>
+                      <a:r>
+                        <a:rPr lang="en-US" sz="3600" dirty="0">
+                          <a:solidFill>
+                            <a:schemeClr val="bg2">
+                              <a:lumMod val="25000"/>
+                            </a:schemeClr>
+                          </a:solidFill>
+                          <a:latin typeface="Arial" panose="020B0604020202020204" pitchFamily="34" charset="0"/>
+                          <a:cs typeface="Arial" panose="020B0604020202020204" pitchFamily="34" charset="0"/>
+                        </a:rPr>
+                        <a:t>Liver CT and </a:t>
+                      </a:r>
+                    </a:p>
+                    <a:p>
+                      <a:pPr algn="ctr"/>
+                      <a:r>
+                        <a:rPr lang="en-US" sz="3600" dirty="0">
+                          <a:solidFill>
+                            <a:schemeClr val="bg2">
+                              <a:lumMod val="25000"/>
+                            </a:schemeClr>
+                          </a:solidFill>
+                          <a:latin typeface="Arial" panose="020B0604020202020204" pitchFamily="34" charset="0"/>
+                          <a:cs typeface="Arial" panose="020B0604020202020204" pitchFamily="34" charset="0"/>
+                        </a:rPr>
+                        <a:t>Segmented Tumor</a:t>
+                      </a:r>
+                    </a:p>
+                  </a:txBody>
+                  <a:tcPr>
+                    <a:lnL w="12700" cmpd="sng">
+                      <a:noFill/>
+                    </a:lnL>
+                    <a:lnR w="12700" cmpd="sng">
+                      <a:noFill/>
+                    </a:lnR>
+                    <a:lnT w="12700" cmpd="sng">
+                      <a:noFill/>
+                    </a:lnT>
+                    <a:lnB w="38100" cmpd="sng">
+                      <a:noFill/>
+                    </a:lnB>
+                    <a:lnTlToBr w="12700" cmpd="sng">
+                      <a:noFill/>
+                      <a:prstDash val="solid"/>
+                    </a:lnTlToBr>
+                    <a:lnBlToTr w="12700" cmpd="sng">
+                      <a:noFill/>
+                      <a:prstDash val="solid"/>
+                    </a:lnBlToTr>
+                    <a:noFill/>
+                  </a:tcPr>
+                </a:tc>
+                <a:extLst>
+                  <a:ext uri="{0D108BD9-81ED-4DB2-BD59-A6C34878D82A}">
+                    <a16:rowId xmlns:a16="http://schemas.microsoft.com/office/drawing/2014/main" val="2924216372"/>
+                  </a:ext>
+                </a:extLst>
+              </a:tr>
+              <a:tr h="370840">
+                <a:tc>
+                  <a:txBody>
+                    <a:bodyPr/>
+                    <a:lstStyle/>
+                    <a:p>
+                      <a:pPr algn="ctr"/>
+                      <a:endParaRPr lang="en-US" sz="3600" dirty="0">
+                        <a:solidFill>
+                          <a:schemeClr val="bg2">
+                            <a:lumMod val="25000"/>
+                          </a:schemeClr>
+                        </a:solidFill>
+                        <a:latin typeface="Arial" panose="020B0604020202020204" pitchFamily="34" charset="0"/>
+                        <a:cs typeface="Arial" panose="020B0604020202020204" pitchFamily="34" charset="0"/>
+                      </a:endParaRPr>
+                    </a:p>
+                  </a:txBody>
+                  <a:tcPr>
+                    <a:lnL w="12700" cmpd="sng">
+                      <a:noFill/>
+                    </a:lnL>
+                    <a:lnR w="12700" cmpd="sng">
+                      <a:noFill/>
+                    </a:lnR>
+                    <a:lnT w="38100" cmpd="sng">
+                      <a:noFill/>
+                    </a:lnT>
+                    <a:lnB w="12700" cmpd="sng">
+                      <a:noFill/>
+                    </a:lnB>
+                    <a:lnTlToBr w="12700" cmpd="sng">
+                      <a:noFill/>
+                      <a:prstDash val="solid"/>
+                    </a:lnTlToBr>
+                    <a:lnBlToTr w="12700" cmpd="sng">
+                      <a:noFill/>
+                      <a:prstDash val="solid"/>
+                    </a:lnBlToTr>
+                    <a:noFill/>
+                  </a:tcPr>
+                </a:tc>
+                <a:tc>
+                  <a:txBody>
+                    <a:bodyPr/>
+                    <a:lstStyle/>
+                    <a:p>
+                      <a:pPr algn="ctr"/>
+                      <a:endParaRPr lang="en-US" sz="3600" dirty="0">
+                        <a:solidFill>
+                          <a:schemeClr val="bg2">
+                            <a:lumMod val="25000"/>
+                          </a:schemeClr>
+                        </a:solidFill>
+                        <a:latin typeface="Arial" panose="020B0604020202020204" pitchFamily="34" charset="0"/>
+                        <a:cs typeface="Arial" panose="020B0604020202020204" pitchFamily="34" charset="0"/>
+                      </a:endParaRPr>
+                    </a:p>
+                  </a:txBody>
+                  <a:tcPr>
+                    <a:lnL w="12700" cmpd="sng">
+                      <a:noFill/>
+                    </a:lnL>
+                    <a:lnR w="12700" cmpd="sng">
+                      <a:noFill/>
+                    </a:lnR>
+                    <a:lnT w="38100" cmpd="sng">
+                      <a:noFill/>
+                    </a:lnT>
+                    <a:lnB w="12700" cmpd="sng">
+                      <a:noFill/>
+                    </a:lnB>
+                    <a:lnTlToBr w="12700" cmpd="sng">
+                      <a:noFill/>
+                      <a:prstDash val="solid"/>
+                    </a:lnTlToBr>
+                    <a:lnBlToTr w="12700" cmpd="sng">
+                      <a:noFill/>
+                      <a:prstDash val="solid"/>
+                    </a:lnBlToTr>
+                    <a:noFill/>
+                  </a:tcPr>
+                </a:tc>
+                <a:extLst>
+                  <a:ext uri="{0D108BD9-81ED-4DB2-BD59-A6C34878D82A}">
+                    <a16:rowId xmlns:a16="http://schemas.microsoft.com/office/drawing/2014/main" val="454612014"/>
+                  </a:ext>
+                </a:extLst>
+              </a:tr>
+            </a:tbl>
+          </a:graphicData>
+        </a:graphic>
+      </p:graphicFrame>
+      <p:pic>
+        <p:nvPicPr>
+          <p:cNvPr id="50" name="Picture 49">
+            <a:extLst>
+              <a:ext uri="{FF2B5EF4-FFF2-40B4-BE49-F238E27FC236}">
+                <a16:creationId xmlns:a16="http://schemas.microsoft.com/office/drawing/2014/main" id="{20B59700-B571-434F-809F-B13481AD3916}"/>
+              </a:ext>
+            </a:extLst>
+          </p:cNvPr>
+          <p:cNvPicPr>
+            <a:picLocks noChangeAspect="1"/>
+          </p:cNvPicPr>
+          <p:nvPr/>
+        </p:nvPicPr>
+        <p:blipFill>
+          <a:blip r:embed="rId6"/>
+          <a:stretch>
+            <a:fillRect/>
+          </a:stretch>
+        </p:blipFill>
+        <p:spPr>
+          <a:xfrm>
+            <a:off x="6918223" y="13106043"/>
+            <a:ext cx="4664177" cy="3439411"/>
+          </a:xfrm>
+          <a:prstGeom prst="rect">
+            <a:avLst/>
+          </a:prstGeom>
+        </p:spPr>
+      </p:pic>
+      <p:pic>
+        <p:nvPicPr>
+          <p:cNvPr id="59" name="Picture 58">
+            <a:extLst>
+              <a:ext uri="{FF2B5EF4-FFF2-40B4-BE49-F238E27FC236}">
+                <a16:creationId xmlns:a16="http://schemas.microsoft.com/office/drawing/2014/main" id="{291E66D5-7706-D3B9-5649-85341E546E3D}"/>
+              </a:ext>
+            </a:extLst>
+          </p:cNvPr>
+          <p:cNvPicPr>
+            <a:picLocks noChangeAspect="1"/>
+          </p:cNvPicPr>
+          <p:nvPr/>
+        </p:nvPicPr>
+        <p:blipFill>
+          <a:blip r:embed="rId3"/>
+          <a:stretch>
+            <a:fillRect/>
+          </a:stretch>
+        </p:blipFill>
+        <p:spPr>
+          <a:xfrm>
+            <a:off x="12129063" y="12392225"/>
+            <a:ext cx="4301016" cy="1355853"/>
+          </a:xfrm>
+          <a:prstGeom prst="rect">
+            <a:avLst/>
+          </a:prstGeom>
+        </p:spPr>
+      </p:pic>
+      <p:pic>
+        <p:nvPicPr>
+          <p:cNvPr id="60" name="Picture 59">
+            <a:extLst>
+              <a:ext uri="{FF2B5EF4-FFF2-40B4-BE49-F238E27FC236}">
+                <a16:creationId xmlns:a16="http://schemas.microsoft.com/office/drawing/2014/main" id="{B02ACA07-482A-1618-A356-A62F42329572}"/>
+              </a:ext>
+            </a:extLst>
+          </p:cNvPr>
+          <p:cNvPicPr>
+            <a:picLocks noChangeAspect="1"/>
+          </p:cNvPicPr>
+          <p:nvPr/>
+        </p:nvPicPr>
+        <p:blipFill>
+          <a:blip r:embed="rId4"/>
+          <a:stretch>
+            <a:fillRect/>
+          </a:stretch>
+        </p:blipFill>
+        <p:spPr>
+          <a:xfrm>
+            <a:off x="12418373" y="14185996"/>
+            <a:ext cx="3722396" cy="1462369"/>
+          </a:xfrm>
+          <a:prstGeom prst="rect">
+            <a:avLst/>
+          </a:prstGeom>
+        </p:spPr>
+      </p:pic>
+      <p:pic>
+        <p:nvPicPr>
+          <p:cNvPr id="61" name="Picture 60">
+            <a:extLst>
+              <a:ext uri="{FF2B5EF4-FFF2-40B4-BE49-F238E27FC236}">
+                <a16:creationId xmlns:a16="http://schemas.microsoft.com/office/drawing/2014/main" id="{13578A10-8CDF-5314-F68C-6326655EA42E}"/>
+              </a:ext>
+            </a:extLst>
+          </p:cNvPr>
+          <p:cNvPicPr>
+            <a:picLocks noChangeAspect="1"/>
+          </p:cNvPicPr>
+          <p:nvPr/>
+        </p:nvPicPr>
+        <p:blipFill>
+          <a:blip r:embed="rId5"/>
+          <a:stretch>
+            <a:fillRect/>
+          </a:stretch>
+        </p:blipFill>
+        <p:spPr>
+          <a:xfrm>
+            <a:off x="12387105" y="16130581"/>
+            <a:ext cx="4408652" cy="1035277"/>
+          </a:xfrm>
+          <a:prstGeom prst="rect">
+            <a:avLst/>
+          </a:prstGeom>
+        </p:spPr>
+      </p:pic>
+      <p:cxnSp>
+        <p:nvCxnSpPr>
+          <p:cNvPr id="62" name="Straight Arrow Connector 61">
+            <a:extLst>
+              <a:ext uri="{FF2B5EF4-FFF2-40B4-BE49-F238E27FC236}">
+                <a16:creationId xmlns:a16="http://schemas.microsoft.com/office/drawing/2014/main" id="{F793F376-0757-2696-F538-99DD4DEFEBE8}"/>
+              </a:ext>
+            </a:extLst>
+          </p:cNvPr>
+          <p:cNvCxnSpPr>
+            <a:cxnSpLocks/>
+          </p:cNvCxnSpPr>
+          <p:nvPr/>
+        </p:nvCxnSpPr>
+        <p:spPr>
+          <a:xfrm flipV="1">
+            <a:off x="8363810" y="13040921"/>
+            <a:ext cx="3797464" cy="987235"/>
+          </a:xfrm>
+          <a:prstGeom prst="straightConnector1">
+            <a:avLst/>
+          </a:prstGeom>
+          <a:ln w="28575">
+            <a:solidFill>
+              <a:srgbClr val="C00000"/>
+            </a:solidFill>
+            <a:tailEnd type="triangle"/>
+          </a:ln>
+        </p:spPr>
+        <p:style>
+          <a:lnRef idx="1">
+            <a:schemeClr val="accent1"/>
+          </a:lnRef>
+          <a:fillRef idx="0">
+            <a:schemeClr val="accent1"/>
+          </a:fillRef>
+          <a:effectRef idx="0">
+            <a:schemeClr val="accent1"/>
+          </a:effectRef>
+          <a:fontRef idx="minor">
+            <a:schemeClr val="tx1"/>
+          </a:fontRef>
+        </p:style>
+      </p:cxnSp>
+      <p:cxnSp>
+        <p:nvCxnSpPr>
+          <p:cNvPr id="63" name="Straight Arrow Connector 62">
+            <a:extLst>
+              <a:ext uri="{FF2B5EF4-FFF2-40B4-BE49-F238E27FC236}">
+                <a16:creationId xmlns:a16="http://schemas.microsoft.com/office/drawing/2014/main" id="{1F0386F8-553A-724F-89C2-DCF81B295A9E}"/>
+              </a:ext>
+            </a:extLst>
+          </p:cNvPr>
+          <p:cNvCxnSpPr>
+            <a:cxnSpLocks/>
+          </p:cNvCxnSpPr>
+          <p:nvPr/>
+        </p:nvCxnSpPr>
+        <p:spPr>
+          <a:xfrm>
+            <a:off x="8363810" y="14028156"/>
+            <a:ext cx="3797464" cy="834834"/>
+          </a:xfrm>
+          <a:prstGeom prst="straightConnector1">
+            <a:avLst/>
+          </a:prstGeom>
+          <a:ln w="28575">
+            <a:solidFill>
+              <a:srgbClr val="C00000"/>
+            </a:solidFill>
+            <a:tailEnd type="triangle"/>
+          </a:ln>
+        </p:spPr>
+        <p:style>
+          <a:lnRef idx="1">
+            <a:schemeClr val="accent1"/>
+          </a:lnRef>
+          <a:fillRef idx="0">
+            <a:schemeClr val="accent1"/>
+          </a:fillRef>
+          <a:effectRef idx="0">
+            <a:schemeClr val="accent1"/>
+          </a:effectRef>
+          <a:fontRef idx="minor">
+            <a:schemeClr val="tx1"/>
+          </a:fontRef>
+        </p:style>
+      </p:cxnSp>
+      <p:cxnSp>
+        <p:nvCxnSpPr>
+          <p:cNvPr id="64" name="Straight Arrow Connector 63">
+            <a:extLst>
+              <a:ext uri="{FF2B5EF4-FFF2-40B4-BE49-F238E27FC236}">
+                <a16:creationId xmlns:a16="http://schemas.microsoft.com/office/drawing/2014/main" id="{A61C21C0-323F-F631-9FE8-42DC44FDA169}"/>
+              </a:ext>
+            </a:extLst>
+          </p:cNvPr>
+          <p:cNvCxnSpPr>
+            <a:cxnSpLocks/>
+          </p:cNvCxnSpPr>
+          <p:nvPr/>
+        </p:nvCxnSpPr>
+        <p:spPr>
+          <a:xfrm>
+            <a:off x="8363810" y="14028156"/>
+            <a:ext cx="3738188" cy="2810814"/>
+          </a:xfrm>
+          <a:prstGeom prst="straightConnector1">
+            <a:avLst/>
+          </a:prstGeom>
+          <a:ln w="28575">
+            <a:solidFill>
+              <a:srgbClr val="C00000"/>
+            </a:solidFill>
+            <a:tailEnd type="triangle"/>
+          </a:ln>
+        </p:spPr>
+        <p:style>
+          <a:lnRef idx="1">
+            <a:schemeClr val="accent1"/>
+          </a:lnRef>
+          <a:fillRef idx="0">
+            <a:schemeClr val="accent1"/>
+          </a:fillRef>
+          <a:effectRef idx="0">
+            <a:schemeClr val="accent1"/>
+          </a:effectRef>
+          <a:fontRef idx="minor">
+            <a:schemeClr val="tx1"/>
+          </a:fontRef>
+        </p:style>
+      </p:cxnSp>
+      <p:sp>
+        <p:nvSpPr>
+          <p:cNvPr id="68" name="TextBox 67">
+            <a:extLst>
+              <a:ext uri="{FF2B5EF4-FFF2-40B4-BE49-F238E27FC236}">
+                <a16:creationId xmlns:a16="http://schemas.microsoft.com/office/drawing/2014/main" id="{768DA5FC-3274-5C10-3FC4-449D57B3D15F}"/>
+              </a:ext>
+            </a:extLst>
+          </p:cNvPr>
+          <p:cNvSpPr txBox="1"/>
+          <p:nvPr/>
+        </p:nvSpPr>
+        <p:spPr>
+          <a:xfrm>
+            <a:off x="16088851" y="12311095"/>
+            <a:ext cx="6645325" cy="2062103"/>
+          </a:xfrm>
+          <a:prstGeom prst="rect">
+            <a:avLst/>
+          </a:prstGeom>
+          <a:noFill/>
+        </p:spPr>
+        <p:txBody>
+          <a:bodyPr wrap="square">
+            <a:spAutoFit/>
+          </a:bodyPr>
+          <a:lstStyle/>
+          <a:p>
+            <a:pPr algn="ctr"/>
+            <a:r>
+              <a:rPr lang="en-US" sz="3200" b="1" dirty="0">
+                <a:solidFill>
+                  <a:schemeClr val="bg2">
+                    <a:lumMod val="25000"/>
+                  </a:schemeClr>
+                </a:solidFill>
+                <a:latin typeface="Arial" panose="020B0604020202020204" pitchFamily="34" charset="0"/>
+                <a:cs typeface="Arial" panose="020B0604020202020204" pitchFamily="34" charset="0"/>
+              </a:rPr>
+              <a:t>Neighboring Gray Tone Difference Matrix Strength:</a:t>
+            </a:r>
+          </a:p>
+          <a:p>
+            <a:pPr algn="ctr"/>
+            <a:r>
+              <a:rPr lang="en-US" sz="3200" dirty="0">
+                <a:solidFill>
+                  <a:schemeClr val="bg2">
+                    <a:lumMod val="25000"/>
+                  </a:schemeClr>
+                </a:solidFill>
+                <a:latin typeface="Arial" panose="020B0604020202020204" pitchFamily="34" charset="0"/>
+                <a:cs typeface="Arial" panose="020B0604020202020204" pitchFamily="34" charset="0"/>
+              </a:rPr>
+              <a:t>0.0071</a:t>
+            </a:r>
+          </a:p>
+          <a:p>
+            <a:pPr algn="ctr"/>
+            <a:endParaRPr lang="en-US" sz="3200" dirty="0">
+              <a:solidFill>
+                <a:schemeClr val="bg2">
+                  <a:lumMod val="25000"/>
+                </a:schemeClr>
+              </a:solidFill>
+              <a:latin typeface="Arial" panose="020B0604020202020204" pitchFamily="34" charset="0"/>
+              <a:cs typeface="Arial" panose="020B0604020202020204" pitchFamily="34" charset="0"/>
+            </a:endParaRPr>
+          </a:p>
+        </p:txBody>
+      </p:sp>
+      <p:sp>
+        <p:nvSpPr>
+          <p:cNvPr id="69" name="TextBox 68">
+            <a:extLst>
+              <a:ext uri="{FF2B5EF4-FFF2-40B4-BE49-F238E27FC236}">
+                <a16:creationId xmlns:a16="http://schemas.microsoft.com/office/drawing/2014/main" id="{69153185-6A66-6FA4-09C7-8CD57306A211}"/>
+              </a:ext>
+            </a:extLst>
+          </p:cNvPr>
+          <p:cNvSpPr txBox="1"/>
+          <p:nvPr/>
+        </p:nvSpPr>
+        <p:spPr>
+          <a:xfrm>
+            <a:off x="16088851" y="14325630"/>
+            <a:ext cx="6645325" cy="1138773"/>
+          </a:xfrm>
+          <a:prstGeom prst="rect">
+            <a:avLst/>
+          </a:prstGeom>
+          <a:noFill/>
+        </p:spPr>
+        <p:txBody>
+          <a:bodyPr wrap="square">
+            <a:spAutoFit/>
+          </a:bodyPr>
+          <a:lstStyle/>
+          <a:p>
+            <a:pPr algn="ctr"/>
+            <a:r>
+              <a:rPr lang="en-US" sz="3600" b="1" dirty="0">
+                <a:solidFill>
+                  <a:schemeClr val="bg2">
+                    <a:lumMod val="25000"/>
+                  </a:schemeClr>
+                </a:solidFill>
+                <a:latin typeface="Arial" panose="020B0604020202020204" pitchFamily="34" charset="0"/>
+                <a:cs typeface="Arial" panose="020B0604020202020204" pitchFamily="34" charset="0"/>
+              </a:rPr>
+              <a:t>Skewness:</a:t>
+            </a:r>
+          </a:p>
+          <a:p>
+            <a:pPr algn="ctr"/>
+            <a:r>
+              <a:rPr lang="en-US" sz="3200" dirty="0">
+                <a:solidFill>
+                  <a:schemeClr val="bg2">
+                    <a:lumMod val="25000"/>
+                  </a:schemeClr>
+                </a:solidFill>
+                <a:latin typeface="Arial" panose="020B0604020202020204" pitchFamily="34" charset="0"/>
+                <a:cs typeface="Arial" panose="020B0604020202020204" pitchFamily="34" charset="0"/>
+              </a:rPr>
+              <a:t>-0.9242</a:t>
+            </a:r>
+            <a:endParaRPr lang="en-US" sz="3600" dirty="0">
+              <a:solidFill>
+                <a:schemeClr val="bg2">
+                  <a:lumMod val="25000"/>
+                </a:schemeClr>
+              </a:solidFill>
+              <a:latin typeface="Arial" panose="020B0604020202020204" pitchFamily="34" charset="0"/>
+              <a:cs typeface="Arial" panose="020B0604020202020204" pitchFamily="34" charset="0"/>
+            </a:endParaRPr>
+          </a:p>
+        </p:txBody>
+      </p:sp>
+      <p:sp>
+        <p:nvSpPr>
+          <p:cNvPr id="70" name="TextBox 69">
+            <a:extLst>
+              <a:ext uri="{FF2B5EF4-FFF2-40B4-BE49-F238E27FC236}">
+                <a16:creationId xmlns:a16="http://schemas.microsoft.com/office/drawing/2014/main" id="{FA472AC7-13F0-C1B2-90C9-C8D4915C93B0}"/>
+              </a:ext>
+            </a:extLst>
+          </p:cNvPr>
+          <p:cNvSpPr txBox="1"/>
+          <p:nvPr/>
+        </p:nvSpPr>
+        <p:spPr>
+          <a:xfrm>
+            <a:off x="16212675" y="15892486"/>
+            <a:ext cx="6397675" cy="1569660"/>
+          </a:xfrm>
+          <a:prstGeom prst="rect">
+            <a:avLst/>
+          </a:prstGeom>
+          <a:noFill/>
+        </p:spPr>
+        <p:txBody>
+          <a:bodyPr wrap="square">
+            <a:spAutoFit/>
+          </a:bodyPr>
+          <a:lstStyle/>
+          <a:p>
+            <a:pPr algn="ctr"/>
+            <a:r>
+              <a:rPr lang="en-US" sz="3200" b="1" dirty="0">
+                <a:solidFill>
+                  <a:schemeClr val="bg2">
+                    <a:lumMod val="25000"/>
+                  </a:schemeClr>
+                </a:solidFill>
+                <a:latin typeface="Arial" panose="020B0604020202020204" pitchFamily="34" charset="0"/>
+                <a:cs typeface="Arial" panose="020B0604020202020204" pitchFamily="34" charset="0"/>
+              </a:rPr>
+              <a:t>Gray Level Co-occurrence Matrix Cluster Shade:</a:t>
+            </a:r>
+          </a:p>
+          <a:p>
+            <a:pPr algn="ctr"/>
+            <a:r>
+              <a:rPr lang="en-US" sz="3200" dirty="0">
+                <a:solidFill>
+                  <a:schemeClr val="bg2">
+                    <a:lumMod val="25000"/>
+                  </a:schemeClr>
+                </a:solidFill>
+                <a:latin typeface="Arial" panose="020B0604020202020204" pitchFamily="34" charset="0"/>
+                <a:cs typeface="Arial" panose="020B0604020202020204" pitchFamily="34" charset="0"/>
+              </a:rPr>
+              <a:t>-452.4516</a:t>
+            </a:r>
+          </a:p>
+        </p:txBody>
+      </p:sp>
+      <p:graphicFrame>
+        <p:nvGraphicFramePr>
+          <p:cNvPr id="71" name="Table 39">
+            <a:extLst>
+              <a:ext uri="{FF2B5EF4-FFF2-40B4-BE49-F238E27FC236}">
+                <a16:creationId xmlns:a16="http://schemas.microsoft.com/office/drawing/2014/main" id="{E4E7A20F-6D8F-8ECA-DD71-C88A7CCBA6AE}"/>
+              </a:ext>
+            </a:extLst>
+          </p:cNvPr>
+          <p:cNvGraphicFramePr>
+            <a:graphicFrameLocks noGrp="1"/>
+          </p:cNvGraphicFramePr>
+          <p:nvPr>
+            <p:extLst>
+              <p:ext uri="{D42A27DB-BD31-4B8C-83A1-F6EECF244321}">
+                <p14:modId xmlns:p14="http://schemas.microsoft.com/office/powerpoint/2010/main" val="4222205168"/>
+              </p:ext>
+            </p:extLst>
+          </p:nvPr>
+        </p:nvGraphicFramePr>
+        <p:xfrm>
+          <a:off x="6880122" y="17085923"/>
+          <a:ext cx="4884244" cy="1280160"/>
+        </p:xfrm>
+        <a:graphic>
+          <a:graphicData uri="http://schemas.openxmlformats.org/drawingml/2006/table">
+            <a:tbl>
+              <a:tblPr firstRow="1" bandRow="1">
+                <a:tableStyleId>{5C22544A-7EE6-4342-B048-85BDC9FD1C3A}</a:tableStyleId>
+              </a:tblPr>
+              <a:tblGrid>
+                <a:gridCol w="4884244">
+                  <a:extLst>
+                    <a:ext uri="{9D8B030D-6E8A-4147-A177-3AD203B41FA5}">
+                      <a16:colId xmlns:a16="http://schemas.microsoft.com/office/drawing/2014/main" val="2207775879"/>
+                    </a:ext>
+                  </a:extLst>
+                </a:gridCol>
+              </a:tblGrid>
+              <a:tr h="552814">
+                <a:tc>
+                  <a:txBody>
+                    <a:bodyPr/>
+                    <a:lstStyle/>
+                    <a:p>
+                      <a:pPr algn="ctr"/>
+                      <a:r>
+                        <a:rPr lang="en-US" sz="3600" dirty="0">
+                          <a:solidFill>
+                            <a:schemeClr val="bg2">
+                              <a:lumMod val="25000"/>
+                            </a:schemeClr>
+                          </a:solidFill>
+                          <a:latin typeface="Arial" panose="020B0604020202020204" pitchFamily="34" charset="0"/>
+                          <a:cs typeface="Arial" panose="020B0604020202020204" pitchFamily="34" charset="0"/>
+                        </a:rPr>
+                        <a:t>Outcome:</a:t>
+                      </a:r>
+                    </a:p>
+                  </a:txBody>
+                  <a:tcPr>
+                    <a:lnL w="12700" cmpd="sng">
+                      <a:noFill/>
+                    </a:lnL>
+                    <a:lnR w="12700" cmpd="sng">
+                      <a:noFill/>
+                    </a:lnR>
+                    <a:lnT w="12700" cmpd="sng">
+                      <a:noFill/>
+                    </a:lnT>
+                    <a:lnB w="38100" cmpd="sng">
+                      <a:noFill/>
+                    </a:lnB>
+                    <a:lnTlToBr w="12700" cmpd="sng">
+                      <a:noFill/>
+                      <a:prstDash val="solid"/>
+                    </a:lnTlToBr>
+                    <a:lnBlToTr w="12700" cmpd="sng">
+                      <a:noFill/>
+                      <a:prstDash val="solid"/>
+                    </a:lnBlToTr>
+                    <a:noFill/>
+                  </a:tcPr>
+                </a:tc>
+                <a:extLst>
+                  <a:ext uri="{0D108BD9-81ED-4DB2-BD59-A6C34878D82A}">
+                    <a16:rowId xmlns:a16="http://schemas.microsoft.com/office/drawing/2014/main" val="2924216372"/>
+                  </a:ext>
+                </a:extLst>
+              </a:tr>
+              <a:tr h="370840">
+                <a:tc>
+                  <a:txBody>
+                    <a:bodyPr/>
+                    <a:lstStyle/>
+                    <a:p>
+                      <a:pPr algn="ctr"/>
+                      <a:r>
+                        <a:rPr lang="en-US" sz="3600" dirty="0">
+                          <a:solidFill>
+                            <a:schemeClr val="bg2">
+                              <a:lumMod val="25000"/>
+                            </a:schemeClr>
+                          </a:solidFill>
+                          <a:latin typeface="Arial" panose="020B0604020202020204" pitchFamily="34" charset="0"/>
+                          <a:cs typeface="Arial" panose="020B0604020202020204" pitchFamily="34" charset="0"/>
+                        </a:rPr>
+                        <a:t>No Local Progression</a:t>
+                      </a:r>
+                    </a:p>
+                  </a:txBody>
+                  <a:tcPr>
+                    <a:lnL w="12700" cmpd="sng">
+                      <a:noFill/>
+                    </a:lnL>
+                    <a:lnR w="12700" cmpd="sng">
+                      <a:noFill/>
+                    </a:lnR>
+                    <a:lnT w="38100" cmpd="sng">
+                      <a:noFill/>
+                    </a:lnT>
+                    <a:lnB w="12700" cmpd="sng">
+                      <a:noFill/>
+                    </a:lnB>
+                    <a:lnTlToBr w="12700" cmpd="sng">
+                      <a:noFill/>
+                      <a:prstDash val="solid"/>
+                    </a:lnTlToBr>
+                    <a:lnBlToTr w="12700" cmpd="sng">
+                      <a:noFill/>
+                      <a:prstDash val="solid"/>
+                    </a:lnBlToTr>
+                    <a:noFill/>
+                  </a:tcPr>
+                </a:tc>
+                <a:extLst>
+                  <a:ext uri="{0D108BD9-81ED-4DB2-BD59-A6C34878D82A}">
+                    <a16:rowId xmlns:a16="http://schemas.microsoft.com/office/drawing/2014/main" val="454612014"/>
+                  </a:ext>
+                </a:extLst>
+              </a:tr>
+            </a:tbl>
+          </a:graphicData>
+        </a:graphic>
+      </p:graphicFrame>
+      <p:graphicFrame>
+        <p:nvGraphicFramePr>
+          <p:cNvPr id="75" name="Table 39">
+            <a:extLst>
+              <a:ext uri="{FF2B5EF4-FFF2-40B4-BE49-F238E27FC236}">
+                <a16:creationId xmlns:a16="http://schemas.microsoft.com/office/drawing/2014/main" id="{4030D4F0-3D15-F005-8BFC-B8D3B2F68B5C}"/>
+              </a:ext>
+            </a:extLst>
+          </p:cNvPr>
+          <p:cNvGraphicFramePr>
+            <a:graphicFrameLocks noGrp="1"/>
+          </p:cNvGraphicFramePr>
+          <p:nvPr>
+            <p:extLst>
+              <p:ext uri="{D42A27DB-BD31-4B8C-83A1-F6EECF244321}">
+                <p14:modId xmlns:p14="http://schemas.microsoft.com/office/powerpoint/2010/main" val="125095591"/>
+              </p:ext>
+            </p:extLst>
+          </p:nvPr>
+        </p:nvGraphicFramePr>
+        <p:xfrm>
+          <a:off x="843988" y="11925494"/>
+          <a:ext cx="11199426" cy="1828800"/>
+        </p:xfrm>
+        <a:graphic>
+          <a:graphicData uri="http://schemas.openxmlformats.org/drawingml/2006/table">
+            <a:tbl>
+              <a:tblPr firstRow="1" bandRow="1">
+                <a:tableStyleId>{5C22544A-7EE6-4342-B048-85BDC9FD1C3A}</a:tableStyleId>
+              </a:tblPr>
+              <a:tblGrid>
+                <a:gridCol w="5599713">
+                  <a:extLst>
+                    <a:ext uri="{9D8B030D-6E8A-4147-A177-3AD203B41FA5}">
+                      <a16:colId xmlns:a16="http://schemas.microsoft.com/office/drawing/2014/main" val="2207775879"/>
+                    </a:ext>
+                  </a:extLst>
+                </a:gridCol>
+                <a:gridCol w="5599713">
+                  <a:extLst>
+                    <a:ext uri="{9D8B030D-6E8A-4147-A177-3AD203B41FA5}">
+                      <a16:colId xmlns:a16="http://schemas.microsoft.com/office/drawing/2014/main" val="4103952302"/>
+                    </a:ext>
+                  </a:extLst>
+                </a:gridCol>
+              </a:tblGrid>
+              <a:tr h="552814">
+                <a:tc>
+                  <a:txBody>
+                    <a:bodyPr/>
+                    <a:lstStyle/>
+                    <a:p>
+                      <a:pPr algn="ctr"/>
+                      <a:endParaRPr lang="en-US" sz="3600" dirty="0">
+                        <a:solidFill>
+                          <a:schemeClr val="bg2">
+                            <a:lumMod val="25000"/>
+                          </a:schemeClr>
+                        </a:solidFill>
+                        <a:latin typeface="Arial" panose="020B0604020202020204" pitchFamily="34" charset="0"/>
+                        <a:cs typeface="Arial" panose="020B0604020202020204" pitchFamily="34" charset="0"/>
+                      </a:endParaRPr>
+                    </a:p>
+                  </a:txBody>
+                  <a:tcPr>
+                    <a:lnL w="12700" cmpd="sng">
+                      <a:noFill/>
+                    </a:lnL>
+                    <a:lnR w="12700" cmpd="sng">
+                      <a:noFill/>
+                    </a:lnR>
+                    <a:lnT w="12700" cmpd="sng">
+                      <a:noFill/>
+                    </a:lnT>
+                    <a:lnB w="38100" cmpd="sng">
+                      <a:noFill/>
+                    </a:lnB>
+                    <a:lnTlToBr w="12700" cmpd="sng">
+                      <a:noFill/>
+                      <a:prstDash val="solid"/>
+                    </a:lnTlToBr>
+                    <a:lnBlToTr w="12700" cmpd="sng">
+                      <a:noFill/>
+                      <a:prstDash val="solid"/>
+                    </a:lnBlToTr>
+                    <a:noFill/>
+                  </a:tcPr>
+                </a:tc>
+                <a:tc>
+                  <a:txBody>
+                    <a:bodyPr/>
+                    <a:lstStyle/>
+                    <a:p>
+                      <a:pPr algn="ctr"/>
+                      <a:r>
+                        <a:rPr lang="en-US" sz="3600" dirty="0">
+                          <a:solidFill>
+                            <a:schemeClr val="bg2">
+                              <a:lumMod val="25000"/>
+                            </a:schemeClr>
+                          </a:solidFill>
+                          <a:latin typeface="Arial" panose="020B0604020202020204" pitchFamily="34" charset="0"/>
+                          <a:cs typeface="Arial" panose="020B0604020202020204" pitchFamily="34" charset="0"/>
+                        </a:rPr>
+                        <a:t>Liver CT and </a:t>
+                      </a:r>
+                    </a:p>
+                    <a:p>
+                      <a:pPr algn="ctr"/>
+                      <a:r>
+                        <a:rPr lang="en-US" sz="3600" dirty="0">
+                          <a:solidFill>
+                            <a:schemeClr val="bg2">
+                              <a:lumMod val="25000"/>
+                            </a:schemeClr>
+                          </a:solidFill>
+                          <a:latin typeface="Arial" panose="020B0604020202020204" pitchFamily="34" charset="0"/>
+                          <a:cs typeface="Arial" panose="020B0604020202020204" pitchFamily="34" charset="0"/>
+                        </a:rPr>
+                        <a:t>Segmented Tumor</a:t>
+                      </a:r>
+                    </a:p>
+                  </a:txBody>
+                  <a:tcPr>
+                    <a:lnL w="12700" cmpd="sng">
+                      <a:noFill/>
+                    </a:lnL>
+                    <a:lnR w="12700" cmpd="sng">
+                      <a:noFill/>
+                    </a:lnR>
+                    <a:lnT w="12700" cmpd="sng">
+                      <a:noFill/>
+                    </a:lnT>
+                    <a:lnB w="38100" cmpd="sng">
+                      <a:noFill/>
+                    </a:lnB>
+                    <a:lnTlToBr w="12700" cmpd="sng">
+                      <a:noFill/>
+                      <a:prstDash val="solid"/>
+                    </a:lnTlToBr>
+                    <a:lnBlToTr w="12700" cmpd="sng">
+                      <a:noFill/>
+                      <a:prstDash val="solid"/>
+                    </a:lnBlToTr>
+                    <a:noFill/>
+                  </a:tcPr>
+                </a:tc>
+                <a:extLst>
+                  <a:ext uri="{0D108BD9-81ED-4DB2-BD59-A6C34878D82A}">
+                    <a16:rowId xmlns:a16="http://schemas.microsoft.com/office/drawing/2014/main" val="2924216372"/>
+                  </a:ext>
+                </a:extLst>
+              </a:tr>
+              <a:tr h="370840">
+                <a:tc>
+                  <a:txBody>
+                    <a:bodyPr/>
+                    <a:lstStyle/>
+                    <a:p>
+                      <a:pPr algn="ctr"/>
+                      <a:endParaRPr lang="en-US" sz="3600" dirty="0">
+                        <a:solidFill>
+                          <a:schemeClr val="bg2">
+                            <a:lumMod val="25000"/>
+                          </a:schemeClr>
+                        </a:solidFill>
+                        <a:latin typeface="Arial" panose="020B0604020202020204" pitchFamily="34" charset="0"/>
+                        <a:cs typeface="Arial" panose="020B0604020202020204" pitchFamily="34" charset="0"/>
+                      </a:endParaRPr>
+                    </a:p>
+                  </a:txBody>
+                  <a:tcPr>
+                    <a:lnL w="12700" cmpd="sng">
+                      <a:noFill/>
+                    </a:lnL>
+                    <a:lnR w="12700" cmpd="sng">
+                      <a:noFill/>
+                    </a:lnR>
+                    <a:lnT w="38100" cmpd="sng">
+                      <a:noFill/>
+                    </a:lnT>
+                    <a:lnB w="12700" cmpd="sng">
+                      <a:noFill/>
+                    </a:lnB>
+                    <a:lnTlToBr w="12700" cmpd="sng">
+                      <a:noFill/>
+                      <a:prstDash val="solid"/>
+                    </a:lnTlToBr>
+                    <a:lnBlToTr w="12700" cmpd="sng">
+                      <a:noFill/>
+                      <a:prstDash val="solid"/>
+                    </a:lnBlToTr>
+                    <a:noFill/>
+                  </a:tcPr>
+                </a:tc>
+                <a:tc>
+                  <a:txBody>
+                    <a:bodyPr/>
+                    <a:lstStyle/>
+                    <a:p>
+                      <a:pPr algn="ctr"/>
+                      <a:endParaRPr lang="en-US" sz="3600" dirty="0">
+                        <a:solidFill>
+                          <a:schemeClr val="bg2">
+                            <a:lumMod val="25000"/>
+                          </a:schemeClr>
+                        </a:solidFill>
+                        <a:latin typeface="Arial" panose="020B0604020202020204" pitchFamily="34" charset="0"/>
+                        <a:cs typeface="Arial" panose="020B0604020202020204" pitchFamily="34" charset="0"/>
+                      </a:endParaRPr>
+                    </a:p>
+                  </a:txBody>
+                  <a:tcPr>
+                    <a:lnL w="12700" cmpd="sng">
+                      <a:noFill/>
+                    </a:lnL>
+                    <a:lnR w="12700" cmpd="sng">
+                      <a:noFill/>
+                    </a:lnR>
+                    <a:lnT w="38100" cmpd="sng">
+                      <a:noFill/>
+                    </a:lnT>
+                    <a:lnB w="12700" cmpd="sng">
+                      <a:noFill/>
+                    </a:lnB>
+                    <a:lnTlToBr w="12700" cmpd="sng">
+                      <a:noFill/>
+                      <a:prstDash val="solid"/>
+                    </a:lnTlToBr>
+                    <a:lnBlToTr w="12700" cmpd="sng">
+                      <a:noFill/>
+                      <a:prstDash val="solid"/>
+                    </a:lnBlToTr>
+                    <a:noFill/>
+                  </a:tcPr>
+                </a:tc>
+                <a:extLst>
+                  <a:ext uri="{0D108BD9-81ED-4DB2-BD59-A6C34878D82A}">
+                    <a16:rowId xmlns:a16="http://schemas.microsoft.com/office/drawing/2014/main" val="454612014"/>
+                  </a:ext>
+                </a:extLst>
+              </a:tr>
+            </a:tbl>
+          </a:graphicData>
+        </a:graphic>
+      </p:graphicFrame>
+    </p:spTree>
+    <p:extLst>
+      <p:ext uri="{BB962C8B-B14F-4D97-AF65-F5344CB8AC3E}">
+        <p14:creationId xmlns:p14="http://schemas.microsoft.com/office/powerpoint/2010/main" val="931894529"/>
+      </p:ext>
+    </p:extLst>
+  </p:cSld>
+  <p:clrMapOvr>
+    <a:masterClrMapping/>
+  </p:clrMapOvr>
+</p:sld>
+</file>
+
+<file path=ppt/slides/slide6.xml><?xml version="1.0" encoding="utf-8"?>
 <p:sld xmlns:a="http://schemas.openxmlformats.org/drawingml/2006/main" xmlns:r="http://schemas.openxmlformats.org/officeDocument/2006/relationships" xmlns:p="http://schemas.openxmlformats.org/presentationml/2006/main">
   <p:cSld>
     <p:spTree>

--- a/documents/figs.pptx
+++ b/documents/figs.pptx
@@ -248,7 +248,7 @@
           <a:p>
             <a:fld id="{843C6D3A-B15E-405B-98B4-B3241AC3BFF7}" type="datetimeFigureOut">
               <a:rPr lang="en-CA" smtClean="0"/>
-              <a:t>2022-05-16</a:t>
+              <a:t>2022-07-30</a:t>
             </a:fld>
             <a:endParaRPr lang="en-CA"/>
           </a:p>
@@ -418,7 +418,7 @@
           <a:p>
             <a:fld id="{843C6D3A-B15E-405B-98B4-B3241AC3BFF7}" type="datetimeFigureOut">
               <a:rPr lang="en-CA" smtClean="0"/>
-              <a:t>2022-05-16</a:t>
+              <a:t>2022-07-30</a:t>
             </a:fld>
             <a:endParaRPr lang="en-CA"/>
           </a:p>
@@ -598,7 +598,7 @@
           <a:p>
             <a:fld id="{843C6D3A-B15E-405B-98B4-B3241AC3BFF7}" type="datetimeFigureOut">
               <a:rPr lang="en-CA" smtClean="0"/>
-              <a:t>2022-05-16</a:t>
+              <a:t>2022-07-30</a:t>
             </a:fld>
             <a:endParaRPr lang="en-CA"/>
           </a:p>
@@ -768,7 +768,7 @@
           <a:p>
             <a:fld id="{843C6D3A-B15E-405B-98B4-B3241AC3BFF7}" type="datetimeFigureOut">
               <a:rPr lang="en-CA" smtClean="0"/>
-              <a:t>2022-05-16</a:t>
+              <a:t>2022-07-30</a:t>
             </a:fld>
             <a:endParaRPr lang="en-CA"/>
           </a:p>
@@ -1012,7 +1012,7 @@
           <a:p>
             <a:fld id="{843C6D3A-B15E-405B-98B4-B3241AC3BFF7}" type="datetimeFigureOut">
               <a:rPr lang="en-CA" smtClean="0"/>
-              <a:t>2022-05-16</a:t>
+              <a:t>2022-07-30</a:t>
             </a:fld>
             <a:endParaRPr lang="en-CA"/>
           </a:p>
@@ -1244,7 +1244,7 @@
           <a:p>
             <a:fld id="{843C6D3A-B15E-405B-98B4-B3241AC3BFF7}" type="datetimeFigureOut">
               <a:rPr lang="en-CA" smtClean="0"/>
-              <a:t>2022-05-16</a:t>
+              <a:t>2022-07-30</a:t>
             </a:fld>
             <a:endParaRPr lang="en-CA"/>
           </a:p>
@@ -1611,7 +1611,7 @@
           <a:p>
             <a:fld id="{843C6D3A-B15E-405B-98B4-B3241AC3BFF7}" type="datetimeFigureOut">
               <a:rPr lang="en-CA" smtClean="0"/>
-              <a:t>2022-05-16</a:t>
+              <a:t>2022-07-30</a:t>
             </a:fld>
             <a:endParaRPr lang="en-CA"/>
           </a:p>
@@ -1729,7 +1729,7 @@
           <a:p>
             <a:fld id="{843C6D3A-B15E-405B-98B4-B3241AC3BFF7}" type="datetimeFigureOut">
               <a:rPr lang="en-CA" smtClean="0"/>
-              <a:t>2022-05-16</a:t>
+              <a:t>2022-07-30</a:t>
             </a:fld>
             <a:endParaRPr lang="en-CA"/>
           </a:p>
@@ -1824,7 +1824,7 @@
           <a:p>
             <a:fld id="{843C6D3A-B15E-405B-98B4-B3241AC3BFF7}" type="datetimeFigureOut">
               <a:rPr lang="en-CA" smtClean="0"/>
-              <a:t>2022-05-16</a:t>
+              <a:t>2022-07-30</a:t>
             </a:fld>
             <a:endParaRPr lang="en-CA"/>
           </a:p>
@@ -2101,7 +2101,7 @@
           <a:p>
             <a:fld id="{843C6D3A-B15E-405B-98B4-B3241AC3BFF7}" type="datetimeFigureOut">
               <a:rPr lang="en-CA" smtClean="0"/>
-              <a:t>2022-05-16</a:t>
+              <a:t>2022-07-30</a:t>
             </a:fld>
             <a:endParaRPr lang="en-CA"/>
           </a:p>
@@ -2358,7 +2358,7 @@
           <a:p>
             <a:fld id="{843C6D3A-B15E-405B-98B4-B3241AC3BFF7}" type="datetimeFigureOut">
               <a:rPr lang="en-CA" smtClean="0"/>
-              <a:t>2022-05-16</a:t>
+              <a:t>2022-07-30</a:t>
             </a:fld>
             <a:endParaRPr lang="en-CA"/>
           </a:p>
@@ -2571,7 +2571,7 @@
           <a:p>
             <a:fld id="{843C6D3A-B15E-405B-98B4-B3241AC3BFF7}" type="datetimeFigureOut">
               <a:rPr lang="en-CA" smtClean="0"/>
-              <a:t>2022-05-16</a:t>
+              <a:t>2022-07-30</a:t>
             </a:fld>
             <a:endParaRPr lang="en-CA"/>
           </a:p>
@@ -13053,10 +13053,10 @@
       </p:grpSpPr>
       <p:pic>
         <p:nvPicPr>
-          <p:cNvPr id="6" name="Picture 5">
-            <a:extLst>
-              <a:ext uri="{FF2B5EF4-FFF2-40B4-BE49-F238E27FC236}">
-                <a16:creationId xmlns:a16="http://schemas.microsoft.com/office/drawing/2014/main" id="{CA79F200-6B23-8AF2-C29D-89591F135C59}"/>
+          <p:cNvPr id="26" name="Picture 25">
+            <a:extLst>
+              <a:ext uri="{FF2B5EF4-FFF2-40B4-BE49-F238E27FC236}">
+                <a16:creationId xmlns:a16="http://schemas.microsoft.com/office/drawing/2014/main" id="{A317388A-B66C-6597-78E3-31BB180CD1EF}"/>
               </a:ext>
             </a:extLst>
           </p:cNvPr>
@@ -13073,8 +13073,8 @@
         </p:blipFill>
         <p:spPr>
           <a:xfrm>
-            <a:off x="6880122" y="5330937"/>
-            <a:ext cx="4664178" cy="3309045"/>
+            <a:off x="6880122" y="12782616"/>
+            <a:ext cx="4673368" cy="3378582"/>
           </a:xfrm>
           <a:prstGeom prst="rect">
             <a:avLst/>
@@ -13083,10 +13083,10 @@
       </p:pic>
       <p:pic>
         <p:nvPicPr>
-          <p:cNvPr id="14" name="Picture 13">
-            <a:extLst>
-              <a:ext uri="{FF2B5EF4-FFF2-40B4-BE49-F238E27FC236}">
-                <a16:creationId xmlns:a16="http://schemas.microsoft.com/office/drawing/2014/main" id="{15F51A37-1761-6F5C-8E0E-A39500999154}"/>
+          <p:cNvPr id="23" name="Picture 22">
+            <a:extLst>
+              <a:ext uri="{FF2B5EF4-FFF2-40B4-BE49-F238E27FC236}">
+                <a16:creationId xmlns:a16="http://schemas.microsoft.com/office/drawing/2014/main" id="{A7C72237-2C80-0656-1CDF-0C833FE58AC0}"/>
               </a:ext>
             </a:extLst>
           </p:cNvPr>
@@ -13103,8 +13103,8 @@
         </p:blipFill>
         <p:spPr>
           <a:xfrm>
-            <a:off x="12129063" y="4204204"/>
-            <a:ext cx="4301016" cy="1355853"/>
+            <a:off x="6880122" y="5380791"/>
+            <a:ext cx="4673368" cy="3505026"/>
           </a:xfrm>
           <a:prstGeom prst="rect">
             <a:avLst/>
@@ -13113,10 +13113,10 @@
       </p:pic>
       <p:pic>
         <p:nvPicPr>
-          <p:cNvPr id="18" name="Picture 17">
-            <a:extLst>
-              <a:ext uri="{FF2B5EF4-FFF2-40B4-BE49-F238E27FC236}">
-                <a16:creationId xmlns:a16="http://schemas.microsoft.com/office/drawing/2014/main" id="{D54A4C78-6297-773C-5C61-1F9CEFDE3AD1}"/>
+          <p:cNvPr id="14" name="Picture 13">
+            <a:extLst>
+              <a:ext uri="{FF2B5EF4-FFF2-40B4-BE49-F238E27FC236}">
+                <a16:creationId xmlns:a16="http://schemas.microsoft.com/office/drawing/2014/main" id="{15F51A37-1761-6F5C-8E0E-A39500999154}"/>
               </a:ext>
             </a:extLst>
           </p:cNvPr>
@@ -13133,6 +13133,36 @@
         </p:blipFill>
         <p:spPr>
           <a:xfrm>
+            <a:off x="12129063" y="4204204"/>
+            <a:ext cx="4301016" cy="1355853"/>
+          </a:xfrm>
+          <a:prstGeom prst="rect">
+            <a:avLst/>
+          </a:prstGeom>
+        </p:spPr>
+      </p:pic>
+      <p:pic>
+        <p:nvPicPr>
+          <p:cNvPr id="18" name="Picture 17">
+            <a:extLst>
+              <a:ext uri="{FF2B5EF4-FFF2-40B4-BE49-F238E27FC236}">
+                <a16:creationId xmlns:a16="http://schemas.microsoft.com/office/drawing/2014/main" id="{D54A4C78-6297-773C-5C61-1F9CEFDE3AD1}"/>
+              </a:ext>
+            </a:extLst>
+          </p:cNvPr>
+          <p:cNvPicPr>
+            <a:picLocks noChangeAspect="1"/>
+          </p:cNvPicPr>
+          <p:nvPr/>
+        </p:nvPicPr>
+        <p:blipFill>
+          <a:blip r:embed="rId5"/>
+          <a:stretch>
+            <a:fillRect/>
+          </a:stretch>
+        </p:blipFill>
+        <p:spPr>
+          <a:xfrm>
             <a:off x="12418373" y="5997975"/>
             <a:ext cx="3722396" cy="1462369"/>
           </a:xfrm>
@@ -13156,7 +13186,7 @@
           <p:nvPr/>
         </p:nvPicPr>
         <p:blipFill>
-          <a:blip r:embed="rId5"/>
+          <a:blip r:embed="rId6"/>
           <a:stretch>
             <a:fillRect/>
           </a:stretch>
@@ -13516,7 +13546,7 @@
           <p:nvPr>
             <p:extLst>
               <p:ext uri="{D42A27DB-BD31-4B8C-83A1-F6EECF244321}">
-                <p14:modId xmlns:p14="http://schemas.microsoft.com/office/powerpoint/2010/main" val="475348826"/>
+                <p14:modId xmlns:p14="http://schemas.microsoft.com/office/powerpoint/2010/main" val="2420252033"/>
               </p:ext>
             </p:extLst>
           </p:nvPr>
@@ -13989,10 +14019,70 @@
       </p:graphicFrame>
       <p:pic>
         <p:nvPicPr>
-          <p:cNvPr id="50" name="Picture 49">
-            <a:extLst>
-              <a:ext uri="{FF2B5EF4-FFF2-40B4-BE49-F238E27FC236}">
-                <a16:creationId xmlns:a16="http://schemas.microsoft.com/office/drawing/2014/main" id="{20B59700-B571-434F-809F-B13481AD3916}"/>
+          <p:cNvPr id="59" name="Picture 58">
+            <a:extLst>
+              <a:ext uri="{FF2B5EF4-FFF2-40B4-BE49-F238E27FC236}">
+                <a16:creationId xmlns:a16="http://schemas.microsoft.com/office/drawing/2014/main" id="{291E66D5-7706-D3B9-5649-85341E546E3D}"/>
+              </a:ext>
+            </a:extLst>
+          </p:cNvPr>
+          <p:cNvPicPr>
+            <a:picLocks noChangeAspect="1"/>
+          </p:cNvPicPr>
+          <p:nvPr/>
+        </p:nvPicPr>
+        <p:blipFill>
+          <a:blip r:embed="rId4"/>
+          <a:stretch>
+            <a:fillRect/>
+          </a:stretch>
+        </p:blipFill>
+        <p:spPr>
+          <a:xfrm>
+            <a:off x="12129063" y="11839775"/>
+            <a:ext cx="4301016" cy="1355853"/>
+          </a:xfrm>
+          <a:prstGeom prst="rect">
+            <a:avLst/>
+          </a:prstGeom>
+        </p:spPr>
+      </p:pic>
+      <p:pic>
+        <p:nvPicPr>
+          <p:cNvPr id="60" name="Picture 59">
+            <a:extLst>
+              <a:ext uri="{FF2B5EF4-FFF2-40B4-BE49-F238E27FC236}">
+                <a16:creationId xmlns:a16="http://schemas.microsoft.com/office/drawing/2014/main" id="{B02ACA07-482A-1618-A356-A62F42329572}"/>
+              </a:ext>
+            </a:extLst>
+          </p:cNvPr>
+          <p:cNvPicPr>
+            <a:picLocks noChangeAspect="1"/>
+          </p:cNvPicPr>
+          <p:nvPr/>
+        </p:nvPicPr>
+        <p:blipFill>
+          <a:blip r:embed="rId5"/>
+          <a:stretch>
+            <a:fillRect/>
+          </a:stretch>
+        </p:blipFill>
+        <p:spPr>
+          <a:xfrm>
+            <a:off x="12418373" y="13633546"/>
+            <a:ext cx="3722396" cy="1462369"/>
+          </a:xfrm>
+          <a:prstGeom prst="rect">
+            <a:avLst/>
+          </a:prstGeom>
+        </p:spPr>
+      </p:pic>
+      <p:pic>
+        <p:nvPicPr>
+          <p:cNvPr id="61" name="Picture 60">
+            <a:extLst>
+              <a:ext uri="{FF2B5EF4-FFF2-40B4-BE49-F238E27FC236}">
+                <a16:creationId xmlns:a16="http://schemas.microsoft.com/office/drawing/2014/main" id="{13578A10-8CDF-5314-F68C-6326655EA42E}"/>
               </a:ext>
             </a:extLst>
           </p:cNvPr>
@@ -14009,97 +14099,7 @@
         </p:blipFill>
         <p:spPr>
           <a:xfrm>
-            <a:off x="6918223" y="13106043"/>
-            <a:ext cx="4664177" cy="3439411"/>
-          </a:xfrm>
-          <a:prstGeom prst="rect">
-            <a:avLst/>
-          </a:prstGeom>
-        </p:spPr>
-      </p:pic>
-      <p:pic>
-        <p:nvPicPr>
-          <p:cNvPr id="59" name="Picture 58">
-            <a:extLst>
-              <a:ext uri="{FF2B5EF4-FFF2-40B4-BE49-F238E27FC236}">
-                <a16:creationId xmlns:a16="http://schemas.microsoft.com/office/drawing/2014/main" id="{291E66D5-7706-D3B9-5649-85341E546E3D}"/>
-              </a:ext>
-            </a:extLst>
-          </p:cNvPr>
-          <p:cNvPicPr>
-            <a:picLocks noChangeAspect="1"/>
-          </p:cNvPicPr>
-          <p:nvPr/>
-        </p:nvPicPr>
-        <p:blipFill>
-          <a:blip r:embed="rId3"/>
-          <a:stretch>
-            <a:fillRect/>
-          </a:stretch>
-        </p:blipFill>
-        <p:spPr>
-          <a:xfrm>
-            <a:off x="12129063" y="12392225"/>
-            <a:ext cx="4301016" cy="1355853"/>
-          </a:xfrm>
-          <a:prstGeom prst="rect">
-            <a:avLst/>
-          </a:prstGeom>
-        </p:spPr>
-      </p:pic>
-      <p:pic>
-        <p:nvPicPr>
-          <p:cNvPr id="60" name="Picture 59">
-            <a:extLst>
-              <a:ext uri="{FF2B5EF4-FFF2-40B4-BE49-F238E27FC236}">
-                <a16:creationId xmlns:a16="http://schemas.microsoft.com/office/drawing/2014/main" id="{B02ACA07-482A-1618-A356-A62F42329572}"/>
-              </a:ext>
-            </a:extLst>
-          </p:cNvPr>
-          <p:cNvPicPr>
-            <a:picLocks noChangeAspect="1"/>
-          </p:cNvPicPr>
-          <p:nvPr/>
-        </p:nvPicPr>
-        <p:blipFill>
-          <a:blip r:embed="rId4"/>
-          <a:stretch>
-            <a:fillRect/>
-          </a:stretch>
-        </p:blipFill>
-        <p:spPr>
-          <a:xfrm>
-            <a:off x="12418373" y="14185996"/>
-            <a:ext cx="3722396" cy="1462369"/>
-          </a:xfrm>
-          <a:prstGeom prst="rect">
-            <a:avLst/>
-          </a:prstGeom>
-        </p:spPr>
-      </p:pic>
-      <p:pic>
-        <p:nvPicPr>
-          <p:cNvPr id="61" name="Picture 60">
-            <a:extLst>
-              <a:ext uri="{FF2B5EF4-FFF2-40B4-BE49-F238E27FC236}">
-                <a16:creationId xmlns:a16="http://schemas.microsoft.com/office/drawing/2014/main" id="{13578A10-8CDF-5314-F68C-6326655EA42E}"/>
-              </a:ext>
-            </a:extLst>
-          </p:cNvPr>
-          <p:cNvPicPr>
-            <a:picLocks noChangeAspect="1"/>
-          </p:cNvPicPr>
-          <p:nvPr/>
-        </p:nvPicPr>
-        <p:blipFill>
-          <a:blip r:embed="rId5"/>
-          <a:stretch>
-            <a:fillRect/>
-          </a:stretch>
-        </p:blipFill>
-        <p:spPr>
-          <a:xfrm>
-            <a:off x="12387105" y="16130581"/>
+            <a:off x="12387105" y="15578131"/>
             <a:ext cx="4408652" cy="1035277"/>
           </a:xfrm>
           <a:prstGeom prst="rect">
@@ -14123,8 +14123,8 @@
         </p:nvCxnSpPr>
         <p:spPr>
           <a:xfrm flipV="1">
-            <a:off x="8363810" y="13040921"/>
-            <a:ext cx="3797464" cy="987235"/>
+            <a:off x="8495293" y="12488471"/>
+            <a:ext cx="3665981" cy="1398436"/>
           </a:xfrm>
           <a:prstGeom prst="straightConnector1">
             <a:avLst/>
@@ -14167,8 +14167,8 @@
         </p:nvCxnSpPr>
         <p:spPr>
           <a:xfrm>
-            <a:off x="8363810" y="14028156"/>
-            <a:ext cx="3797464" cy="834834"/>
+            <a:off x="8495293" y="13893123"/>
+            <a:ext cx="3665981" cy="417417"/>
           </a:xfrm>
           <a:prstGeom prst="straightConnector1">
             <a:avLst/>
@@ -14211,8 +14211,8 @@
         </p:nvCxnSpPr>
         <p:spPr>
           <a:xfrm>
-            <a:off x="8363810" y="14028156"/>
-            <a:ext cx="3738188" cy="2810814"/>
+            <a:off x="8495293" y="13893123"/>
+            <a:ext cx="3606705" cy="2393397"/>
           </a:xfrm>
           <a:prstGeom prst="straightConnector1">
             <a:avLst/>
@@ -14253,7 +14253,7 @@
         </p:nvSpPr>
         <p:spPr>
           <a:xfrm>
-            <a:off x="16088851" y="12311095"/>
+            <a:off x="16088851" y="11758645"/>
             <a:ext cx="6645325" cy="2062103"/>
           </a:xfrm>
           <a:prstGeom prst="rect">
@@ -14324,7 +14324,7 @@
         </p:nvSpPr>
         <p:spPr>
           <a:xfrm>
-            <a:off x="16088851" y="14325630"/>
+            <a:off x="16088851" y="13773180"/>
             <a:ext cx="6645325" cy="1138773"/>
           </a:xfrm>
           <a:prstGeom prst="rect">
@@ -14392,7 +14392,7 @@
         </p:nvSpPr>
         <p:spPr>
           <a:xfrm>
-            <a:off x="16212675" y="15892486"/>
+            <a:off x="16212675" y="15340036"/>
             <a:ext cx="6397675" cy="1569660"/>
           </a:xfrm>
           <a:prstGeom prst="rect">
@@ -14452,13 +14452,13 @@
           <p:nvPr>
             <p:extLst>
               <p:ext uri="{D42A27DB-BD31-4B8C-83A1-F6EECF244321}">
-                <p14:modId xmlns:p14="http://schemas.microsoft.com/office/powerpoint/2010/main" val="4222205168"/>
+                <p14:modId xmlns:p14="http://schemas.microsoft.com/office/powerpoint/2010/main" val="4166961056"/>
               </p:ext>
             </p:extLst>
           </p:nvPr>
         </p:nvGraphicFramePr>
         <p:xfrm>
-          <a:off x="6880122" y="17085923"/>
+          <a:off x="6880122" y="16533473"/>
           <a:ext cx="4884244" cy="1280160"/>
         </p:xfrm>
         <a:graphic>
@@ -14597,13 +14597,13 @@
           <p:nvPr>
             <p:extLst>
               <p:ext uri="{D42A27DB-BD31-4B8C-83A1-F6EECF244321}">
-                <p14:modId xmlns:p14="http://schemas.microsoft.com/office/powerpoint/2010/main" val="125095591"/>
+                <p14:modId xmlns:p14="http://schemas.microsoft.com/office/powerpoint/2010/main" val="1340447623"/>
               </p:ext>
             </p:extLst>
           </p:nvPr>
         </p:nvGraphicFramePr>
         <p:xfrm>
-          <a:off x="843988" y="11925494"/>
+          <a:off x="843988" y="11500044"/>
           <a:ext cx="11199426" cy="1828800"/>
         </p:xfrm>
         <a:graphic>
@@ -14828,6 +14828,231 @@
           </a:graphicData>
         </a:graphic>
       </p:graphicFrame>
+      <p:graphicFrame>
+        <p:nvGraphicFramePr>
+          <p:cNvPr id="13" name="Table 14">
+            <a:extLst>
+              <a:ext uri="{FF2B5EF4-FFF2-40B4-BE49-F238E27FC236}">
+                <a16:creationId xmlns:a16="http://schemas.microsoft.com/office/drawing/2014/main" id="{CB58064B-2078-046E-C89E-5BDDB94E798A}"/>
+              </a:ext>
+            </a:extLst>
+          </p:cNvPr>
+          <p:cNvGraphicFramePr>
+            <a:graphicFrameLocks noGrp="1"/>
+          </p:cNvGraphicFramePr>
+          <p:nvPr>
+            <p:extLst>
+              <p:ext uri="{D42A27DB-BD31-4B8C-83A1-F6EECF244321}">
+                <p14:modId xmlns:p14="http://schemas.microsoft.com/office/powerpoint/2010/main" val="1292406101"/>
+              </p:ext>
+            </p:extLst>
+          </p:nvPr>
+        </p:nvGraphicFramePr>
+        <p:xfrm>
+          <a:off x="12743987" y="1892813"/>
+          <a:ext cx="5032375" cy="1158240"/>
+        </p:xfrm>
+        <a:graphic>
+          <a:graphicData uri="http://schemas.openxmlformats.org/drawingml/2006/table">
+            <a:tbl>
+              <a:tblPr firstRow="1" bandRow="1">
+                <a:tableStyleId>{5C22544A-7EE6-4342-B048-85BDC9FD1C3A}</a:tableStyleId>
+              </a:tblPr>
+              <a:tblGrid>
+                <a:gridCol w="5032375">
+                  <a:extLst>
+                    <a:ext uri="{9D8B030D-6E8A-4147-A177-3AD203B41FA5}">
+                      <a16:colId xmlns:a16="http://schemas.microsoft.com/office/drawing/2014/main" val="2187730031"/>
+                    </a:ext>
+                  </a:extLst>
+                </a:gridCol>
+              </a:tblGrid>
+              <a:tr h="439753">
+                <a:tc>
+                  <a:txBody>
+                    <a:bodyPr/>
+                    <a:lstStyle/>
+                    <a:p>
+                      <a:r>
+                        <a:rPr lang="en-US" sz="3200" b="1" dirty="0">
+                          <a:solidFill>
+                            <a:schemeClr val="tx1"/>
+                          </a:solidFill>
+                          <a:latin typeface="Arial" panose="020B0604020202020204" pitchFamily="34" charset="0"/>
+                          <a:cs typeface="Arial" panose="020B0604020202020204" pitchFamily="34" charset="0"/>
+                        </a:rPr>
+                        <a:t>Tumor Segmentation</a:t>
+                      </a:r>
+                    </a:p>
+                  </a:txBody>
+                  <a:tcPr>
+                    <a:lnL w="12700" cmpd="sng">
+                      <a:noFill/>
+                    </a:lnL>
+                    <a:lnR w="12700" cmpd="sng">
+                      <a:noFill/>
+                    </a:lnR>
+                    <a:lnT w="12700" cmpd="sng">
+                      <a:noFill/>
+                    </a:lnT>
+                    <a:lnB w="38100" cmpd="sng">
+                      <a:noFill/>
+                    </a:lnB>
+                    <a:lnTlToBr w="12700" cmpd="sng">
+                      <a:noFill/>
+                      <a:prstDash val="solid"/>
+                    </a:lnTlToBr>
+                    <a:lnBlToTr w="12700" cmpd="sng">
+                      <a:noFill/>
+                      <a:prstDash val="solid"/>
+                    </a:lnBlToTr>
+                    <a:noFill/>
+                  </a:tcPr>
+                </a:tc>
+                <a:extLst>
+                  <a:ext uri="{0D108BD9-81ED-4DB2-BD59-A6C34878D82A}">
+                    <a16:rowId xmlns:a16="http://schemas.microsoft.com/office/drawing/2014/main" val="3822864057"/>
+                  </a:ext>
+                </a:extLst>
+              </a:tr>
+              <a:tr h="370840">
+                <a:tc>
+                  <a:txBody>
+                    <a:bodyPr/>
+                    <a:lstStyle/>
+                    <a:p>
+                      <a:r>
+                        <a:rPr lang="en-US" sz="3200" b="1" dirty="0">
+                          <a:solidFill>
+                            <a:schemeClr val="tx1"/>
+                          </a:solidFill>
+                          <a:latin typeface="Arial" panose="020B0604020202020204" pitchFamily="34" charset="0"/>
+                          <a:cs typeface="Arial" panose="020B0604020202020204" pitchFamily="34" charset="0"/>
+                        </a:rPr>
+                        <a:t>Liver Segmentation</a:t>
+                      </a:r>
+                    </a:p>
+                  </a:txBody>
+                  <a:tcPr>
+                    <a:lnL w="12700" cmpd="sng">
+                      <a:noFill/>
+                    </a:lnL>
+                    <a:lnR w="12700" cmpd="sng">
+                      <a:noFill/>
+                    </a:lnR>
+                    <a:lnT w="38100" cmpd="sng">
+                      <a:noFill/>
+                    </a:lnT>
+                    <a:lnB w="12700" cmpd="sng">
+                      <a:noFill/>
+                    </a:lnB>
+                    <a:lnTlToBr w="12700" cmpd="sng">
+                      <a:noFill/>
+                      <a:prstDash val="solid"/>
+                    </a:lnTlToBr>
+                    <a:lnBlToTr w="12700" cmpd="sng">
+                      <a:noFill/>
+                      <a:prstDash val="solid"/>
+                    </a:lnBlToTr>
+                    <a:noFill/>
+                  </a:tcPr>
+                </a:tc>
+                <a:extLst>
+                  <a:ext uri="{0D108BD9-81ED-4DB2-BD59-A6C34878D82A}">
+                    <a16:rowId xmlns:a16="http://schemas.microsoft.com/office/drawing/2014/main" val="3789982948"/>
+                  </a:ext>
+                </a:extLst>
+              </a:tr>
+            </a:tbl>
+          </a:graphicData>
+        </a:graphic>
+      </p:graphicFrame>
+      <p:cxnSp>
+        <p:nvCxnSpPr>
+          <p:cNvPr id="16" name="Straight Connector 15">
+            <a:extLst>
+              <a:ext uri="{FF2B5EF4-FFF2-40B4-BE49-F238E27FC236}">
+                <a16:creationId xmlns:a16="http://schemas.microsoft.com/office/drawing/2014/main" id="{CF713D32-5B15-1F73-B6CD-97B727F1FECC}"/>
+              </a:ext>
+            </a:extLst>
+          </p:cNvPr>
+          <p:cNvCxnSpPr>
+            <a:cxnSpLocks/>
+          </p:cNvCxnSpPr>
+          <p:nvPr/>
+        </p:nvCxnSpPr>
+        <p:spPr>
+          <a:xfrm>
+            <a:off x="10624364" y="2210264"/>
+            <a:ext cx="1861198" cy="0"/>
+          </a:xfrm>
+          <a:prstGeom prst="line">
+            <a:avLst/>
+          </a:prstGeom>
+          <a:ln w="38100">
+            <a:solidFill>
+              <a:srgbClr val="FF00FF"/>
+            </a:solidFill>
+          </a:ln>
+        </p:spPr>
+        <p:style>
+          <a:lnRef idx="1">
+            <a:schemeClr val="accent1"/>
+          </a:lnRef>
+          <a:fillRef idx="0">
+            <a:schemeClr val="accent1"/>
+          </a:fillRef>
+          <a:effectRef idx="0">
+            <a:schemeClr val="accent1"/>
+          </a:effectRef>
+          <a:fontRef idx="minor">
+            <a:schemeClr val="tx1"/>
+          </a:fontRef>
+        </p:style>
+      </p:cxnSp>
+      <p:cxnSp>
+        <p:nvCxnSpPr>
+          <p:cNvPr id="41" name="Straight Connector 40">
+            <a:extLst>
+              <a:ext uri="{FF2B5EF4-FFF2-40B4-BE49-F238E27FC236}">
+                <a16:creationId xmlns:a16="http://schemas.microsoft.com/office/drawing/2014/main" id="{D966EB1D-A0FE-3693-ED09-4C8A94D09CE6}"/>
+              </a:ext>
+            </a:extLst>
+          </p:cNvPr>
+          <p:cNvCxnSpPr>
+            <a:cxnSpLocks/>
+          </p:cNvCxnSpPr>
+          <p:nvPr/>
+        </p:nvCxnSpPr>
+        <p:spPr>
+          <a:xfrm>
+            <a:off x="10624364" y="2781764"/>
+            <a:ext cx="1861198" cy="0"/>
+          </a:xfrm>
+          <a:prstGeom prst="line">
+            <a:avLst/>
+          </a:prstGeom>
+          <a:ln w="38100">
+            <a:solidFill>
+              <a:srgbClr val="9CCF35"/>
+            </a:solidFill>
+          </a:ln>
+        </p:spPr>
+        <p:style>
+          <a:lnRef idx="1">
+            <a:schemeClr val="accent1"/>
+          </a:lnRef>
+          <a:fillRef idx="0">
+            <a:schemeClr val="accent1"/>
+          </a:fillRef>
+          <a:effectRef idx="0">
+            <a:schemeClr val="accent1"/>
+          </a:effectRef>
+          <a:fontRef idx="minor">
+            <a:schemeClr val="tx1"/>
+          </a:fontRef>
+        </p:style>
+      </p:cxnSp>
     </p:spTree>
     <p:extLst>
       <p:ext uri="{BB962C8B-B14F-4D97-AF65-F5344CB8AC3E}">
